--- a/nvdacheat.pptx
+++ b/nvdacheat.pptx
@@ -4612,21 +4612,21 @@
               <a:pPr algn="r"/>
               <a:r>
                 <a:rPr lang="en-US" altLang="ja-JP" sz="1400" kern="0" dirty="0">
-                  <a:latin typeface="源ノ角ゴシック JP Bold" panose="020B0800000000000000" pitchFamily="34" charset="-128"/>
-                  <a:ea typeface="源ノ角ゴシック JP Bold" panose="020B0800000000000000" pitchFamily="34" charset="-128"/>
+                  <a:latin typeface="源ノ角ゴシック JP Heavy" panose="020B0A00000000000000" pitchFamily="34" charset="-128"/>
+                  <a:ea typeface="源ノ角ゴシック JP Heavy" panose="020B0A00000000000000" pitchFamily="34" charset="-128"/>
                 </a:rPr>
                 <a:t>NVDA</a:t>
               </a:r>
               <a:r>
                 <a:rPr lang="ja-JP" altLang="en-US" sz="1400" kern="0" dirty="0">
-                  <a:latin typeface="源ノ角ゴシック JP Bold" panose="020B0800000000000000" pitchFamily="34" charset="-128"/>
-                  <a:ea typeface="源ノ角ゴシック JP Bold" panose="020B0800000000000000" pitchFamily="34" charset="-128"/>
+                  <a:latin typeface="源ノ角ゴシック JP Heavy" panose="020B0A00000000000000" pitchFamily="34" charset="-128"/>
+                  <a:ea typeface="源ノ角ゴシック JP Heavy" panose="020B0A00000000000000" pitchFamily="34" charset="-128"/>
                 </a:rPr>
                 <a:t>日本語チーム</a:t>
               </a:r>
               <a:endParaRPr lang="en-US" altLang="ja-JP" sz="1400" kern="0" dirty="0">
-                <a:latin typeface="Wingdings" panose="05000000000000000000" pitchFamily="2" charset="2"/>
-                <a:ea typeface="源ノ角ゴシック JP Bold" panose="020B0800000000000000" pitchFamily="34" charset="-128"/>
+                <a:latin typeface="源ノ角ゴシック JP Heavy" panose="020B0A00000000000000" pitchFamily="34" charset="-128"/>
+                <a:ea typeface="源ノ角ゴシック JP Heavy" panose="020B0A00000000000000" pitchFamily="34" charset="-128"/>
               </a:endParaRPr>
             </a:p>
             <a:p>
@@ -4882,7 +4882,7 @@
                   <a:latin typeface="源ノ角ゴシック JP Light" panose="020B0300000000000000" pitchFamily="34" charset="-128"/>
                   <a:ea typeface="源ノ角ゴシック JP Light" panose="020B0300000000000000" pitchFamily="34" charset="-128"/>
                 </a:rPr>
-                <a:t>210522</a:t>
+                <a:t>210523</a:t>
               </a:r>
               <a:endParaRPr lang="en-US" altLang="ja-JP" sz="800" kern="0" dirty="0">
                 <a:latin typeface="源ノ角ゴシック JP Light" panose="020B0300000000000000" pitchFamily="34" charset="-128"/>
@@ -4959,8 +4959,8 @@
           </p:nvSpPr>
           <p:spPr>
             <a:xfrm>
-              <a:off x="994863" y="2139262"/>
-              <a:ext cx="1566090" cy="246221"/>
+              <a:off x="951564" y="2139262"/>
+              <a:ext cx="1609389" cy="246221"/>
             </a:xfrm>
             <a:prstGeom prst="rect">
               <a:avLst/>
@@ -4974,28 +4974,28 @@
             <a:p>
               <a:r>
                 <a:rPr lang="en-US" altLang="ja-JP" sz="1000" kern="0" dirty="0" err="1">
-                  <a:latin typeface="源ノ角ゴシック JP Bold" panose="020B0800000000000000" pitchFamily="34" charset="-128"/>
-                  <a:ea typeface="源ノ角ゴシック JP Bold" panose="020B0800000000000000" pitchFamily="34" charset="-128"/>
+                  <a:latin typeface="源ノ角ゴシック JP Heavy" panose="020B0A00000000000000" pitchFamily="34" charset="-128"/>
+                  <a:ea typeface="源ノ角ゴシック JP Heavy" panose="020B0A00000000000000" pitchFamily="34" charset="-128"/>
                 </a:rPr>
                 <a:t>Ctrl+Alt+N</a:t>
               </a:r>
               <a:r>
                 <a:rPr lang="en-US" altLang="ja-JP" sz="1000" kern="0" dirty="0">
-                  <a:latin typeface="源ノ角ゴシック JP Bold" panose="020B0800000000000000" pitchFamily="34" charset="-128"/>
-                  <a:ea typeface="源ノ角ゴシック JP Bold" panose="020B0800000000000000" pitchFamily="34" charset="-128"/>
+                  <a:latin typeface="源ノ角ゴシック JP Heavy" panose="020B0A00000000000000" pitchFamily="34" charset="-128"/>
+                  <a:ea typeface="源ノ角ゴシック JP Heavy" panose="020B0A00000000000000" pitchFamily="34" charset="-128"/>
                 </a:rPr>
                 <a:t> : NVDA</a:t>
               </a:r>
               <a:r>
                 <a:rPr lang="ja-JP" altLang="en-US" sz="1000" kern="0" dirty="0">
-                  <a:latin typeface="源ノ角ゴシック JP Bold" panose="020B0800000000000000" pitchFamily="34" charset="-128"/>
-                  <a:ea typeface="源ノ角ゴシック JP Bold" panose="020B0800000000000000" pitchFamily="34" charset="-128"/>
+                  <a:latin typeface="源ノ角ゴシック JP Heavy" panose="020B0A00000000000000" pitchFamily="34" charset="-128"/>
+                  <a:ea typeface="源ノ角ゴシック JP Heavy" panose="020B0A00000000000000" pitchFamily="34" charset="-128"/>
                 </a:rPr>
                 <a:t>起動</a:t>
               </a:r>
               <a:endParaRPr lang="en-US" altLang="ja-JP" sz="1000" dirty="0">
-                <a:latin typeface="源ノ角ゴシック JP Bold" panose="020B0800000000000000" pitchFamily="34" charset="-128"/>
-                <a:ea typeface="源ノ角ゴシック JP Bold" panose="020B0800000000000000" pitchFamily="34" charset="-128"/>
+                <a:latin typeface="源ノ角ゴシック JP Heavy" panose="020B0A00000000000000" pitchFamily="34" charset="-128"/>
+                <a:ea typeface="源ノ角ゴシック JP Heavy" panose="020B0A00000000000000" pitchFamily="34" charset="-128"/>
               </a:endParaRPr>
             </a:p>
           </p:txBody>
@@ -5024,28 +5024,28 @@
           <a:p>
             <a:r>
               <a:rPr lang="ja-JP" altLang="en-US" sz="1100" dirty="0">
-                <a:latin typeface="源ノ角ゴシック JP Bold" panose="020B0800000000000000" pitchFamily="34" charset="-128"/>
-                <a:ea typeface="源ノ角ゴシック JP Bold" panose="020B0800000000000000" pitchFamily="34" charset="-128"/>
+                <a:latin typeface="源ノ角ゴシック JP Heavy" panose="020B0A00000000000000" pitchFamily="34" charset="-128"/>
+                <a:ea typeface="源ノ角ゴシック JP Heavy" panose="020B0A00000000000000" pitchFamily="34" charset="-128"/>
               </a:rPr>
               <a:t>■ </a:t>
             </a:r>
             <a:r>
               <a:rPr lang="en-US" altLang="ja-JP" sz="1100" dirty="0">
-                <a:latin typeface="源ノ角ゴシック JP Bold" panose="020B0800000000000000" pitchFamily="34" charset="-128"/>
-                <a:ea typeface="源ノ角ゴシック JP Bold" panose="020B0800000000000000" pitchFamily="34" charset="-128"/>
+                <a:latin typeface="源ノ角ゴシック JP Heavy" panose="020B0A00000000000000" pitchFamily="34" charset="-128"/>
+                <a:ea typeface="源ノ角ゴシック JP Heavy" panose="020B0A00000000000000" pitchFamily="34" charset="-128"/>
               </a:rPr>
               <a:t>NVDA</a:t>
             </a:r>
             <a:r>
               <a:rPr lang="ja-JP" altLang="en-US" sz="1100" dirty="0">
-                <a:latin typeface="源ノ角ゴシック JP Bold" panose="020B0800000000000000" pitchFamily="34" charset="-128"/>
-                <a:ea typeface="源ノ角ゴシック JP Bold" panose="020B0800000000000000" pitchFamily="34" charset="-128"/>
+                <a:latin typeface="源ノ角ゴシック JP Heavy" panose="020B0A00000000000000" pitchFamily="34" charset="-128"/>
+                <a:ea typeface="源ノ角ゴシック JP Heavy" panose="020B0A00000000000000" pitchFamily="34" charset="-128"/>
               </a:rPr>
               <a:t>制御キー</a:t>
             </a:r>
             <a:endParaRPr lang="en-US" altLang="ja-JP" sz="1100" dirty="0">
-              <a:latin typeface="源ノ角ゴシック JP Bold" panose="020B0800000000000000" pitchFamily="34" charset="-128"/>
-              <a:ea typeface="源ノ角ゴシック JP Bold" panose="020B0800000000000000" pitchFamily="34" charset="-128"/>
+              <a:latin typeface="源ノ角ゴシック JP Heavy" panose="020B0A00000000000000" pitchFamily="34" charset="-128"/>
+              <a:ea typeface="源ノ角ゴシック JP Heavy" panose="020B0A00000000000000" pitchFamily="34" charset="-128"/>
             </a:endParaRPr>
           </a:p>
           <a:p>
@@ -5078,21 +5078,21 @@
           <a:p>
             <a:r>
               <a:rPr lang="en-US" altLang="ja-JP" sz="1000" dirty="0">
-                <a:latin typeface="源ノ角ゴシック JP Bold" panose="020B0800000000000000" pitchFamily="34" charset="-128"/>
-                <a:ea typeface="源ノ角ゴシック JP Bold" panose="020B0800000000000000" pitchFamily="34" charset="-128"/>
+                <a:latin typeface="源ノ角ゴシック JP Heavy" panose="020B0A00000000000000" pitchFamily="34" charset="-128"/>
+                <a:ea typeface="源ノ角ゴシック JP Heavy" panose="020B0A00000000000000" pitchFamily="34" charset="-128"/>
               </a:rPr>
               <a:t>Insert</a:t>
             </a:r>
             <a:r>
               <a:rPr lang="ja-JP" altLang="en-US" sz="1000" dirty="0">
-                <a:latin typeface="源ノ角ゴシック JP Bold" panose="020B0800000000000000" pitchFamily="34" charset="-128"/>
-                <a:ea typeface="源ノ角ゴシック JP Bold" panose="020B0800000000000000" pitchFamily="34" charset="-128"/>
+                <a:latin typeface="源ノ角ゴシック JP Heavy" panose="020B0A00000000000000" pitchFamily="34" charset="-128"/>
+                <a:ea typeface="源ノ角ゴシック JP Heavy" panose="020B0A00000000000000" pitchFamily="34" charset="-128"/>
               </a:rPr>
               <a:t>キー</a:t>
             </a:r>
             <a:endParaRPr lang="en-US" altLang="ja-JP" sz="1000" dirty="0">
-              <a:latin typeface="源ノ角ゴシック JP Bold" panose="020B0800000000000000" pitchFamily="34" charset="-128"/>
-              <a:ea typeface="源ノ角ゴシック JP Bold" panose="020B0800000000000000" pitchFamily="34" charset="-128"/>
+              <a:latin typeface="源ノ角ゴシック JP Heavy" panose="020B0A00000000000000" pitchFamily="34" charset="-128"/>
+              <a:ea typeface="源ノ角ゴシック JP Heavy" panose="020B0A00000000000000" pitchFamily="34" charset="-128"/>
             </a:endParaRPr>
           </a:p>
           <a:p>
@@ -5160,14 +5160,14 @@
           <a:p>
             <a:r>
               <a:rPr lang="ja-JP" altLang="en-US" sz="1000" dirty="0">
-                <a:latin typeface="源ノ角ゴシック JP Bold" panose="020B0800000000000000" pitchFamily="34" charset="-128"/>
-                <a:ea typeface="源ノ角ゴシック JP Bold" panose="020B0800000000000000" pitchFamily="34" charset="-128"/>
+                <a:latin typeface="源ノ角ゴシック JP Heavy" panose="020B0A00000000000000" pitchFamily="34" charset="-128"/>
+                <a:ea typeface="源ノ角ゴシック JP Heavy" panose="020B0A00000000000000" pitchFamily="34" charset="-128"/>
               </a:rPr>
               <a:t>無変換キー</a:t>
             </a:r>
             <a:endParaRPr lang="en-US" altLang="ja-JP" sz="1000" dirty="0">
-              <a:latin typeface="源ノ角ゴシック JP Bold" panose="020B0800000000000000" pitchFamily="34" charset="-128"/>
-              <a:ea typeface="源ノ角ゴシック JP Bold" panose="020B0800000000000000" pitchFamily="34" charset="-128"/>
+              <a:latin typeface="源ノ角ゴシック JP Heavy" panose="020B0A00000000000000" pitchFamily="34" charset="-128"/>
+              <a:ea typeface="源ノ角ゴシック JP Heavy" panose="020B0A00000000000000" pitchFamily="34" charset="-128"/>
             </a:endParaRPr>
           </a:p>
           <a:p>
@@ -5228,61 +5228,61 @@
           <a:p>
             <a:r>
               <a:rPr lang="en-US" altLang="ja-JP" sz="1000" dirty="0">
-                <a:latin typeface="源ノ角ゴシック JP Bold" panose="020B0800000000000000" pitchFamily="34" charset="-128"/>
-                <a:ea typeface="源ノ角ゴシック JP Bold" panose="020B0800000000000000" pitchFamily="34" charset="-128"/>
+                <a:latin typeface="源ノ角ゴシック JP Heavy" panose="020B0A00000000000000" pitchFamily="34" charset="-128"/>
+                <a:ea typeface="源ノ角ゴシック JP Heavy" panose="020B0A00000000000000" pitchFamily="34" charset="-128"/>
               </a:rPr>
               <a:t>NVDA+N : NVDA</a:t>
             </a:r>
             <a:r>
               <a:rPr lang="ja-JP" altLang="en-US" sz="1000" dirty="0">
-                <a:latin typeface="源ノ角ゴシック JP Bold" panose="020B0800000000000000" pitchFamily="34" charset="-128"/>
-                <a:ea typeface="源ノ角ゴシック JP Bold" panose="020B0800000000000000" pitchFamily="34" charset="-128"/>
+                <a:latin typeface="源ノ角ゴシック JP Heavy" panose="020B0A00000000000000" pitchFamily="34" charset="-128"/>
+                <a:ea typeface="源ノ角ゴシック JP Heavy" panose="020B0A00000000000000" pitchFamily="34" charset="-128"/>
               </a:rPr>
               <a:t>メニュー</a:t>
             </a:r>
             <a:endParaRPr lang="en-US" altLang="ja-JP" sz="1000" dirty="0">
-              <a:latin typeface="源ノ角ゴシック JP Bold" panose="020B0800000000000000" pitchFamily="34" charset="-128"/>
-              <a:ea typeface="源ノ角ゴシック JP Bold" panose="020B0800000000000000" pitchFamily="34" charset="-128"/>
+              <a:latin typeface="源ノ角ゴシック JP Heavy" panose="020B0A00000000000000" pitchFamily="34" charset="-128"/>
+              <a:ea typeface="源ノ角ゴシック JP Heavy" panose="020B0A00000000000000" pitchFamily="34" charset="-128"/>
             </a:endParaRPr>
           </a:p>
           <a:p>
             <a:r>
               <a:rPr lang="en-US" altLang="ja-JP" sz="1000" dirty="0">
-                <a:latin typeface="源ノ角ゴシック JP Bold" panose="020B0800000000000000" pitchFamily="34" charset="-128"/>
-                <a:ea typeface="源ノ角ゴシック JP Bold" panose="020B0800000000000000" pitchFamily="34" charset="-128"/>
+                <a:latin typeface="源ノ角ゴシック JP Heavy" panose="020B0A00000000000000" pitchFamily="34" charset="-128"/>
+                <a:ea typeface="源ノ角ゴシック JP Heavy" panose="020B0A00000000000000" pitchFamily="34" charset="-128"/>
               </a:rPr>
               <a:t>NVDA+Q : NVDA</a:t>
             </a:r>
             <a:r>
               <a:rPr lang="ja-JP" altLang="en-US" sz="1000" dirty="0">
-                <a:latin typeface="源ノ角ゴシック JP Bold" panose="020B0800000000000000" pitchFamily="34" charset="-128"/>
-                <a:ea typeface="源ノ角ゴシック JP Bold" panose="020B0800000000000000" pitchFamily="34" charset="-128"/>
+                <a:latin typeface="源ノ角ゴシック JP Heavy" panose="020B0A00000000000000" pitchFamily="34" charset="-128"/>
+                <a:ea typeface="源ノ角ゴシック JP Heavy" panose="020B0A00000000000000" pitchFamily="34" charset="-128"/>
               </a:rPr>
               <a:t>の終了</a:t>
             </a:r>
             <a:endParaRPr lang="en-US" altLang="ja-JP" sz="1000" dirty="0">
-              <a:latin typeface="源ノ角ゴシック JP Bold" panose="020B0800000000000000" pitchFamily="34" charset="-128"/>
-              <a:ea typeface="源ノ角ゴシック JP Bold" panose="020B0800000000000000" pitchFamily="34" charset="-128"/>
+              <a:latin typeface="源ノ角ゴシック JP Heavy" panose="020B0A00000000000000" pitchFamily="34" charset="-128"/>
+              <a:ea typeface="源ノ角ゴシック JP Heavy" panose="020B0A00000000000000" pitchFamily="34" charset="-128"/>
             </a:endParaRPr>
           </a:p>
           <a:p>
             <a:r>
               <a:rPr lang="en-US" altLang="ja-JP" sz="1000" dirty="0">
-                <a:latin typeface="源ノ角ゴシック JP Bold" panose="020B0800000000000000" pitchFamily="34" charset="-128"/>
-                <a:ea typeface="源ノ角ゴシック JP Bold" panose="020B0800000000000000" pitchFamily="34" charset="-128"/>
+                <a:latin typeface="源ノ角ゴシック JP Heavy" panose="020B0A00000000000000" pitchFamily="34" charset="-128"/>
+                <a:ea typeface="源ノ角ゴシック JP Heavy" panose="020B0A00000000000000" pitchFamily="34" charset="-128"/>
               </a:rPr>
               <a:t>NVDA+1 : </a:t>
             </a:r>
             <a:r>
               <a:rPr lang="ja-JP" altLang="en-US" sz="1000" dirty="0">
-                <a:latin typeface="源ノ角ゴシック JP Bold" panose="020B0800000000000000" pitchFamily="34" charset="-128"/>
-                <a:ea typeface="源ノ角ゴシック JP Bold" panose="020B0800000000000000" pitchFamily="34" charset="-128"/>
+                <a:latin typeface="源ノ角ゴシック JP Heavy" panose="020B0A00000000000000" pitchFamily="34" charset="-128"/>
+                <a:ea typeface="源ノ角ゴシック JP Heavy" panose="020B0A00000000000000" pitchFamily="34" charset="-128"/>
               </a:rPr>
               <a:t>入力ヘルプ</a:t>
             </a:r>
             <a:endParaRPr lang="en-US" altLang="ja-JP" sz="1000" dirty="0">
-              <a:latin typeface="源ノ角ゴシック JP Bold" panose="020B0800000000000000" pitchFamily="34" charset="-128"/>
-              <a:ea typeface="源ノ角ゴシック JP Bold" panose="020B0800000000000000" pitchFamily="34" charset="-128"/>
+              <a:latin typeface="源ノ角ゴシック JP Heavy" panose="020B0A00000000000000" pitchFamily="34" charset="-128"/>
+              <a:ea typeface="源ノ角ゴシック JP Heavy" panose="020B0A00000000000000" pitchFamily="34" charset="-128"/>
             </a:endParaRPr>
           </a:p>
           <a:p>
@@ -5301,18 +5301,11 @@
               <a:t> : </a:t>
             </a:r>
             <a:r>
-              <a:rPr lang="ja-JP" altLang="en-US" sz="900">
-                <a:latin typeface="源ノ角ゴシック JP Regular" panose="020B0500000000000000" pitchFamily="34" charset="-128"/>
-                <a:ea typeface="源ノ角ゴシック JP Regular" panose="020B0500000000000000" pitchFamily="34" charset="-128"/>
-              </a:rPr>
-              <a:t>既定アクション</a:t>
-            </a:r>
-            <a:r>
               <a:rPr lang="ja-JP" altLang="en-US" sz="900" dirty="0">
                 <a:latin typeface="源ノ角ゴシック JP Regular" panose="020B0500000000000000" pitchFamily="34" charset="-128"/>
                 <a:ea typeface="源ノ角ゴシック JP Regular" panose="020B0500000000000000" pitchFamily="34" charset="-128"/>
               </a:rPr>
-              <a:t>実行</a:t>
+              <a:t>既定アクション実行</a:t>
             </a:r>
             <a:endParaRPr lang="en-US" altLang="ja-JP" sz="1000" dirty="0">
               <a:latin typeface="源ノ角ゴシック JP Regular" panose="020B0500000000000000" pitchFamily="34" charset="-128"/>
@@ -5350,35 +5343,35 @@
           <a:p>
             <a:r>
               <a:rPr lang="ja-JP" altLang="en-US" sz="1100" dirty="0">
-                <a:latin typeface="源ノ角ゴシック JP Bold" panose="020B0800000000000000" pitchFamily="34" charset="-128"/>
-                <a:ea typeface="源ノ角ゴシック JP Bold" panose="020B0800000000000000" pitchFamily="34" charset="-128"/>
+                <a:latin typeface="源ノ角ゴシック JP Heavy" panose="020B0A00000000000000" pitchFamily="34" charset="-128"/>
+                <a:ea typeface="源ノ角ゴシック JP Heavy" panose="020B0A00000000000000" pitchFamily="34" charset="-128"/>
               </a:rPr>
               <a:t>■ </a:t>
             </a:r>
             <a:r>
               <a:rPr lang="en-US" altLang="ja-JP" sz="1100" dirty="0">
-                <a:latin typeface="源ノ角ゴシック JP Bold" panose="020B0800000000000000" pitchFamily="34" charset="-128"/>
-                <a:ea typeface="源ノ角ゴシック JP Bold" panose="020B0800000000000000" pitchFamily="34" charset="-128"/>
+                <a:latin typeface="源ノ角ゴシック JP Heavy" panose="020B0A00000000000000" pitchFamily="34" charset="-128"/>
+                <a:ea typeface="源ノ角ゴシック JP Heavy" panose="020B0A00000000000000" pitchFamily="34" charset="-128"/>
               </a:rPr>
               <a:t>Windows </a:t>
             </a:r>
             <a:r>
               <a:rPr lang="ja-JP" altLang="en-US" sz="1100" dirty="0">
-                <a:latin typeface="源ノ角ゴシック JP Bold" panose="020B0800000000000000" pitchFamily="34" charset="-128"/>
-                <a:ea typeface="源ノ角ゴシック JP Bold" panose="020B0800000000000000" pitchFamily="34" charset="-128"/>
+                <a:latin typeface="源ノ角ゴシック JP Heavy" panose="020B0A00000000000000" pitchFamily="34" charset="-128"/>
+                <a:ea typeface="源ノ角ゴシック JP Heavy" panose="020B0A00000000000000" pitchFamily="34" charset="-128"/>
               </a:rPr>
               <a:t>操作</a:t>
             </a:r>
             <a:r>
               <a:rPr lang="ja-JP" altLang="en-US" sz="800" dirty="0">
-                <a:latin typeface="源ノ角ゴシック JP Bold" panose="020B0800000000000000" pitchFamily="34" charset="-128"/>
-                <a:ea typeface="源ノ角ゴシック JP Bold" panose="020B0800000000000000" pitchFamily="34" charset="-128"/>
+                <a:latin typeface="源ノ角ゴシック JP Heavy" panose="020B0A00000000000000" pitchFamily="34" charset="-128"/>
+                <a:ea typeface="源ノ角ゴシック JP Heavy" panose="020B0A00000000000000" pitchFamily="34" charset="-128"/>
               </a:rPr>
               <a:t>（フォーカス）</a:t>
             </a:r>
             <a:endParaRPr lang="en-US" altLang="ja-JP" sz="1100" dirty="0">
-              <a:latin typeface="源ノ角ゴシック JP Bold" panose="020B0800000000000000" pitchFamily="34" charset="-128"/>
-              <a:ea typeface="源ノ角ゴシック JP Bold" panose="020B0800000000000000" pitchFamily="34" charset="-128"/>
+              <a:latin typeface="源ノ角ゴシック JP Heavy" panose="020B0A00000000000000" pitchFamily="34" charset="-128"/>
+              <a:ea typeface="源ノ角ゴシック JP Heavy" panose="020B0A00000000000000" pitchFamily="34" charset="-128"/>
             </a:endParaRPr>
           </a:p>
           <a:p>
@@ -5799,14 +5792,14 @@
             <a:pPr algn="l"/>
             <a:r>
               <a:rPr lang="ja-JP" altLang="en-US" sz="1000" kern="0" dirty="0">
-                <a:latin typeface="源ノ角ゴシック JP Bold" panose="020B0800000000000000" pitchFamily="34" charset="-128"/>
-                <a:ea typeface="源ノ角ゴシック JP Bold" panose="020B0800000000000000" pitchFamily="34" charset="-128"/>
+                <a:latin typeface="源ノ角ゴシック JP Heavy" panose="020B0A00000000000000" pitchFamily="34" charset="-128"/>
+                <a:ea typeface="源ノ角ゴシック JP Heavy" panose="020B0A00000000000000" pitchFamily="34" charset="-128"/>
               </a:rPr>
               <a:t>■ 報告</a:t>
             </a:r>
             <a:endParaRPr lang="en-US" altLang="ja-JP" sz="1000" kern="0" dirty="0">
-              <a:latin typeface="源ノ角ゴシック JP Regular" panose="020B0500000000000000" pitchFamily="34" charset="-128"/>
-              <a:ea typeface="源ノ角ゴシック JP Regular" panose="020B0500000000000000" pitchFamily="34" charset="-128"/>
+              <a:latin typeface="源ノ角ゴシック JP Heavy" panose="020B0A00000000000000" pitchFamily="34" charset="-128"/>
+              <a:ea typeface="源ノ角ゴシック JP Heavy" panose="020B0A00000000000000" pitchFamily="34" charset="-128"/>
             </a:endParaRPr>
           </a:p>
         </p:txBody>
@@ -6154,35 +6147,35 @@
               <a:pPr algn="l"/>
               <a:r>
                 <a:rPr lang="ja-JP" altLang="en-US" sz="800" kern="0" dirty="0">
-                  <a:latin typeface="源ノ角ゴシック JP Bold" panose="020B0800000000000000" pitchFamily="34" charset="-128"/>
-                  <a:ea typeface="源ノ角ゴシック JP Bold" panose="020B0800000000000000" pitchFamily="34" charset="-128"/>
+                  <a:latin typeface="源ノ角ゴシック JP Heavy" panose="020B0A00000000000000" pitchFamily="34" charset="-128"/>
+                  <a:ea typeface="源ノ角ゴシック JP Heavy" panose="020B0A00000000000000" pitchFamily="34" charset="-128"/>
                 </a:rPr>
                 <a:t>■ テキスト</a:t>
               </a:r>
               <a:endParaRPr lang="en-US" altLang="ja-JP" sz="800" kern="0" dirty="0">
-                <a:latin typeface="源ノ角ゴシック JP Bold" panose="020B0800000000000000" pitchFamily="34" charset="-128"/>
-                <a:ea typeface="源ノ角ゴシック JP Bold" panose="020B0800000000000000" pitchFamily="34" charset="-128"/>
+                <a:latin typeface="源ノ角ゴシック JP Heavy" panose="020B0A00000000000000" pitchFamily="34" charset="-128"/>
+                <a:ea typeface="源ノ角ゴシック JP Heavy" panose="020B0A00000000000000" pitchFamily="34" charset="-128"/>
               </a:endParaRPr>
             </a:p>
             <a:p>
               <a:pPr algn="l"/>
               <a:r>
                 <a:rPr lang="ja-JP" altLang="en-US" sz="800" kern="0" dirty="0">
-                  <a:latin typeface="源ノ角ゴシック JP Bold" panose="020B0800000000000000" pitchFamily="34" charset="-128"/>
-                  <a:ea typeface="源ノ角ゴシック JP Bold" panose="020B0800000000000000" pitchFamily="34" charset="-128"/>
+                  <a:latin typeface="源ノ角ゴシック JP Heavy" panose="020B0A00000000000000" pitchFamily="34" charset="-128"/>
+                  <a:ea typeface="源ノ角ゴシック JP Heavy" panose="020B0A00000000000000" pitchFamily="34" charset="-128"/>
                 </a:rPr>
                 <a:t>　 カーソル</a:t>
               </a:r>
               <a:endParaRPr lang="en-US" altLang="ja-JP" sz="800" kern="0" dirty="0">
-                <a:latin typeface="源ノ角ゴシック JP Bold" panose="020B0800000000000000" pitchFamily="34" charset="-128"/>
-                <a:ea typeface="源ノ角ゴシック JP Bold" panose="020B0800000000000000" pitchFamily="34" charset="-128"/>
+                <a:latin typeface="源ノ角ゴシック JP Heavy" panose="020B0A00000000000000" pitchFamily="34" charset="-128"/>
+                <a:ea typeface="源ノ角ゴシック JP Heavy" panose="020B0A00000000000000" pitchFamily="34" charset="-128"/>
               </a:endParaRPr>
             </a:p>
             <a:p>
               <a:pPr algn="l"/>
               <a:endParaRPr lang="en-US" altLang="ja-JP" sz="900" kern="0" dirty="0">
-                <a:latin typeface="源ノ角ゴシック JP Regular" panose="020B0500000000000000" pitchFamily="34" charset="-128"/>
-                <a:ea typeface="源ノ角ゴシック JP Regular" panose="020B0500000000000000" pitchFamily="34" charset="-128"/>
+                <a:latin typeface="源ノ角ゴシック JP Heavy" panose="020B0A00000000000000" pitchFamily="34" charset="-128"/>
+                <a:ea typeface="源ノ角ゴシック JP Heavy" panose="020B0A00000000000000" pitchFamily="34" charset="-128"/>
               </a:endParaRPr>
             </a:p>
           </p:txBody>
@@ -6408,8 +6401,8 @@
               </a:r>
               <a:r>
                 <a:rPr lang="en-US" altLang="ja-JP" sz="800" kern="0" dirty="0" err="1">
-                  <a:latin typeface="源ノ角ゴシック JP Bold" panose="020B0800000000000000" pitchFamily="34" charset="-128"/>
-                  <a:ea typeface="源ノ角ゴシック JP Bold" panose="020B0800000000000000" pitchFamily="34" charset="-128"/>
+                  <a:latin typeface="源ノ角ゴシック JP Heavy" panose="020B0A00000000000000" pitchFamily="34" charset="-128"/>
+                  <a:ea typeface="源ノ角ゴシック JP Heavy" panose="020B0A00000000000000" pitchFamily="34" charset="-128"/>
                 </a:rPr>
                 <a:t>NVDA+</a:t>
               </a:r>
@@ -6428,21 +6421,21 @@
               </a:r>
               <a:r>
                 <a:rPr lang="en-US" altLang="ja-JP" sz="800" kern="0" dirty="0">
-                  <a:latin typeface="源ノ角ゴシック JP Bold" panose="020B0800000000000000" pitchFamily="34" charset="-128"/>
-                  <a:ea typeface="源ノ角ゴシック JP Bold" panose="020B0800000000000000" pitchFamily="34" charset="-128"/>
+                  <a:latin typeface="源ノ角ゴシック JP Heavy" panose="020B0A00000000000000" pitchFamily="34" charset="-128"/>
+                  <a:ea typeface="源ノ角ゴシック JP Heavy" panose="020B0A00000000000000" pitchFamily="34" charset="-128"/>
                 </a:rPr>
                 <a:t>: </a:t>
               </a:r>
               <a:r>
                 <a:rPr lang="ja-JP" altLang="en-US" sz="800" kern="0" dirty="0">
-                  <a:latin typeface="源ノ角ゴシック JP Bold" panose="020B0800000000000000" pitchFamily="34" charset="-128"/>
-                  <a:ea typeface="源ノ角ゴシック JP Bold" panose="020B0800000000000000" pitchFamily="34" charset="-128"/>
+                  <a:latin typeface="源ノ角ゴシック JP Heavy" panose="020B0A00000000000000" pitchFamily="34" charset="-128"/>
+                  <a:ea typeface="源ノ角ゴシック JP Heavy" panose="020B0A00000000000000" pitchFamily="34" charset="-128"/>
                 </a:rPr>
                 <a:t>行の報告</a:t>
               </a:r>
               <a:endParaRPr lang="en-US" altLang="ja-JP" sz="800" kern="0" dirty="0">
-                <a:latin typeface="源ノ角ゴシック JP Bold" panose="020B0800000000000000" pitchFamily="34" charset="-128"/>
-                <a:ea typeface="源ノ角ゴシック JP Bold" panose="020B0800000000000000" pitchFamily="34" charset="-128"/>
+                <a:latin typeface="源ノ角ゴシック JP Heavy" panose="020B0A00000000000000" pitchFamily="34" charset="-128"/>
+                <a:ea typeface="源ノ角ゴシック JP Heavy" panose="020B0A00000000000000" pitchFamily="34" charset="-128"/>
               </a:endParaRPr>
             </a:p>
             <a:p>
@@ -6463,21 +6456,21 @@
               </a:r>
               <a:r>
                 <a:rPr lang="en-US" altLang="ja-JP" sz="800" kern="0" dirty="0">
-                  <a:latin typeface="源ノ角ゴシック JP Bold" panose="020B0800000000000000" pitchFamily="34" charset="-128"/>
-                  <a:ea typeface="源ノ角ゴシック JP Bold" panose="020B0800000000000000" pitchFamily="34" charset="-128"/>
+                  <a:latin typeface="源ノ角ゴシック JP Heavy" panose="020B0A00000000000000" pitchFamily="34" charset="-128"/>
+                  <a:ea typeface="源ノ角ゴシック JP Heavy" panose="020B0A00000000000000" pitchFamily="34" charset="-128"/>
                 </a:rPr>
                 <a:t>NVDA+L : </a:t>
               </a:r>
               <a:r>
                 <a:rPr lang="ja-JP" altLang="en-US" sz="800" kern="0" dirty="0">
-                  <a:latin typeface="源ノ角ゴシック JP Bold" panose="020B0800000000000000" pitchFamily="34" charset="-128"/>
-                  <a:ea typeface="源ノ角ゴシック JP Bold" panose="020B0800000000000000" pitchFamily="34" charset="-128"/>
+                  <a:latin typeface="源ノ角ゴシック JP Heavy" panose="020B0A00000000000000" pitchFamily="34" charset="-128"/>
+                  <a:ea typeface="源ノ角ゴシック JP Heavy" panose="020B0A00000000000000" pitchFamily="34" charset="-128"/>
                 </a:rPr>
                 <a:t>行の報告</a:t>
               </a:r>
               <a:endParaRPr lang="en-US" altLang="ja-JP" sz="800" kern="0" dirty="0">
-                <a:latin typeface="源ノ角ゴシック JP Bold" panose="020B0800000000000000" pitchFamily="34" charset="-128"/>
-                <a:ea typeface="源ノ角ゴシック JP Bold" panose="020B0800000000000000" pitchFamily="34" charset="-128"/>
+                <a:latin typeface="源ノ角ゴシック JP Heavy" panose="020B0A00000000000000" pitchFamily="34" charset="-128"/>
+                <a:ea typeface="源ノ角ゴシック JP Heavy" panose="020B0A00000000000000" pitchFamily="34" charset="-128"/>
               </a:endParaRPr>
             </a:p>
             <a:p>
@@ -6696,7 +6689,7 @@
               <a:pPr algn="l"/>
               <a:r>
                 <a:rPr lang="en-US" altLang="ja-JP" sz="800" kern="0" dirty="0" err="1">
-                  <a:latin typeface="源ノ角ゴシック JP Bold" panose="020B0800000000000000" pitchFamily="34" charset="-128"/>
+                  <a:latin typeface="源ノ角ゴシック JP Heavy" panose="020B0A00000000000000" pitchFamily="34" charset="-128"/>
                   <a:ea typeface="源ノ角ゴシック JP Bold" panose="020B0800000000000000" pitchFamily="34" charset="-128"/>
                 </a:rPr>
                 <a:t>NVDA+</a:t>
@@ -6709,49 +6702,56 @@
               </a:r>
               <a:r>
                 <a:rPr lang="ja-JP" altLang="en-US" sz="800" kern="0" dirty="0">
-                  <a:latin typeface="源ノ角ゴシック JP Bold" panose="020B0800000000000000" pitchFamily="34" charset="-128"/>
+                  <a:latin typeface="源ノ角ゴシック JP Heavy" panose="020B0A00000000000000" pitchFamily="34" charset="-128"/>
                   <a:ea typeface="源ノ角ゴシック JP Bold" panose="020B0800000000000000" pitchFamily="34" charset="-128"/>
                 </a:rPr>
                 <a:t> </a:t>
               </a:r>
               <a:r>
                 <a:rPr lang="en-US" altLang="ja-JP" sz="800" kern="0" dirty="0">
-                  <a:latin typeface="源ノ角ゴシック JP Bold" panose="020B0800000000000000" pitchFamily="34" charset="-128"/>
-                  <a:ea typeface="源ノ角ゴシック JP Bold" panose="020B0800000000000000" pitchFamily="34" charset="-128"/>
+                  <a:latin typeface="源ノ角ゴシック JP Heavy" panose="020B0A00000000000000" pitchFamily="34" charset="-128"/>
+                  <a:ea typeface="源ノ角ゴシック JP Heavy" panose="020B0A00000000000000" pitchFamily="34" charset="-128"/>
                 </a:rPr>
                 <a:t>: </a:t>
               </a:r>
               <a:r>
                 <a:rPr lang="ja-JP" altLang="en-US" sz="800" kern="0" dirty="0">
-                  <a:latin typeface="源ノ角ゴシック JP Bold" panose="020B0800000000000000" pitchFamily="34" charset="-128"/>
-                  <a:ea typeface="源ノ角ゴシック JP Bold" panose="020B0800000000000000" pitchFamily="34" charset="-128"/>
+                  <a:latin typeface="源ノ角ゴシック JP Heavy" panose="020B0A00000000000000" pitchFamily="34" charset="-128"/>
+                  <a:ea typeface="源ノ角ゴシック JP Heavy" panose="020B0A00000000000000" pitchFamily="34" charset="-128"/>
                 </a:rPr>
                 <a:t>下に進む</a:t>
               </a:r>
               <a:endParaRPr lang="en-US" altLang="ja-JP" sz="800" kern="0" dirty="0">
-                <a:latin typeface="源ノ角ゴシック JP Bold" panose="020B0800000000000000" pitchFamily="34" charset="-128"/>
-                <a:ea typeface="源ノ角ゴシック JP Bold" panose="020B0800000000000000" pitchFamily="34" charset="-128"/>
+                <a:latin typeface="源ノ角ゴシック JP Heavy" panose="020B0A00000000000000" pitchFamily="34" charset="-128"/>
+                <a:ea typeface="源ノ角ゴシック JP Heavy" panose="020B0A00000000000000" pitchFamily="34" charset="-128"/>
               </a:endParaRPr>
             </a:p>
             <a:p>
               <a:pPr algn="l"/>
               <a:r>
                 <a:rPr lang="en-US" altLang="ja-JP" sz="800" kern="0" dirty="0">
-                  <a:latin typeface="源ノ角ゴシック JP Bold" panose="020B0800000000000000" pitchFamily="34" charset="-128"/>
+                  <a:latin typeface="源ノ角ゴシック JP Heavy" panose="020B0A00000000000000" pitchFamily="34" charset="-128"/>
                   <a:ea typeface="源ノ角ゴシック JP Bold" panose="020B0800000000000000" pitchFamily="34" charset="-128"/>
                 </a:rPr>
-                <a:t>NVDA+A : </a:t>
+                <a:t>NVDA+A </a:t>
+              </a:r>
+              <a:r>
+                <a:rPr lang="en-US" altLang="ja-JP" sz="800" kern="0" dirty="0">
+                  <a:latin typeface="源ノ角ゴシック JP Heavy" panose="020B0A00000000000000" pitchFamily="34" charset="-128"/>
+                  <a:ea typeface="源ノ角ゴシック JP Heavy" panose="020B0A00000000000000" pitchFamily="34" charset="-128"/>
+                </a:rPr>
+                <a:t>: </a:t>
               </a:r>
               <a:r>
                 <a:rPr lang="ja-JP" altLang="en-US" sz="800" kern="0" dirty="0">
-                  <a:latin typeface="源ノ角ゴシック JP Bold" panose="020B0800000000000000" pitchFamily="34" charset="-128"/>
-                  <a:ea typeface="源ノ角ゴシック JP Bold" panose="020B0800000000000000" pitchFamily="34" charset="-128"/>
+                  <a:latin typeface="源ノ角ゴシック JP Heavy" panose="020B0A00000000000000" pitchFamily="34" charset="-128"/>
+                  <a:ea typeface="源ノ角ゴシック JP Heavy" panose="020B0A00000000000000" pitchFamily="34" charset="-128"/>
                 </a:rPr>
                 <a:t>下に進む</a:t>
               </a:r>
               <a:endParaRPr lang="en-US" altLang="ja-JP" sz="800" kern="0" dirty="0">
-                <a:latin typeface="源ノ角ゴシック JP Bold" panose="020B0800000000000000" pitchFamily="34" charset="-128"/>
-                <a:ea typeface="源ノ角ゴシック JP Bold" panose="020B0800000000000000" pitchFamily="34" charset="-128"/>
+                <a:latin typeface="源ノ角ゴシック JP Heavy" panose="020B0A00000000000000" pitchFamily="34" charset="-128"/>
+                <a:ea typeface="源ノ角ゴシック JP Heavy" panose="020B0A00000000000000" pitchFamily="34" charset="-128"/>
               </a:endParaRPr>
             </a:p>
           </p:txBody>
@@ -6955,8 +6955,8 @@
             <a:pPr algn="l"/>
             <a:r>
               <a:rPr lang="ja-JP" altLang="en-US" sz="1100" kern="0" dirty="0">
-                <a:latin typeface="源ノ角ゴシック JP Bold" panose="020B0800000000000000" pitchFamily="34" charset="-128"/>
-                <a:ea typeface="源ノ角ゴシック JP Bold" panose="020B0800000000000000" pitchFamily="34" charset="-128"/>
+                <a:latin typeface="源ノ角ゴシック JP Heavy" panose="020B0A00000000000000" pitchFamily="34" charset="-128"/>
+                <a:ea typeface="源ノ角ゴシック JP Heavy" panose="020B0A00000000000000" pitchFamily="34" charset="-128"/>
               </a:rPr>
               <a:t>■ ビジュアルハイライト</a:t>
             </a:r>
@@ -8305,8 +8305,8 @@
                   <a:solidFill>
                     <a:schemeClr val="tx1"/>
                   </a:solidFill>
-                  <a:latin typeface="源ノ角ゴシック JP Bold" panose="020B0800000000000000" pitchFamily="34" charset="-128"/>
-                  <a:ea typeface="源ノ角ゴシック JP Bold" panose="020B0800000000000000" pitchFamily="34" charset="-128"/>
+                  <a:latin typeface="源ノ角ゴシック JP Heavy" panose="020B0A00000000000000" pitchFamily="34" charset="-128"/>
+                  <a:ea typeface="源ノ角ゴシック JP Heavy" panose="020B0A00000000000000" pitchFamily="34" charset="-128"/>
                 </a:rPr>
                 <a:t>NVDA</a:t>
               </a:r>
@@ -8314,8 +8314,8 @@
                 <a:solidFill>
                   <a:schemeClr val="tx1"/>
                 </a:solidFill>
-                <a:latin typeface="源ノ角ゴシック JP Bold" panose="020B0800000000000000" pitchFamily="34" charset="-128"/>
-                <a:ea typeface="源ノ角ゴシック JP Bold" panose="020B0800000000000000" pitchFamily="34" charset="-128"/>
+                <a:latin typeface="源ノ角ゴシック JP Heavy" panose="020B0A00000000000000" pitchFamily="34" charset="-128"/>
+                <a:ea typeface="源ノ角ゴシック JP Heavy" panose="020B0A00000000000000" pitchFamily="34" charset="-128"/>
               </a:endParaRPr>
             </a:p>
           </p:txBody>
@@ -8969,8 +8969,8 @@
           <a:p>
             <a:r>
               <a:rPr lang="ja-JP" altLang="en-US" sz="1800" kern="0" dirty="0">
-                <a:latin typeface="源ノ角ゴシック JP Bold" panose="020B0800000000000000" pitchFamily="34" charset="-128"/>
-                <a:ea typeface="源ノ角ゴシック JP Bold" panose="020B0800000000000000" pitchFamily="34" charset="-128"/>
+                <a:latin typeface="源ノ角ゴシック JP Heavy" panose="020B0A00000000000000" pitchFamily="34" charset="-128"/>
+                <a:ea typeface="源ノ角ゴシック JP Heavy" panose="020B0A00000000000000" pitchFamily="34" charset="-128"/>
               </a:rPr>
               <a:t>ブラウズモード</a:t>
             </a:r>
@@ -9040,56 +9040,56 @@
             </a:pPr>
             <a:r>
               <a:rPr lang="ja-JP" altLang="en-US" sz="700" dirty="0">
-                <a:latin typeface="源ノ角ゴシック JP Bold" panose="020B0800000000000000" pitchFamily="34" charset="-128"/>
-                <a:ea typeface="源ノ角ゴシック JP Bold" panose="020B0800000000000000" pitchFamily="34" charset="-128"/>
+                <a:latin typeface="源ノ角ゴシック JP Heavy" panose="020B0A00000000000000" pitchFamily="34" charset="-128"/>
+                <a:ea typeface="源ノ角ゴシック JP Heavy" panose="020B0A00000000000000" pitchFamily="34" charset="-128"/>
               </a:rPr>
               <a:t>▼ 矢印キーでブラウズ</a:t>
             </a:r>
             <a:endParaRPr lang="en-US" altLang="ja-JP" sz="700" dirty="0">
-              <a:latin typeface="源ノ角ゴシック JP Bold" panose="020B0800000000000000" pitchFamily="34" charset="-128"/>
-              <a:ea typeface="源ノ角ゴシック JP Bold" panose="020B0800000000000000" pitchFamily="34" charset="-128"/>
+              <a:latin typeface="源ノ角ゴシック JP Heavy" panose="020B0A00000000000000" pitchFamily="34" charset="-128"/>
+              <a:ea typeface="源ノ角ゴシック JP Heavy" panose="020B0A00000000000000" pitchFamily="34" charset="-128"/>
             </a:endParaRPr>
           </a:p>
           <a:p>
             <a:pPr algn="ctr"/>
             <a:r>
               <a:rPr lang="ja-JP" altLang="en-US" sz="700" dirty="0">
-                <a:latin typeface="源ノ角ゴシック JP Bold" panose="020B0800000000000000" pitchFamily="34" charset="-128"/>
-                <a:ea typeface="源ノ角ゴシック JP Bold" panose="020B0800000000000000" pitchFamily="34" charset="-128"/>
+                <a:latin typeface="源ノ角ゴシック JP Heavy" panose="020B0A00000000000000" pitchFamily="34" charset="-128"/>
+                <a:ea typeface="源ノ角ゴシック JP Heavy" panose="020B0A00000000000000" pitchFamily="34" charset="-128"/>
               </a:rPr>
               <a:t>（</a:t>
             </a:r>
             <a:r>
               <a:rPr lang="en-US" altLang="ja-JP" sz="700" dirty="0">
-                <a:latin typeface="源ノ角ゴシック JP Bold" panose="020B0800000000000000" pitchFamily="34" charset="-128"/>
-                <a:ea typeface="源ノ角ゴシック JP Bold" panose="020B0800000000000000" pitchFamily="34" charset="-128"/>
+                <a:latin typeface="源ノ角ゴシック JP Heavy" panose="020B0A00000000000000" pitchFamily="34" charset="-128"/>
+                <a:ea typeface="源ノ角ゴシック JP Heavy" panose="020B0A00000000000000" pitchFamily="34" charset="-128"/>
               </a:rPr>
               <a:t>NVDA+V : </a:t>
             </a:r>
             <a:r>
               <a:rPr lang="ja-JP" altLang="en-US" sz="700" dirty="0">
-                <a:latin typeface="源ノ角ゴシック JP Bold" panose="020B0800000000000000" pitchFamily="34" charset="-128"/>
-                <a:ea typeface="源ノ角ゴシック JP Bold" panose="020B0800000000000000" pitchFamily="34" charset="-128"/>
+                <a:latin typeface="源ノ角ゴシック JP Heavy" panose="020B0A00000000000000" pitchFamily="34" charset="-128"/>
+                <a:ea typeface="源ノ角ゴシック JP Heavy" panose="020B0A00000000000000" pitchFamily="34" charset="-128"/>
               </a:rPr>
               <a:t>画面レイアウト） </a:t>
             </a:r>
             <a:endParaRPr lang="en-US" altLang="ja-JP" sz="700" dirty="0">
-              <a:latin typeface="源ノ角ゴシック JP Bold" panose="020B0800000000000000" pitchFamily="34" charset="-128"/>
-              <a:ea typeface="源ノ角ゴシック JP Bold" panose="020B0800000000000000" pitchFamily="34" charset="-128"/>
+              <a:latin typeface="源ノ角ゴシック JP Heavy" panose="020B0A00000000000000" pitchFamily="34" charset="-128"/>
+              <a:ea typeface="源ノ角ゴシック JP Heavy" panose="020B0A00000000000000" pitchFamily="34" charset="-128"/>
             </a:endParaRPr>
           </a:p>
           <a:p>
             <a:pPr algn="ctr"/>
             <a:r>
               <a:rPr lang="ja-JP" altLang="en-US" sz="700" dirty="0">
-                <a:latin typeface="源ノ角ゴシック JP Bold" panose="020B0800000000000000" pitchFamily="34" charset="-128"/>
-                <a:ea typeface="源ノ角ゴシック JP Bold" panose="020B0800000000000000" pitchFamily="34" charset="-128"/>
+                <a:latin typeface="源ノ角ゴシック JP Heavy" panose="020B0A00000000000000" pitchFamily="34" charset="-128"/>
+                <a:ea typeface="源ノ角ゴシック JP Heavy" panose="020B0A00000000000000" pitchFamily="34" charset="-128"/>
               </a:rPr>
               <a:t>▼ 見出しジャンプ  ▼ 要素リスト</a:t>
             </a:r>
             <a:endParaRPr lang="en-US" altLang="ja-JP" sz="700" dirty="0">
-              <a:latin typeface="源ノ角ゴシック JP Bold" panose="020B0800000000000000" pitchFamily="34" charset="-128"/>
-              <a:ea typeface="源ノ角ゴシック JP Bold" panose="020B0800000000000000" pitchFamily="34" charset="-128"/>
+              <a:latin typeface="源ノ角ゴシック JP Heavy" panose="020B0A00000000000000" pitchFamily="34" charset="-128"/>
+              <a:ea typeface="源ノ角ゴシック JP Heavy" panose="020B0A00000000000000" pitchFamily="34" charset="-128"/>
             </a:endParaRPr>
           </a:p>
           <a:p>
@@ -9739,14 +9739,14 @@
               </a:pPr>
               <a:r>
                 <a:rPr lang="en-US" altLang="ja-JP" sz="900" dirty="0">
-                  <a:latin typeface="源ノ角ゴシック JP Bold" panose="020B0800000000000000" pitchFamily="34" charset="-128"/>
-                  <a:ea typeface="源ノ角ゴシック JP Bold" panose="020B0800000000000000" pitchFamily="34" charset="-128"/>
+                  <a:latin typeface="源ノ角ゴシック JP Heavy" panose="020B0A00000000000000" pitchFamily="34" charset="-128"/>
+                  <a:ea typeface="源ノ角ゴシック JP Heavy" panose="020B0A00000000000000" pitchFamily="34" charset="-128"/>
                 </a:rPr>
                 <a:t>Esc</a:t>
               </a:r>
               <a:endParaRPr lang="en-US" altLang="ja-JP" sz="900" kern="0" dirty="0">
-                <a:latin typeface="源ノ角ゴシック JP Bold" panose="020B0800000000000000" pitchFamily="34" charset="-128"/>
-                <a:ea typeface="源ノ角ゴシック JP Bold" panose="020B0800000000000000" pitchFamily="34" charset="-128"/>
+                <a:latin typeface="源ノ角ゴシック JP Heavy" panose="020B0A00000000000000" pitchFamily="34" charset="-128"/>
+                <a:ea typeface="源ノ角ゴシック JP Heavy" panose="020B0A00000000000000" pitchFamily="34" charset="-128"/>
               </a:endParaRPr>
             </a:p>
           </p:txBody>
@@ -10023,42 +10023,42 @@
             <a:pPr algn="l"/>
             <a:r>
               <a:rPr lang="ja-JP" altLang="en-US" sz="900" kern="0" dirty="0">
-                <a:latin typeface="源ノ角ゴシック JP Bold" panose="020B0800000000000000" pitchFamily="34" charset="-128"/>
-                <a:ea typeface="源ノ角ゴシック JP Bold" panose="020B0800000000000000" pitchFamily="34" charset="-128"/>
+                <a:latin typeface="源ノ角ゴシック JP Heavy" panose="020B0A00000000000000" pitchFamily="34" charset="-128"/>
+                <a:ea typeface="源ノ角ゴシック JP Heavy" panose="020B0A00000000000000" pitchFamily="34" charset="-128"/>
               </a:rPr>
               <a:t>■ テーブル内の移動</a:t>
             </a:r>
             <a:endParaRPr lang="en-US" altLang="ja-JP" sz="900" kern="0" dirty="0">
-              <a:latin typeface="源ノ角ゴシック JP Bold" panose="020B0800000000000000" pitchFamily="34" charset="-128"/>
-              <a:ea typeface="源ノ角ゴシック JP Bold" panose="020B0800000000000000" pitchFamily="34" charset="-128"/>
+              <a:latin typeface="源ノ角ゴシック JP Heavy" panose="020B0A00000000000000" pitchFamily="34" charset="-128"/>
+              <a:ea typeface="源ノ角ゴシック JP Heavy" panose="020B0A00000000000000" pitchFamily="34" charset="-128"/>
             </a:endParaRPr>
           </a:p>
           <a:p>
             <a:pPr algn="l"/>
             <a:r>
               <a:rPr lang="en-US" altLang="ja-JP" sz="900" dirty="0" err="1">
-                <a:latin typeface="源ノ角ゴシック JP Bold" panose="020B0800000000000000" pitchFamily="34" charset="-128"/>
-                <a:ea typeface="源ノ角ゴシック JP Bold" panose="020B0800000000000000" pitchFamily="34" charset="-128"/>
+                <a:latin typeface="源ノ角ゴシック JP Heavy" panose="020B0A00000000000000" pitchFamily="34" charset="-128"/>
+                <a:ea typeface="源ノ角ゴシック JP Heavy" panose="020B0A00000000000000" pitchFamily="34" charset="-128"/>
               </a:rPr>
               <a:t>Ctrl+Alt</a:t>
             </a:r>
             <a:r>
               <a:rPr lang="en-US" altLang="ja-JP" sz="900" dirty="0">
-                <a:latin typeface="源ノ角ゴシック JP Bold" panose="020B0800000000000000" pitchFamily="34" charset="-128"/>
-                <a:ea typeface="源ノ角ゴシック JP Bold" panose="020B0800000000000000" pitchFamily="34" charset="-128"/>
+                <a:latin typeface="源ノ角ゴシック JP Heavy" panose="020B0A00000000000000" pitchFamily="34" charset="-128"/>
+                <a:ea typeface="源ノ角ゴシック JP Heavy" panose="020B0A00000000000000" pitchFamily="34" charset="-128"/>
               </a:rPr>
               <a:t>+</a:t>
             </a:r>
             <a:r>
               <a:rPr lang="ja-JP" altLang="en-US" sz="900" dirty="0">
-                <a:latin typeface="源ノ角ゴシック JP Bold" panose="020B0800000000000000" pitchFamily="34" charset="-128"/>
-                <a:ea typeface="源ノ角ゴシック JP Bold" panose="020B0800000000000000" pitchFamily="34" charset="-128"/>
+                <a:latin typeface="源ノ角ゴシック JP Heavy" panose="020B0A00000000000000" pitchFamily="34" charset="-128"/>
+                <a:ea typeface="源ノ角ゴシック JP Heavy" panose="020B0A00000000000000" pitchFamily="34" charset="-128"/>
               </a:rPr>
               <a:t>矢印キー</a:t>
             </a:r>
             <a:endParaRPr lang="en-US" altLang="ja-JP" sz="900" kern="0" dirty="0">
-              <a:latin typeface="源ノ角ゴシック JP Bold" panose="020B0800000000000000" pitchFamily="34" charset="-128"/>
-              <a:ea typeface="源ノ角ゴシック JP Bold" panose="020B0800000000000000" pitchFamily="34" charset="-128"/>
+              <a:latin typeface="源ノ角ゴシック JP Heavy" panose="020B0A00000000000000" pitchFamily="34" charset="-128"/>
+              <a:ea typeface="源ノ角ゴシック JP Heavy" panose="020B0A00000000000000" pitchFamily="34" charset="-128"/>
             </a:endParaRPr>
           </a:p>
         </p:txBody>
@@ -10229,28 +10229,28 @@
           <a:p>
             <a:r>
               <a:rPr lang="ja-JP" altLang="en-US" dirty="0">
-                <a:latin typeface="源ノ角ゴシック JP Bold" panose="020B0800000000000000" pitchFamily="34" charset="-128"/>
-                <a:ea typeface="源ノ角ゴシック JP Bold" panose="020B0800000000000000" pitchFamily="34" charset="-128"/>
+                <a:latin typeface="源ノ角ゴシック JP Heavy" panose="020B0A00000000000000" pitchFamily="34" charset="-128"/>
+                <a:ea typeface="源ノ角ゴシック JP Heavy" panose="020B0A00000000000000" pitchFamily="34" charset="-128"/>
               </a:rPr>
               <a:t>■ </a:t>
             </a:r>
             <a:r>
               <a:rPr lang="en-US" altLang="ja-JP" dirty="0">
-                <a:latin typeface="源ノ角ゴシック JP Bold" panose="020B0800000000000000" pitchFamily="34" charset="-128"/>
-                <a:ea typeface="源ノ角ゴシック JP Bold" panose="020B0800000000000000" pitchFamily="34" charset="-128"/>
+                <a:latin typeface="源ノ角ゴシック JP Heavy" panose="020B0A00000000000000" pitchFamily="34" charset="-128"/>
+                <a:ea typeface="源ノ角ゴシック JP Heavy" panose="020B0A00000000000000" pitchFamily="34" charset="-128"/>
               </a:rPr>
               <a:t>NVDA+F7 : </a:t>
             </a:r>
             <a:r>
               <a:rPr lang="ja-JP" altLang="en-US" dirty="0">
-                <a:latin typeface="源ノ角ゴシック JP Bold" panose="020B0800000000000000" pitchFamily="34" charset="-128"/>
-                <a:ea typeface="源ノ角ゴシック JP Bold" panose="020B0800000000000000" pitchFamily="34" charset="-128"/>
+                <a:latin typeface="源ノ角ゴシック JP Heavy" panose="020B0A00000000000000" pitchFamily="34" charset="-128"/>
+                <a:ea typeface="源ノ角ゴシック JP Heavy" panose="020B0A00000000000000" pitchFamily="34" charset="-128"/>
               </a:rPr>
               <a:t>要素リスト</a:t>
             </a:r>
             <a:endParaRPr lang="en-US" altLang="ja-JP" dirty="0">
-              <a:latin typeface="源ノ角ゴシック JP Bold" panose="020B0800000000000000" pitchFamily="34" charset="-128"/>
-              <a:ea typeface="源ノ角ゴシック JP Bold" panose="020B0800000000000000" pitchFamily="34" charset="-128"/>
+              <a:latin typeface="源ノ角ゴシック JP Heavy" panose="020B0A00000000000000" pitchFamily="34" charset="-128"/>
+              <a:ea typeface="源ノ角ゴシック JP Heavy" panose="020B0A00000000000000" pitchFamily="34" charset="-128"/>
             </a:endParaRPr>
           </a:p>
           <a:p>
@@ -10612,28 +10612,28 @@
             <a:pPr algn="l"/>
             <a:r>
               <a:rPr lang="ja-JP" altLang="en-US" sz="1000" kern="0" dirty="0">
-                <a:latin typeface="源ノ角ゴシック JP Bold" panose="020B0800000000000000" pitchFamily="34" charset="-128"/>
-                <a:ea typeface="源ノ角ゴシック JP Bold" panose="020B0800000000000000" pitchFamily="34" charset="-128"/>
+                <a:latin typeface="源ノ角ゴシック JP Heavy" panose="020B0A00000000000000" pitchFamily="34" charset="-128"/>
+                <a:ea typeface="源ノ角ゴシック JP Heavy" panose="020B0A00000000000000" pitchFamily="34" charset="-128"/>
               </a:rPr>
               <a:t>■ </a:t>
             </a:r>
             <a:r>
               <a:rPr lang="en-US" altLang="ja-JP" sz="1000" kern="0" dirty="0">
-                <a:latin typeface="源ノ角ゴシック JP Bold" panose="020B0800000000000000" pitchFamily="34" charset="-128"/>
-                <a:ea typeface="源ノ角ゴシック JP Bold" panose="020B0800000000000000" pitchFamily="34" charset="-128"/>
+                <a:latin typeface="源ノ角ゴシック JP Heavy" panose="020B0A00000000000000" pitchFamily="34" charset="-128"/>
+                <a:ea typeface="源ノ角ゴシック JP Heavy" panose="020B0A00000000000000" pitchFamily="34" charset="-128"/>
               </a:rPr>
               <a:t>1</a:t>
             </a:r>
             <a:r>
               <a:rPr lang="ja-JP" altLang="en-US" sz="1000" kern="0" dirty="0">
-                <a:latin typeface="源ノ角ゴシック JP Bold" panose="020B0800000000000000" pitchFamily="34" charset="-128"/>
-                <a:ea typeface="源ノ角ゴシック JP Bold" panose="020B0800000000000000" pitchFamily="34" charset="-128"/>
+                <a:latin typeface="源ノ角ゴシック JP Heavy" panose="020B0A00000000000000" pitchFamily="34" charset="-128"/>
+                <a:ea typeface="源ノ角ゴシック JP Heavy" panose="020B0A00000000000000" pitchFamily="34" charset="-128"/>
               </a:rPr>
               <a:t>文字ナビゲーション</a:t>
             </a:r>
             <a:endParaRPr lang="en-US" altLang="ja-JP" sz="1000" kern="0" dirty="0">
-              <a:latin typeface="源ノ角ゴシック JP Bold" panose="020B0800000000000000" pitchFamily="34" charset="-128"/>
-              <a:ea typeface="源ノ角ゴシック JP Bold" panose="020B0800000000000000" pitchFamily="34" charset="-128"/>
+              <a:latin typeface="源ノ角ゴシック JP Heavy" panose="020B0A00000000000000" pitchFamily="34" charset="-128"/>
+              <a:ea typeface="源ノ角ゴシック JP Heavy" panose="020B0A00000000000000" pitchFamily="34" charset="-128"/>
             </a:endParaRPr>
           </a:p>
           <a:p>
@@ -10646,25 +10646,18 @@
               <a:t>（</a:t>
             </a:r>
             <a:r>
-              <a:rPr lang="en-US" altLang="ja-JP" sz="800" kern="0">
+              <a:rPr lang="en-US" altLang="ja-JP" sz="800" kern="0" dirty="0">
                 <a:latin typeface="源ノ角ゴシック JP Regular" panose="020B0500000000000000" pitchFamily="34" charset="-128"/>
                 <a:ea typeface="源ノ角ゴシック JP Regular" panose="020B0500000000000000" pitchFamily="34" charset="-128"/>
               </a:rPr>
               <a:t>Shift+</a:t>
-            </a:r>
-            <a:r>
-              <a:rPr lang="ja-JP" altLang="en-US" sz="800" kern="0">
-                <a:latin typeface="源ノ角ゴシック JP Regular" panose="020B0500000000000000" pitchFamily="34" charset="-128"/>
-                <a:ea typeface="源ノ角ゴシック JP Regular" panose="020B0500000000000000" pitchFamily="34" charset="-128"/>
-              </a:rPr>
-              <a:t>で</a:t>
             </a:r>
             <a:r>
               <a:rPr lang="ja-JP" altLang="en-US" sz="800" kern="0" dirty="0">
                 <a:latin typeface="源ノ角ゴシック JP Regular" panose="020B0500000000000000" pitchFamily="34" charset="-128"/>
                 <a:ea typeface="源ノ角ゴシック JP Regular" panose="020B0500000000000000" pitchFamily="34" charset="-128"/>
               </a:rPr>
-              <a:t>逆方向）</a:t>
+              <a:t>で逆方向）</a:t>
             </a:r>
             <a:endParaRPr lang="en-US" altLang="ja-JP" sz="800" kern="0" dirty="0">
               <a:latin typeface="源ノ角ゴシック JP Regular" panose="020B0500000000000000" pitchFamily="34" charset="-128"/>
@@ -10679,63 +10672,63 @@
             </a:pPr>
             <a:r>
               <a:rPr lang="en-US" altLang="ja-JP" sz="900" kern="0" dirty="0">
-                <a:latin typeface="源ノ角ゴシック JP Bold" panose="020B0800000000000000" pitchFamily="34" charset="-128"/>
-                <a:ea typeface="源ノ角ゴシック JP Bold" panose="020B0800000000000000" pitchFamily="34" charset="-128"/>
+                <a:latin typeface="源ノ角ゴシック JP Heavy" panose="020B0A00000000000000" pitchFamily="34" charset="-128"/>
+                <a:ea typeface="源ノ角ゴシック JP Heavy" panose="020B0A00000000000000" pitchFamily="34" charset="-128"/>
               </a:rPr>
               <a:t>H</a:t>
             </a:r>
             <a:r>
               <a:rPr lang="ja-JP" altLang="en-US" sz="900" kern="0" dirty="0">
-                <a:latin typeface="源ノ角ゴシック JP Bold" panose="020B0800000000000000" pitchFamily="34" charset="-128"/>
-                <a:ea typeface="源ノ角ゴシック JP Bold" panose="020B0800000000000000" pitchFamily="34" charset="-128"/>
+                <a:latin typeface="源ノ角ゴシック JP Heavy" panose="020B0A00000000000000" pitchFamily="34" charset="-128"/>
+                <a:ea typeface="源ノ角ゴシック JP Heavy" panose="020B0A00000000000000" pitchFamily="34" charset="-128"/>
               </a:rPr>
               <a:t> </a:t>
             </a:r>
             <a:r>
               <a:rPr lang="en-US" altLang="ja-JP" sz="900" kern="0" dirty="0">
-                <a:latin typeface="源ノ角ゴシック JP Bold" panose="020B0800000000000000" pitchFamily="34" charset="-128"/>
-                <a:ea typeface="源ノ角ゴシック JP Bold" panose="020B0800000000000000" pitchFamily="34" charset="-128"/>
+                <a:latin typeface="源ノ角ゴシック JP Heavy" panose="020B0A00000000000000" pitchFamily="34" charset="-128"/>
+                <a:ea typeface="源ノ角ゴシック JP Heavy" panose="020B0A00000000000000" pitchFamily="34" charset="-128"/>
               </a:rPr>
               <a:t>: </a:t>
             </a:r>
             <a:r>
               <a:rPr lang="ja-JP" altLang="en-US" sz="900" kern="0" dirty="0">
-                <a:latin typeface="源ノ角ゴシック JP Bold" panose="020B0800000000000000" pitchFamily="34" charset="-128"/>
-                <a:ea typeface="源ノ角ゴシック JP Bold" panose="020B0800000000000000" pitchFamily="34" charset="-128"/>
+                <a:latin typeface="源ノ角ゴシック JP Heavy" panose="020B0A00000000000000" pitchFamily="34" charset="-128"/>
+                <a:ea typeface="源ノ角ゴシック JP Heavy" panose="020B0A00000000000000" pitchFamily="34" charset="-128"/>
               </a:rPr>
               <a:t>見出し（</a:t>
             </a:r>
             <a:r>
               <a:rPr lang="en-US" altLang="ja-JP" sz="900" kern="0" dirty="0">
-                <a:latin typeface="源ノ角ゴシック JP Bold" panose="020B0800000000000000" pitchFamily="34" charset="-128"/>
-                <a:ea typeface="源ノ角ゴシック JP Bold" panose="020B0800000000000000" pitchFamily="34" charset="-128"/>
+                <a:latin typeface="源ノ角ゴシック JP Heavy" panose="020B0A00000000000000" pitchFamily="34" charset="-128"/>
+                <a:ea typeface="源ノ角ゴシック JP Heavy" panose="020B0A00000000000000" pitchFamily="34" charset="-128"/>
               </a:rPr>
               <a:t>1</a:t>
             </a:r>
             <a:r>
               <a:rPr lang="ja-JP" altLang="en-US" sz="900" kern="0" dirty="0">
-                <a:latin typeface="源ノ角ゴシック JP Bold" panose="020B0800000000000000" pitchFamily="34" charset="-128"/>
-                <a:ea typeface="源ノ角ゴシック JP Bold" panose="020B0800000000000000" pitchFamily="34" charset="-128"/>
+                <a:latin typeface="源ノ角ゴシック JP Heavy" panose="020B0A00000000000000" pitchFamily="34" charset="-128"/>
+                <a:ea typeface="源ノ角ゴシック JP Heavy" panose="020B0A00000000000000" pitchFamily="34" charset="-128"/>
               </a:rPr>
               <a:t>～</a:t>
             </a:r>
             <a:r>
               <a:rPr lang="en-US" altLang="ja-JP" sz="900" kern="0" dirty="0">
-                <a:latin typeface="源ノ角ゴシック JP Bold" panose="020B0800000000000000" pitchFamily="34" charset="-128"/>
-                <a:ea typeface="源ノ角ゴシック JP Bold" panose="020B0800000000000000" pitchFamily="34" charset="-128"/>
+                <a:latin typeface="源ノ角ゴシック JP Heavy" panose="020B0A00000000000000" pitchFamily="34" charset="-128"/>
+                <a:ea typeface="源ノ角ゴシック JP Heavy" panose="020B0A00000000000000" pitchFamily="34" charset="-128"/>
               </a:rPr>
               <a:t>6</a:t>
             </a:r>
             <a:r>
               <a:rPr lang="ja-JP" altLang="en-US" sz="900" kern="0" dirty="0">
-                <a:latin typeface="源ノ角ゴシック JP Bold" panose="020B0800000000000000" pitchFamily="34" charset="-128"/>
-                <a:ea typeface="源ノ角ゴシック JP Bold" panose="020B0800000000000000" pitchFamily="34" charset="-128"/>
+                <a:latin typeface="源ノ角ゴシック JP Heavy" panose="020B0A00000000000000" pitchFamily="34" charset="-128"/>
+                <a:ea typeface="源ノ角ゴシック JP Heavy" panose="020B0A00000000000000" pitchFamily="34" charset="-128"/>
               </a:rPr>
               <a:t>も可）</a:t>
             </a:r>
             <a:endParaRPr lang="en-US" altLang="ja-JP" sz="900" kern="0" dirty="0">
-              <a:latin typeface="源ノ角ゴシック JP Bold" panose="020B0800000000000000" pitchFamily="34" charset="-128"/>
-              <a:ea typeface="源ノ角ゴシック JP Bold" panose="020B0800000000000000" pitchFamily="34" charset="-128"/>
+              <a:latin typeface="源ノ角ゴシック JP Heavy" panose="020B0A00000000000000" pitchFamily="34" charset="-128"/>
+              <a:ea typeface="源ノ角ゴシック JP Heavy" panose="020B0A00000000000000" pitchFamily="34" charset="-128"/>
             </a:endParaRPr>
           </a:p>
           <a:p>
@@ -10746,21 +10739,21 @@
             </a:pPr>
             <a:r>
               <a:rPr lang="en-US" altLang="ja-JP" sz="900" kern="0" dirty="0">
-                <a:latin typeface="源ノ角ゴシック JP Bold" panose="020B0800000000000000" pitchFamily="34" charset="-128"/>
-                <a:ea typeface="源ノ角ゴシック JP Bold" panose="020B0800000000000000" pitchFamily="34" charset="-128"/>
+                <a:latin typeface="源ノ角ゴシック JP Heavy" panose="020B0A00000000000000" pitchFamily="34" charset="-128"/>
+                <a:ea typeface="源ノ角ゴシック JP Heavy" panose="020B0A00000000000000" pitchFamily="34" charset="-128"/>
               </a:rPr>
               <a:t>L : </a:t>
             </a:r>
             <a:r>
               <a:rPr lang="ja-JP" altLang="en-US" sz="900" kern="0" dirty="0">
-                <a:latin typeface="源ノ角ゴシック JP Bold" panose="020B0800000000000000" pitchFamily="34" charset="-128"/>
-                <a:ea typeface="源ノ角ゴシック JP Bold" panose="020B0800000000000000" pitchFamily="34" charset="-128"/>
+                <a:latin typeface="源ノ角ゴシック JP Heavy" panose="020B0A00000000000000" pitchFamily="34" charset="-128"/>
+                <a:ea typeface="源ノ角ゴシック JP Heavy" panose="020B0A00000000000000" pitchFamily="34" charset="-128"/>
               </a:rPr>
               <a:t>リスト</a:t>
             </a:r>
             <a:endParaRPr lang="en-US" altLang="ja-JP" sz="900" kern="0" dirty="0">
-              <a:latin typeface="源ノ角ゴシック JP Bold" panose="020B0800000000000000" pitchFamily="34" charset="-128"/>
-              <a:ea typeface="源ノ角ゴシック JP Bold" panose="020B0800000000000000" pitchFamily="34" charset="-128"/>
+              <a:latin typeface="源ノ角ゴシック JP Heavy" panose="020B0A00000000000000" pitchFamily="34" charset="-128"/>
+              <a:ea typeface="源ノ角ゴシック JP Heavy" panose="020B0A00000000000000" pitchFamily="34" charset="-128"/>
             </a:endParaRPr>
           </a:p>
           <a:p>
@@ -10771,35 +10764,35 @@
             </a:pPr>
             <a:r>
               <a:rPr lang="en-US" altLang="ja-JP" sz="900" kern="0" dirty="0">
-                <a:latin typeface="源ノ角ゴシック JP Bold" panose="020B0800000000000000" pitchFamily="34" charset="-128"/>
-                <a:ea typeface="源ノ角ゴシック JP Bold" panose="020B0800000000000000" pitchFamily="34" charset="-128"/>
+                <a:latin typeface="源ノ角ゴシック JP Heavy" panose="020B0A00000000000000" pitchFamily="34" charset="-128"/>
+                <a:ea typeface="源ノ角ゴシック JP Heavy" panose="020B0A00000000000000" pitchFamily="34" charset="-128"/>
               </a:rPr>
               <a:t>I</a:t>
             </a:r>
             <a:r>
               <a:rPr lang="ja-JP" altLang="en-US" sz="900" kern="0" dirty="0">
-                <a:latin typeface="源ノ角ゴシック JP Bold" panose="020B0800000000000000" pitchFamily="34" charset="-128"/>
-                <a:ea typeface="源ノ角ゴシック JP Bold" panose="020B0800000000000000" pitchFamily="34" charset="-128"/>
+                <a:latin typeface="源ノ角ゴシック JP Heavy" panose="020B0A00000000000000" pitchFamily="34" charset="-128"/>
+                <a:ea typeface="源ノ角ゴシック JP Heavy" panose="020B0A00000000000000" pitchFamily="34" charset="-128"/>
               </a:rPr>
               <a:t> </a:t>
             </a:r>
             <a:r>
               <a:rPr lang="en-US" altLang="ja-JP" sz="900" kern="0" dirty="0">
-                <a:latin typeface="源ノ角ゴシック JP Bold" panose="020B0800000000000000" pitchFamily="34" charset="-128"/>
-                <a:ea typeface="源ノ角ゴシック JP Bold" panose="020B0800000000000000" pitchFamily="34" charset="-128"/>
+                <a:latin typeface="源ノ角ゴシック JP Heavy" panose="020B0A00000000000000" pitchFamily="34" charset="-128"/>
+                <a:ea typeface="源ノ角ゴシック JP Heavy" panose="020B0A00000000000000" pitchFamily="34" charset="-128"/>
               </a:rPr>
               <a:t>: </a:t>
             </a:r>
             <a:r>
               <a:rPr lang="ja-JP" altLang="en-US" sz="900" kern="0" dirty="0">
-                <a:latin typeface="源ノ角ゴシック JP Bold" panose="020B0800000000000000" pitchFamily="34" charset="-128"/>
-                <a:ea typeface="源ノ角ゴシック JP Bold" panose="020B0800000000000000" pitchFamily="34" charset="-128"/>
+                <a:latin typeface="源ノ角ゴシック JP Heavy" panose="020B0A00000000000000" pitchFamily="34" charset="-128"/>
+                <a:ea typeface="源ノ角ゴシック JP Heavy" panose="020B0A00000000000000" pitchFamily="34" charset="-128"/>
               </a:rPr>
               <a:t>リスト項目</a:t>
             </a:r>
             <a:endParaRPr lang="en-US" altLang="ja-JP" sz="900" kern="0" dirty="0">
-              <a:latin typeface="源ノ角ゴシック JP Bold" panose="020B0800000000000000" pitchFamily="34" charset="-128"/>
-              <a:ea typeface="源ノ角ゴシック JP Bold" panose="020B0800000000000000" pitchFamily="34" charset="-128"/>
+              <a:latin typeface="源ノ角ゴシック JP Heavy" panose="020B0A00000000000000" pitchFamily="34" charset="-128"/>
+              <a:ea typeface="源ノ角ゴシック JP Heavy" panose="020B0A00000000000000" pitchFamily="34" charset="-128"/>
             </a:endParaRPr>
           </a:p>
           <a:p>
@@ -10810,21 +10803,21 @@
             </a:pPr>
             <a:r>
               <a:rPr lang="en-US" altLang="ja-JP" sz="900" kern="0" dirty="0">
-                <a:latin typeface="源ノ角ゴシック JP Bold" panose="020B0800000000000000" pitchFamily="34" charset="-128"/>
-                <a:ea typeface="源ノ角ゴシック JP Bold" panose="020B0800000000000000" pitchFamily="34" charset="-128"/>
+                <a:latin typeface="源ノ角ゴシック JP Heavy" panose="020B0A00000000000000" pitchFamily="34" charset="-128"/>
+                <a:ea typeface="源ノ角ゴシック JP Heavy" panose="020B0A00000000000000" pitchFamily="34" charset="-128"/>
               </a:rPr>
               <a:t>T : </a:t>
             </a:r>
             <a:r>
               <a:rPr lang="ja-JP" altLang="en-US" sz="900" kern="0" dirty="0">
-                <a:latin typeface="源ノ角ゴシック JP Bold" panose="020B0800000000000000" pitchFamily="34" charset="-128"/>
-                <a:ea typeface="源ノ角ゴシック JP Bold" panose="020B0800000000000000" pitchFamily="34" charset="-128"/>
+                <a:latin typeface="源ノ角ゴシック JP Heavy" panose="020B0A00000000000000" pitchFamily="34" charset="-128"/>
+                <a:ea typeface="源ノ角ゴシック JP Heavy" panose="020B0A00000000000000" pitchFamily="34" charset="-128"/>
               </a:rPr>
               <a:t>テーブル</a:t>
             </a:r>
             <a:endParaRPr lang="en-US" altLang="ja-JP" sz="900" kern="0" dirty="0">
-              <a:latin typeface="源ノ角ゴシック JP Bold" panose="020B0800000000000000" pitchFamily="34" charset="-128"/>
-              <a:ea typeface="源ノ角ゴシック JP Bold" panose="020B0800000000000000" pitchFamily="34" charset="-128"/>
+              <a:latin typeface="源ノ角ゴシック JP Heavy" panose="020B0A00000000000000" pitchFamily="34" charset="-128"/>
+              <a:ea typeface="源ノ角ゴシック JP Heavy" panose="020B0A00000000000000" pitchFamily="34" charset="-128"/>
             </a:endParaRPr>
           </a:p>
           <a:p>
@@ -10835,21 +10828,21 @@
             </a:pPr>
             <a:r>
               <a:rPr lang="en-US" altLang="ja-JP" sz="900" kern="0" dirty="0">
-                <a:latin typeface="源ノ角ゴシック JP Bold" panose="020B0800000000000000" pitchFamily="34" charset="-128"/>
-                <a:ea typeface="源ノ角ゴシック JP Bold" panose="020B0800000000000000" pitchFamily="34" charset="-128"/>
+                <a:latin typeface="源ノ角ゴシック JP Heavy" panose="020B0A00000000000000" pitchFamily="34" charset="-128"/>
+                <a:ea typeface="源ノ角ゴシック JP Heavy" panose="020B0A00000000000000" pitchFamily="34" charset="-128"/>
               </a:rPr>
               <a:t>K : </a:t>
             </a:r>
             <a:r>
               <a:rPr lang="ja-JP" altLang="en-US" sz="900" kern="0" dirty="0">
-                <a:latin typeface="源ノ角ゴシック JP Bold" panose="020B0800000000000000" pitchFamily="34" charset="-128"/>
-                <a:ea typeface="源ノ角ゴシック JP Bold" panose="020B0800000000000000" pitchFamily="34" charset="-128"/>
+                <a:latin typeface="源ノ角ゴシック JP Heavy" panose="020B0A00000000000000" pitchFamily="34" charset="-128"/>
+                <a:ea typeface="源ノ角ゴシック JP Heavy" panose="020B0A00000000000000" pitchFamily="34" charset="-128"/>
               </a:rPr>
               <a:t>リンク</a:t>
             </a:r>
             <a:endParaRPr lang="en-US" altLang="ja-JP" sz="900" kern="0" dirty="0">
-              <a:latin typeface="源ノ角ゴシック JP Bold" panose="020B0800000000000000" pitchFamily="34" charset="-128"/>
-              <a:ea typeface="源ノ角ゴシック JP Bold" panose="020B0800000000000000" pitchFamily="34" charset="-128"/>
+              <a:latin typeface="源ノ角ゴシック JP Heavy" panose="020B0A00000000000000" pitchFamily="34" charset="-128"/>
+              <a:ea typeface="源ノ角ゴシック JP Heavy" panose="020B0A00000000000000" pitchFamily="34" charset="-128"/>
             </a:endParaRPr>
           </a:p>
           <a:p>
@@ -10860,21 +10853,21 @@
             </a:pPr>
             <a:r>
               <a:rPr lang="en-US" altLang="ja-JP" sz="900" kern="0" dirty="0">
-                <a:latin typeface="源ノ角ゴシック JP Bold" panose="020B0800000000000000" pitchFamily="34" charset="-128"/>
-                <a:ea typeface="源ノ角ゴシック JP Bold" panose="020B0800000000000000" pitchFamily="34" charset="-128"/>
+                <a:latin typeface="源ノ角ゴシック JP Heavy" panose="020B0A00000000000000" pitchFamily="34" charset="-128"/>
+                <a:ea typeface="源ノ角ゴシック JP Heavy" panose="020B0A00000000000000" pitchFamily="34" charset="-128"/>
               </a:rPr>
               <a:t>N : </a:t>
             </a:r>
             <a:r>
               <a:rPr lang="ja-JP" altLang="en-US" sz="900" kern="0" dirty="0">
-                <a:latin typeface="源ノ角ゴシック JP Bold" panose="020B0800000000000000" pitchFamily="34" charset="-128"/>
-                <a:ea typeface="源ノ角ゴシック JP Bold" panose="020B0800000000000000" pitchFamily="34" charset="-128"/>
+                <a:latin typeface="源ノ角ゴシック JP Heavy" panose="020B0A00000000000000" pitchFamily="34" charset="-128"/>
+                <a:ea typeface="源ノ角ゴシック JP Heavy" panose="020B0A00000000000000" pitchFamily="34" charset="-128"/>
               </a:rPr>
               <a:t>リンクのないテキスト</a:t>
             </a:r>
             <a:endParaRPr lang="en-US" altLang="ja-JP" sz="900" kern="0" dirty="0">
-              <a:latin typeface="源ノ角ゴシック JP Bold" panose="020B0800000000000000" pitchFamily="34" charset="-128"/>
-              <a:ea typeface="源ノ角ゴシック JP Bold" panose="020B0800000000000000" pitchFamily="34" charset="-128"/>
+              <a:latin typeface="源ノ角ゴシック JP Heavy" panose="020B0A00000000000000" pitchFamily="34" charset="-128"/>
+              <a:ea typeface="源ノ角ゴシック JP Heavy" panose="020B0A00000000000000" pitchFamily="34" charset="-128"/>
             </a:endParaRPr>
           </a:p>
           <a:p>
@@ -10885,21 +10878,21 @@
             </a:pPr>
             <a:r>
               <a:rPr lang="en-US" altLang="ja-JP" sz="900" kern="0" dirty="0">
-                <a:latin typeface="源ノ角ゴシック JP Bold" panose="020B0800000000000000" pitchFamily="34" charset="-128"/>
-                <a:ea typeface="源ノ角ゴシック JP Bold" panose="020B0800000000000000" pitchFamily="34" charset="-128"/>
+                <a:latin typeface="源ノ角ゴシック JP Heavy" panose="020B0A00000000000000" pitchFamily="34" charset="-128"/>
+                <a:ea typeface="源ノ角ゴシック JP Heavy" panose="020B0A00000000000000" pitchFamily="34" charset="-128"/>
               </a:rPr>
               <a:t>F : </a:t>
             </a:r>
             <a:r>
               <a:rPr lang="ja-JP" altLang="en-US" sz="900" kern="0" dirty="0">
-                <a:latin typeface="源ノ角ゴシック JP Bold" panose="020B0800000000000000" pitchFamily="34" charset="-128"/>
-                <a:ea typeface="源ノ角ゴシック JP Bold" panose="020B0800000000000000" pitchFamily="34" charset="-128"/>
+                <a:latin typeface="源ノ角ゴシック JP Heavy" panose="020B0A00000000000000" pitchFamily="34" charset="-128"/>
+                <a:ea typeface="源ノ角ゴシック JP Heavy" panose="020B0A00000000000000" pitchFamily="34" charset="-128"/>
               </a:rPr>
               <a:t>フォームフィールド</a:t>
             </a:r>
             <a:endParaRPr lang="en-US" altLang="ja-JP" sz="900" kern="0" dirty="0">
-              <a:latin typeface="源ノ角ゴシック JP Bold" panose="020B0800000000000000" pitchFamily="34" charset="-128"/>
-              <a:ea typeface="源ノ角ゴシック JP Bold" panose="020B0800000000000000" pitchFamily="34" charset="-128"/>
+              <a:latin typeface="源ノ角ゴシック JP Heavy" panose="020B0A00000000000000" pitchFamily="34" charset="-128"/>
+              <a:ea typeface="源ノ角ゴシック JP Heavy" panose="020B0A00000000000000" pitchFamily="34" charset="-128"/>
             </a:endParaRPr>
           </a:p>
           <a:p>
@@ -10910,21 +10903,21 @@
             </a:pPr>
             <a:r>
               <a:rPr lang="en-US" altLang="ja-JP" sz="900" kern="0" dirty="0">
-                <a:latin typeface="源ノ角ゴシック JP Bold" panose="020B0800000000000000" pitchFamily="34" charset="-128"/>
-                <a:ea typeface="源ノ角ゴシック JP Bold" panose="020B0800000000000000" pitchFamily="34" charset="-128"/>
+                <a:latin typeface="源ノ角ゴシック JP Heavy" panose="020B0A00000000000000" pitchFamily="34" charset="-128"/>
+                <a:ea typeface="源ノ角ゴシック JP Heavy" panose="020B0A00000000000000" pitchFamily="34" charset="-128"/>
               </a:rPr>
               <a:t>U : </a:t>
             </a:r>
             <a:r>
               <a:rPr lang="ja-JP" altLang="en-US" sz="900" kern="0" dirty="0">
-                <a:latin typeface="源ノ角ゴシック JP Bold" panose="020B0800000000000000" pitchFamily="34" charset="-128"/>
-                <a:ea typeface="源ノ角ゴシック JP Bold" panose="020B0800000000000000" pitchFamily="34" charset="-128"/>
+                <a:latin typeface="源ノ角ゴシック JP Heavy" panose="020B0A00000000000000" pitchFamily="34" charset="-128"/>
+                <a:ea typeface="源ノ角ゴシック JP Heavy" panose="020B0A00000000000000" pitchFamily="34" charset="-128"/>
               </a:rPr>
               <a:t>未訪問リンク</a:t>
             </a:r>
             <a:endParaRPr lang="en-US" altLang="ja-JP" sz="900" kern="0" dirty="0">
-              <a:latin typeface="源ノ角ゴシック JP Bold" panose="020B0800000000000000" pitchFamily="34" charset="-128"/>
-              <a:ea typeface="源ノ角ゴシック JP Bold" panose="020B0800000000000000" pitchFamily="34" charset="-128"/>
+              <a:latin typeface="源ノ角ゴシック JP Heavy" panose="020B0A00000000000000" pitchFamily="34" charset="-128"/>
+              <a:ea typeface="源ノ角ゴシック JP Heavy" panose="020B0A00000000000000" pitchFamily="34" charset="-128"/>
             </a:endParaRPr>
           </a:p>
           <a:p>
@@ -10935,21 +10928,21 @@
             </a:pPr>
             <a:r>
               <a:rPr lang="en-US" altLang="ja-JP" sz="900" kern="0" dirty="0">
-                <a:latin typeface="源ノ角ゴシック JP Bold" panose="020B0800000000000000" pitchFamily="34" charset="-128"/>
-                <a:ea typeface="源ノ角ゴシック JP Bold" panose="020B0800000000000000" pitchFamily="34" charset="-128"/>
+                <a:latin typeface="源ノ角ゴシック JP Heavy" panose="020B0A00000000000000" pitchFamily="34" charset="-128"/>
+                <a:ea typeface="源ノ角ゴシック JP Heavy" panose="020B0A00000000000000" pitchFamily="34" charset="-128"/>
               </a:rPr>
               <a:t>V : </a:t>
             </a:r>
             <a:r>
               <a:rPr lang="ja-JP" altLang="en-US" sz="900" kern="0" dirty="0">
-                <a:latin typeface="源ノ角ゴシック JP Bold" panose="020B0800000000000000" pitchFamily="34" charset="-128"/>
-                <a:ea typeface="源ノ角ゴシック JP Bold" panose="020B0800000000000000" pitchFamily="34" charset="-128"/>
+                <a:latin typeface="源ノ角ゴシック JP Heavy" panose="020B0A00000000000000" pitchFamily="34" charset="-128"/>
+                <a:ea typeface="源ノ角ゴシック JP Heavy" panose="020B0A00000000000000" pitchFamily="34" charset="-128"/>
               </a:rPr>
               <a:t>訪問済みリンク</a:t>
             </a:r>
             <a:endParaRPr lang="en-US" altLang="ja-JP" sz="900" kern="0" dirty="0">
-              <a:latin typeface="源ノ角ゴシック JP Bold" panose="020B0800000000000000" pitchFamily="34" charset="-128"/>
-              <a:ea typeface="源ノ角ゴシック JP Bold" panose="020B0800000000000000" pitchFamily="34" charset="-128"/>
+              <a:latin typeface="源ノ角ゴシック JP Heavy" panose="020B0A00000000000000" pitchFamily="34" charset="-128"/>
+              <a:ea typeface="源ノ角ゴシック JP Heavy" panose="020B0A00000000000000" pitchFamily="34" charset="-128"/>
             </a:endParaRPr>
           </a:p>
           <a:p>
@@ -10960,35 +10953,35 @@
             </a:pPr>
             <a:r>
               <a:rPr lang="en-US" altLang="ja-JP" sz="900" kern="0" dirty="0">
-                <a:latin typeface="源ノ角ゴシック JP Bold" panose="020B0800000000000000" pitchFamily="34" charset="-128"/>
-                <a:ea typeface="源ノ角ゴシック JP Bold" panose="020B0800000000000000" pitchFamily="34" charset="-128"/>
+                <a:latin typeface="源ノ角ゴシック JP Heavy" panose="020B0A00000000000000" pitchFamily="34" charset="-128"/>
+                <a:ea typeface="源ノ角ゴシック JP Heavy" panose="020B0A00000000000000" pitchFamily="34" charset="-128"/>
               </a:rPr>
               <a:t>E</a:t>
             </a:r>
             <a:r>
               <a:rPr lang="ja-JP" altLang="en-US" sz="900" kern="0" dirty="0">
-                <a:latin typeface="源ノ角ゴシック JP Bold" panose="020B0800000000000000" pitchFamily="34" charset="-128"/>
-                <a:ea typeface="源ノ角ゴシック JP Bold" panose="020B0800000000000000" pitchFamily="34" charset="-128"/>
+                <a:latin typeface="源ノ角ゴシック JP Heavy" panose="020B0A00000000000000" pitchFamily="34" charset="-128"/>
+                <a:ea typeface="源ノ角ゴシック JP Heavy" panose="020B0A00000000000000" pitchFamily="34" charset="-128"/>
               </a:rPr>
               <a:t> </a:t>
             </a:r>
             <a:r>
               <a:rPr lang="en-US" altLang="ja-JP" sz="900" kern="0" dirty="0">
-                <a:latin typeface="源ノ角ゴシック JP Bold" panose="020B0800000000000000" pitchFamily="34" charset="-128"/>
-                <a:ea typeface="源ノ角ゴシック JP Bold" panose="020B0800000000000000" pitchFamily="34" charset="-128"/>
+                <a:latin typeface="源ノ角ゴシック JP Heavy" panose="020B0A00000000000000" pitchFamily="34" charset="-128"/>
+                <a:ea typeface="源ノ角ゴシック JP Heavy" panose="020B0A00000000000000" pitchFamily="34" charset="-128"/>
               </a:rPr>
               <a:t>: </a:t>
             </a:r>
             <a:r>
               <a:rPr lang="ja-JP" altLang="en-US" sz="900" kern="0" dirty="0">
-                <a:latin typeface="源ノ角ゴシック JP Bold" panose="020B0800000000000000" pitchFamily="34" charset="-128"/>
-                <a:ea typeface="源ノ角ゴシック JP Bold" panose="020B0800000000000000" pitchFamily="34" charset="-128"/>
+                <a:latin typeface="源ノ角ゴシック JP Heavy" panose="020B0A00000000000000" pitchFamily="34" charset="-128"/>
+                <a:ea typeface="源ノ角ゴシック JP Heavy" panose="020B0A00000000000000" pitchFamily="34" charset="-128"/>
               </a:rPr>
               <a:t>エディットフィールド</a:t>
             </a:r>
             <a:endParaRPr lang="en-US" altLang="ja-JP" sz="900" kern="0" dirty="0">
-              <a:latin typeface="源ノ角ゴシック JP Bold" panose="020B0800000000000000" pitchFamily="34" charset="-128"/>
-              <a:ea typeface="源ノ角ゴシック JP Bold" panose="020B0800000000000000" pitchFamily="34" charset="-128"/>
+              <a:latin typeface="源ノ角ゴシック JP Heavy" panose="020B0A00000000000000" pitchFamily="34" charset="-128"/>
+              <a:ea typeface="源ノ角ゴシック JP Heavy" panose="020B0A00000000000000" pitchFamily="34" charset="-128"/>
             </a:endParaRPr>
           </a:p>
           <a:p>
@@ -10999,35 +10992,35 @@
             </a:pPr>
             <a:r>
               <a:rPr lang="en-US" altLang="ja-JP" sz="900" kern="0" dirty="0">
-                <a:latin typeface="源ノ角ゴシック JP Bold" panose="020B0800000000000000" pitchFamily="34" charset="-128"/>
-                <a:ea typeface="源ノ角ゴシック JP Bold" panose="020B0800000000000000" pitchFamily="34" charset="-128"/>
+                <a:latin typeface="源ノ角ゴシック JP Heavy" panose="020B0A00000000000000" pitchFamily="34" charset="-128"/>
+                <a:ea typeface="源ノ角ゴシック JP Heavy" panose="020B0A00000000000000" pitchFamily="34" charset="-128"/>
               </a:rPr>
               <a:t>B</a:t>
             </a:r>
             <a:r>
               <a:rPr lang="ja-JP" altLang="en-US" sz="900" kern="0" dirty="0">
-                <a:latin typeface="源ノ角ゴシック JP Bold" panose="020B0800000000000000" pitchFamily="34" charset="-128"/>
-                <a:ea typeface="源ノ角ゴシック JP Bold" panose="020B0800000000000000" pitchFamily="34" charset="-128"/>
+                <a:latin typeface="源ノ角ゴシック JP Heavy" panose="020B0A00000000000000" pitchFamily="34" charset="-128"/>
+                <a:ea typeface="源ノ角ゴシック JP Heavy" panose="020B0A00000000000000" pitchFamily="34" charset="-128"/>
               </a:rPr>
               <a:t> </a:t>
             </a:r>
             <a:r>
               <a:rPr lang="en-US" altLang="ja-JP" sz="900" kern="0" dirty="0">
-                <a:latin typeface="源ノ角ゴシック JP Bold" panose="020B0800000000000000" pitchFamily="34" charset="-128"/>
-                <a:ea typeface="源ノ角ゴシック JP Bold" panose="020B0800000000000000" pitchFamily="34" charset="-128"/>
+                <a:latin typeface="源ノ角ゴシック JP Heavy" panose="020B0A00000000000000" pitchFamily="34" charset="-128"/>
+                <a:ea typeface="源ノ角ゴシック JP Heavy" panose="020B0A00000000000000" pitchFamily="34" charset="-128"/>
               </a:rPr>
               <a:t>: </a:t>
             </a:r>
             <a:r>
               <a:rPr lang="ja-JP" altLang="en-US" sz="900" kern="0" dirty="0">
-                <a:latin typeface="源ノ角ゴシック JP Bold" panose="020B0800000000000000" pitchFamily="34" charset="-128"/>
-                <a:ea typeface="源ノ角ゴシック JP Bold" panose="020B0800000000000000" pitchFamily="34" charset="-128"/>
+                <a:latin typeface="源ノ角ゴシック JP Heavy" panose="020B0A00000000000000" pitchFamily="34" charset="-128"/>
+                <a:ea typeface="源ノ角ゴシック JP Heavy" panose="020B0A00000000000000" pitchFamily="34" charset="-128"/>
               </a:rPr>
               <a:t>ボタン</a:t>
             </a:r>
             <a:endParaRPr lang="en-US" altLang="ja-JP" sz="900" kern="0" dirty="0">
-              <a:latin typeface="源ノ角ゴシック JP Bold" panose="020B0800000000000000" pitchFamily="34" charset="-128"/>
-              <a:ea typeface="源ノ角ゴシック JP Bold" panose="020B0800000000000000" pitchFamily="34" charset="-128"/>
+              <a:latin typeface="源ノ角ゴシック JP Heavy" panose="020B0A00000000000000" pitchFamily="34" charset="-128"/>
+              <a:ea typeface="源ノ角ゴシック JP Heavy" panose="020B0A00000000000000" pitchFamily="34" charset="-128"/>
             </a:endParaRPr>
           </a:p>
           <a:p>
@@ -11038,35 +11031,35 @@
             </a:pPr>
             <a:r>
               <a:rPr lang="en-US" altLang="ja-JP" sz="900" kern="0" dirty="0">
-                <a:latin typeface="源ノ角ゴシック JP Bold" panose="020B0800000000000000" pitchFamily="34" charset="-128"/>
-                <a:ea typeface="源ノ角ゴシック JP Bold" panose="020B0800000000000000" pitchFamily="34" charset="-128"/>
+                <a:latin typeface="源ノ角ゴシック JP Heavy" panose="020B0A00000000000000" pitchFamily="34" charset="-128"/>
+                <a:ea typeface="源ノ角ゴシック JP Heavy" panose="020B0A00000000000000" pitchFamily="34" charset="-128"/>
               </a:rPr>
               <a:t>X</a:t>
             </a:r>
             <a:r>
               <a:rPr lang="ja-JP" altLang="en-US" sz="900" kern="0" dirty="0">
-                <a:latin typeface="源ノ角ゴシック JP Bold" panose="020B0800000000000000" pitchFamily="34" charset="-128"/>
-                <a:ea typeface="源ノ角ゴシック JP Bold" panose="020B0800000000000000" pitchFamily="34" charset="-128"/>
+                <a:latin typeface="源ノ角ゴシック JP Heavy" panose="020B0A00000000000000" pitchFamily="34" charset="-128"/>
+                <a:ea typeface="源ノ角ゴシック JP Heavy" panose="020B0A00000000000000" pitchFamily="34" charset="-128"/>
               </a:rPr>
               <a:t> </a:t>
             </a:r>
             <a:r>
               <a:rPr lang="en-US" altLang="ja-JP" sz="900" kern="0" dirty="0">
-                <a:latin typeface="源ノ角ゴシック JP Bold" panose="020B0800000000000000" pitchFamily="34" charset="-128"/>
-                <a:ea typeface="源ノ角ゴシック JP Bold" panose="020B0800000000000000" pitchFamily="34" charset="-128"/>
+                <a:latin typeface="源ノ角ゴシック JP Heavy" panose="020B0A00000000000000" pitchFamily="34" charset="-128"/>
+                <a:ea typeface="源ノ角ゴシック JP Heavy" panose="020B0A00000000000000" pitchFamily="34" charset="-128"/>
               </a:rPr>
               <a:t>: </a:t>
             </a:r>
             <a:r>
               <a:rPr lang="ja-JP" altLang="en-US" sz="900" kern="0" dirty="0">
-                <a:latin typeface="源ノ角ゴシック JP Bold" panose="020B0800000000000000" pitchFamily="34" charset="-128"/>
-                <a:ea typeface="源ノ角ゴシック JP Bold" panose="020B0800000000000000" pitchFamily="34" charset="-128"/>
+                <a:latin typeface="源ノ角ゴシック JP Heavy" panose="020B0A00000000000000" pitchFamily="34" charset="-128"/>
+                <a:ea typeface="源ノ角ゴシック JP Heavy" panose="020B0A00000000000000" pitchFamily="34" charset="-128"/>
               </a:rPr>
               <a:t>チェックボックス</a:t>
             </a:r>
             <a:endParaRPr lang="en-US" altLang="ja-JP" sz="900" kern="0" dirty="0">
-              <a:latin typeface="源ノ角ゴシック JP Bold" panose="020B0800000000000000" pitchFamily="34" charset="-128"/>
-              <a:ea typeface="源ノ角ゴシック JP Bold" panose="020B0800000000000000" pitchFamily="34" charset="-128"/>
+              <a:latin typeface="源ノ角ゴシック JP Heavy" panose="020B0A00000000000000" pitchFamily="34" charset="-128"/>
+              <a:ea typeface="源ノ角ゴシック JP Heavy" panose="020B0A00000000000000" pitchFamily="34" charset="-128"/>
             </a:endParaRPr>
           </a:p>
           <a:p>
@@ -11077,35 +11070,35 @@
             </a:pPr>
             <a:r>
               <a:rPr lang="en-US" altLang="ja-JP" sz="900" kern="0" dirty="0">
-                <a:latin typeface="源ノ角ゴシック JP Bold" panose="020B0800000000000000" pitchFamily="34" charset="-128"/>
-                <a:ea typeface="源ノ角ゴシック JP Bold" panose="020B0800000000000000" pitchFamily="34" charset="-128"/>
+                <a:latin typeface="源ノ角ゴシック JP Heavy" panose="020B0A00000000000000" pitchFamily="34" charset="-128"/>
+                <a:ea typeface="源ノ角ゴシック JP Heavy" panose="020B0A00000000000000" pitchFamily="34" charset="-128"/>
               </a:rPr>
               <a:t>C</a:t>
             </a:r>
             <a:r>
               <a:rPr lang="ja-JP" altLang="en-US" sz="900" kern="0" dirty="0">
-                <a:latin typeface="源ノ角ゴシック JP Bold" panose="020B0800000000000000" pitchFamily="34" charset="-128"/>
-                <a:ea typeface="源ノ角ゴシック JP Bold" panose="020B0800000000000000" pitchFamily="34" charset="-128"/>
+                <a:latin typeface="源ノ角ゴシック JP Heavy" panose="020B0A00000000000000" pitchFamily="34" charset="-128"/>
+                <a:ea typeface="源ノ角ゴシック JP Heavy" panose="020B0A00000000000000" pitchFamily="34" charset="-128"/>
               </a:rPr>
               <a:t> </a:t>
             </a:r>
             <a:r>
               <a:rPr lang="en-US" altLang="ja-JP" sz="900" kern="0" dirty="0">
-                <a:latin typeface="源ノ角ゴシック JP Bold" panose="020B0800000000000000" pitchFamily="34" charset="-128"/>
-                <a:ea typeface="源ノ角ゴシック JP Bold" panose="020B0800000000000000" pitchFamily="34" charset="-128"/>
+                <a:latin typeface="源ノ角ゴシック JP Heavy" panose="020B0A00000000000000" pitchFamily="34" charset="-128"/>
+                <a:ea typeface="源ノ角ゴシック JP Heavy" panose="020B0A00000000000000" pitchFamily="34" charset="-128"/>
               </a:rPr>
               <a:t>: </a:t>
             </a:r>
             <a:r>
               <a:rPr lang="ja-JP" altLang="en-US" sz="900" kern="0" dirty="0">
-                <a:latin typeface="源ノ角ゴシック JP Bold" panose="020B0800000000000000" pitchFamily="34" charset="-128"/>
-                <a:ea typeface="源ノ角ゴシック JP Bold" panose="020B0800000000000000" pitchFamily="34" charset="-128"/>
+                <a:latin typeface="源ノ角ゴシック JP Heavy" panose="020B0A00000000000000" pitchFamily="34" charset="-128"/>
+                <a:ea typeface="源ノ角ゴシック JP Heavy" panose="020B0A00000000000000" pitchFamily="34" charset="-128"/>
               </a:rPr>
               <a:t>コンボボックス</a:t>
             </a:r>
             <a:endParaRPr lang="en-US" altLang="ja-JP" sz="900" kern="0" dirty="0">
-              <a:latin typeface="源ノ角ゴシック JP Bold" panose="020B0800000000000000" pitchFamily="34" charset="-128"/>
-              <a:ea typeface="源ノ角ゴシック JP Bold" panose="020B0800000000000000" pitchFamily="34" charset="-128"/>
+              <a:latin typeface="源ノ角ゴシック JP Heavy" panose="020B0A00000000000000" pitchFamily="34" charset="-128"/>
+              <a:ea typeface="源ノ角ゴシック JP Heavy" panose="020B0A00000000000000" pitchFamily="34" charset="-128"/>
             </a:endParaRPr>
           </a:p>
           <a:p>
@@ -11116,21 +11109,21 @@
             </a:pPr>
             <a:r>
               <a:rPr lang="en-US" altLang="ja-JP" sz="900" kern="0" dirty="0">
-                <a:latin typeface="源ノ角ゴシック JP Bold" panose="020B0800000000000000" pitchFamily="34" charset="-128"/>
-                <a:ea typeface="源ノ角ゴシック JP Bold" panose="020B0800000000000000" pitchFamily="34" charset="-128"/>
+                <a:latin typeface="源ノ角ゴシック JP Heavy" panose="020B0A00000000000000" pitchFamily="34" charset="-128"/>
+                <a:ea typeface="源ノ角ゴシック JP Heavy" panose="020B0A00000000000000" pitchFamily="34" charset="-128"/>
               </a:rPr>
               <a:t>R : </a:t>
             </a:r>
             <a:r>
               <a:rPr lang="ja-JP" altLang="en-US" sz="900" kern="0" dirty="0">
-                <a:latin typeface="源ノ角ゴシック JP Bold" panose="020B0800000000000000" pitchFamily="34" charset="-128"/>
-                <a:ea typeface="源ノ角ゴシック JP Bold" panose="020B0800000000000000" pitchFamily="34" charset="-128"/>
+                <a:latin typeface="源ノ角ゴシック JP Heavy" panose="020B0A00000000000000" pitchFamily="34" charset="-128"/>
+                <a:ea typeface="源ノ角ゴシック JP Heavy" panose="020B0A00000000000000" pitchFamily="34" charset="-128"/>
               </a:rPr>
               <a:t>ラジオボタン</a:t>
             </a:r>
             <a:endParaRPr lang="en-US" altLang="ja-JP" sz="900" kern="0" dirty="0">
-              <a:latin typeface="源ノ角ゴシック JP Bold" panose="020B0800000000000000" pitchFamily="34" charset="-128"/>
-              <a:ea typeface="源ノ角ゴシック JP Bold" panose="020B0800000000000000" pitchFamily="34" charset="-128"/>
+              <a:latin typeface="源ノ角ゴシック JP Heavy" panose="020B0A00000000000000" pitchFamily="34" charset="-128"/>
+              <a:ea typeface="源ノ角ゴシック JP Heavy" panose="020B0A00000000000000" pitchFamily="34" charset="-128"/>
             </a:endParaRPr>
           </a:p>
           <a:p>
@@ -11141,21 +11134,21 @@
             </a:pPr>
             <a:r>
               <a:rPr lang="en-US" altLang="ja-JP" sz="900" kern="0" dirty="0">
-                <a:latin typeface="源ノ角ゴシック JP Bold" panose="020B0800000000000000" pitchFamily="34" charset="-128"/>
-                <a:ea typeface="源ノ角ゴシック JP Bold" panose="020B0800000000000000" pitchFamily="34" charset="-128"/>
+                <a:latin typeface="源ノ角ゴシック JP Heavy" panose="020B0A00000000000000" pitchFamily="34" charset="-128"/>
+                <a:ea typeface="源ノ角ゴシック JP Heavy" panose="020B0A00000000000000" pitchFamily="34" charset="-128"/>
               </a:rPr>
               <a:t>M : </a:t>
             </a:r>
             <a:r>
               <a:rPr lang="ja-JP" altLang="en-US" sz="900" kern="0" dirty="0">
-                <a:latin typeface="源ノ角ゴシック JP Bold" panose="020B0800000000000000" pitchFamily="34" charset="-128"/>
-                <a:ea typeface="源ノ角ゴシック JP Bold" panose="020B0800000000000000" pitchFamily="34" charset="-128"/>
+                <a:latin typeface="源ノ角ゴシック JP Heavy" panose="020B0A00000000000000" pitchFamily="34" charset="-128"/>
+                <a:ea typeface="源ノ角ゴシック JP Heavy" panose="020B0A00000000000000" pitchFamily="34" charset="-128"/>
               </a:rPr>
               <a:t>フレーム</a:t>
             </a:r>
             <a:endParaRPr lang="en-US" altLang="ja-JP" sz="900" kern="0" dirty="0">
-              <a:latin typeface="源ノ角ゴシック JP Bold" panose="020B0800000000000000" pitchFamily="34" charset="-128"/>
-              <a:ea typeface="源ノ角ゴシック JP Bold" panose="020B0800000000000000" pitchFamily="34" charset="-128"/>
+              <a:latin typeface="源ノ角ゴシック JP Heavy" panose="020B0A00000000000000" pitchFamily="34" charset="-128"/>
+              <a:ea typeface="源ノ角ゴシック JP Heavy" panose="020B0A00000000000000" pitchFamily="34" charset="-128"/>
             </a:endParaRPr>
           </a:p>
           <a:p>
@@ -11166,35 +11159,35 @@
             </a:pPr>
             <a:r>
               <a:rPr lang="en-US" altLang="ja-JP" sz="900" kern="0" dirty="0">
-                <a:latin typeface="源ノ角ゴシック JP Bold" panose="020B0800000000000000" pitchFamily="34" charset="-128"/>
-                <a:ea typeface="源ノ角ゴシック JP Bold" panose="020B0800000000000000" pitchFamily="34" charset="-128"/>
+                <a:latin typeface="源ノ角ゴシック JP Heavy" panose="020B0A00000000000000" pitchFamily="34" charset="-128"/>
+                <a:ea typeface="源ノ角ゴシック JP Heavy" panose="020B0A00000000000000" pitchFamily="34" charset="-128"/>
               </a:rPr>
               <a:t>G</a:t>
             </a:r>
             <a:r>
               <a:rPr lang="ja-JP" altLang="en-US" sz="900" kern="0" dirty="0">
-                <a:latin typeface="源ノ角ゴシック JP Bold" panose="020B0800000000000000" pitchFamily="34" charset="-128"/>
-                <a:ea typeface="源ノ角ゴシック JP Bold" panose="020B0800000000000000" pitchFamily="34" charset="-128"/>
+                <a:latin typeface="源ノ角ゴシック JP Heavy" panose="020B0A00000000000000" pitchFamily="34" charset="-128"/>
+                <a:ea typeface="源ノ角ゴシック JP Heavy" panose="020B0A00000000000000" pitchFamily="34" charset="-128"/>
               </a:rPr>
               <a:t> </a:t>
             </a:r>
             <a:r>
               <a:rPr lang="en-US" altLang="ja-JP" sz="900" kern="0" dirty="0">
-                <a:latin typeface="源ノ角ゴシック JP Bold" panose="020B0800000000000000" pitchFamily="34" charset="-128"/>
-                <a:ea typeface="源ノ角ゴシック JP Bold" panose="020B0800000000000000" pitchFamily="34" charset="-128"/>
+                <a:latin typeface="源ノ角ゴシック JP Heavy" panose="020B0A00000000000000" pitchFamily="34" charset="-128"/>
+                <a:ea typeface="源ノ角ゴシック JP Heavy" panose="020B0A00000000000000" pitchFamily="34" charset="-128"/>
               </a:rPr>
               <a:t>: </a:t>
             </a:r>
             <a:r>
               <a:rPr lang="ja-JP" altLang="en-US" sz="900" kern="0" dirty="0">
-                <a:latin typeface="源ノ角ゴシック JP Bold" panose="020B0800000000000000" pitchFamily="34" charset="-128"/>
-                <a:ea typeface="源ノ角ゴシック JP Bold" panose="020B0800000000000000" pitchFamily="34" charset="-128"/>
+                <a:latin typeface="源ノ角ゴシック JP Heavy" panose="020B0A00000000000000" pitchFamily="34" charset="-128"/>
+                <a:ea typeface="源ノ角ゴシック JP Heavy" panose="020B0A00000000000000" pitchFamily="34" charset="-128"/>
               </a:rPr>
               <a:t>画像</a:t>
             </a:r>
             <a:endParaRPr lang="en-US" altLang="ja-JP" sz="900" kern="0" dirty="0">
-              <a:latin typeface="源ノ角ゴシック JP Bold" panose="020B0800000000000000" pitchFamily="34" charset="-128"/>
-              <a:ea typeface="源ノ角ゴシック JP Bold" panose="020B0800000000000000" pitchFamily="34" charset="-128"/>
+              <a:latin typeface="源ノ角ゴシック JP Heavy" panose="020B0A00000000000000" pitchFamily="34" charset="-128"/>
+              <a:ea typeface="源ノ角ゴシック JP Heavy" panose="020B0A00000000000000" pitchFamily="34" charset="-128"/>
             </a:endParaRPr>
           </a:p>
           <a:p>
@@ -11205,35 +11198,35 @@
             </a:pPr>
             <a:r>
               <a:rPr lang="en-US" altLang="ja-JP" sz="900" kern="0" dirty="0">
-                <a:latin typeface="源ノ角ゴシック JP Bold" panose="020B0800000000000000" pitchFamily="34" charset="-128"/>
-                <a:ea typeface="源ノ角ゴシック JP Bold" panose="020B0800000000000000" pitchFamily="34" charset="-128"/>
+                <a:latin typeface="源ノ角ゴシック JP Heavy" panose="020B0A00000000000000" pitchFamily="34" charset="-128"/>
+                <a:ea typeface="源ノ角ゴシック JP Heavy" panose="020B0A00000000000000" pitchFamily="34" charset="-128"/>
               </a:rPr>
               <a:t>D</a:t>
             </a:r>
             <a:r>
               <a:rPr lang="ja-JP" altLang="en-US" sz="900" kern="0" dirty="0">
-                <a:latin typeface="源ノ角ゴシック JP Bold" panose="020B0800000000000000" pitchFamily="34" charset="-128"/>
-                <a:ea typeface="源ノ角ゴシック JP Bold" panose="020B0800000000000000" pitchFamily="34" charset="-128"/>
+                <a:latin typeface="源ノ角ゴシック JP Heavy" panose="020B0A00000000000000" pitchFamily="34" charset="-128"/>
+                <a:ea typeface="源ノ角ゴシック JP Heavy" panose="020B0A00000000000000" pitchFamily="34" charset="-128"/>
               </a:rPr>
               <a:t> </a:t>
             </a:r>
             <a:r>
               <a:rPr lang="en-US" altLang="ja-JP" sz="900" kern="0" dirty="0">
-                <a:latin typeface="源ノ角ゴシック JP Bold" panose="020B0800000000000000" pitchFamily="34" charset="-128"/>
-                <a:ea typeface="源ノ角ゴシック JP Bold" panose="020B0800000000000000" pitchFamily="34" charset="-128"/>
+                <a:latin typeface="源ノ角ゴシック JP Heavy" panose="020B0A00000000000000" pitchFamily="34" charset="-128"/>
+                <a:ea typeface="源ノ角ゴシック JP Heavy" panose="020B0A00000000000000" pitchFamily="34" charset="-128"/>
               </a:rPr>
               <a:t>: </a:t>
             </a:r>
             <a:r>
               <a:rPr lang="ja-JP" altLang="en-US" sz="900" kern="0" dirty="0">
-                <a:latin typeface="源ノ角ゴシック JP Bold" panose="020B0800000000000000" pitchFamily="34" charset="-128"/>
-                <a:ea typeface="源ノ角ゴシック JP Bold" panose="020B0800000000000000" pitchFamily="34" charset="-128"/>
+                <a:latin typeface="源ノ角ゴシック JP Heavy" panose="020B0A00000000000000" pitchFamily="34" charset="-128"/>
+                <a:ea typeface="源ノ角ゴシック JP Heavy" panose="020B0A00000000000000" pitchFamily="34" charset="-128"/>
               </a:rPr>
               <a:t>ランドマーク</a:t>
             </a:r>
             <a:endParaRPr lang="en-US" altLang="ja-JP" sz="900" kern="0" dirty="0">
-              <a:latin typeface="源ノ角ゴシック JP Bold" panose="020B0800000000000000" pitchFamily="34" charset="-128"/>
-              <a:ea typeface="源ノ角ゴシック JP Bold" panose="020B0800000000000000" pitchFamily="34" charset="-128"/>
+              <a:latin typeface="源ノ角ゴシック JP Heavy" panose="020B0A00000000000000" pitchFamily="34" charset="-128"/>
+              <a:ea typeface="源ノ角ゴシック JP Heavy" panose="020B0A00000000000000" pitchFamily="34" charset="-128"/>
             </a:endParaRPr>
           </a:p>
           <a:p>
@@ -11244,35 +11237,35 @@
             </a:pPr>
             <a:r>
               <a:rPr lang="en-US" altLang="ja-JP" sz="900" kern="0" dirty="0">
-                <a:latin typeface="源ノ角ゴシック JP Bold" panose="020B0800000000000000" pitchFamily="34" charset="-128"/>
-                <a:ea typeface="源ノ角ゴシック JP Bold" panose="020B0800000000000000" pitchFamily="34" charset="-128"/>
+                <a:latin typeface="源ノ角ゴシック JP Heavy" panose="020B0A00000000000000" pitchFamily="34" charset="-128"/>
+                <a:ea typeface="源ノ角ゴシック JP Heavy" panose="020B0A00000000000000" pitchFamily="34" charset="-128"/>
               </a:rPr>
               <a:t>O</a:t>
             </a:r>
             <a:r>
               <a:rPr lang="ja-JP" altLang="en-US" sz="900" kern="0" dirty="0">
-                <a:latin typeface="源ノ角ゴシック JP Bold" panose="020B0800000000000000" pitchFamily="34" charset="-128"/>
-                <a:ea typeface="源ノ角ゴシック JP Bold" panose="020B0800000000000000" pitchFamily="34" charset="-128"/>
+                <a:latin typeface="源ノ角ゴシック JP Heavy" panose="020B0A00000000000000" pitchFamily="34" charset="-128"/>
+                <a:ea typeface="源ノ角ゴシック JP Heavy" panose="020B0A00000000000000" pitchFamily="34" charset="-128"/>
               </a:rPr>
               <a:t> </a:t>
             </a:r>
             <a:r>
               <a:rPr lang="en-US" altLang="ja-JP" sz="900" kern="0" dirty="0">
-                <a:latin typeface="源ノ角ゴシック JP Bold" panose="020B0800000000000000" pitchFamily="34" charset="-128"/>
-                <a:ea typeface="源ノ角ゴシック JP Bold" panose="020B0800000000000000" pitchFamily="34" charset="-128"/>
+                <a:latin typeface="源ノ角ゴシック JP Heavy" panose="020B0A00000000000000" pitchFamily="34" charset="-128"/>
+                <a:ea typeface="源ノ角ゴシック JP Heavy" panose="020B0A00000000000000" pitchFamily="34" charset="-128"/>
               </a:rPr>
               <a:t>: </a:t>
             </a:r>
             <a:r>
               <a:rPr lang="ja-JP" altLang="en-US" sz="900" kern="0" dirty="0">
-                <a:latin typeface="源ノ角ゴシック JP Bold" panose="020B0800000000000000" pitchFamily="34" charset="-128"/>
-                <a:ea typeface="源ノ角ゴシック JP Bold" panose="020B0800000000000000" pitchFamily="34" charset="-128"/>
+                <a:latin typeface="源ノ角ゴシック JP Heavy" panose="020B0A00000000000000" pitchFamily="34" charset="-128"/>
+                <a:ea typeface="源ノ角ゴシック JP Heavy" panose="020B0A00000000000000" pitchFamily="34" charset="-128"/>
               </a:rPr>
               <a:t>埋め込みオブジェクト</a:t>
             </a:r>
             <a:endParaRPr lang="en-US" altLang="ja-JP" sz="900" kern="0" dirty="0">
-              <a:latin typeface="源ノ角ゴシック JP Bold" panose="020B0800000000000000" pitchFamily="34" charset="-128"/>
-              <a:ea typeface="源ノ角ゴシック JP Bold" panose="020B0800000000000000" pitchFamily="34" charset="-128"/>
+              <a:latin typeface="源ノ角ゴシック JP Heavy" panose="020B0A00000000000000" pitchFamily="34" charset="-128"/>
+              <a:ea typeface="源ノ角ゴシック JP Heavy" panose="020B0A00000000000000" pitchFamily="34" charset="-128"/>
             </a:endParaRPr>
           </a:p>
         </p:txBody>
@@ -11484,42 +11477,42 @@
             <a:pPr algn="r"/>
             <a:r>
               <a:rPr lang="ja-JP" altLang="en-US" sz="900" kern="0" dirty="0">
-                <a:latin typeface="源ノ角ゴシック JP Bold" panose="020B0800000000000000" pitchFamily="34" charset="-128"/>
-                <a:ea typeface="源ノ角ゴシック JP Bold" panose="020B0800000000000000" pitchFamily="34" charset="-128"/>
+                <a:latin typeface="源ノ角ゴシック JP Heavy" panose="020B0A00000000000000" pitchFamily="34" charset="-128"/>
+                <a:ea typeface="源ノ角ゴシック JP Heavy" panose="020B0A00000000000000" pitchFamily="34" charset="-128"/>
               </a:rPr>
               <a:t>カンマ </a:t>
             </a:r>
             <a:r>
               <a:rPr lang="en-US" altLang="ja-JP" sz="900" kern="0" dirty="0">
-                <a:latin typeface="源ノ角ゴシック JP Bold" panose="020B0800000000000000" pitchFamily="34" charset="-128"/>
-                <a:ea typeface="源ノ角ゴシック JP Bold" panose="020B0800000000000000" pitchFamily="34" charset="-128"/>
+                <a:latin typeface="源ノ角ゴシック JP Heavy" panose="020B0A00000000000000" pitchFamily="34" charset="-128"/>
+                <a:ea typeface="源ノ角ゴシック JP Heavy" panose="020B0A00000000000000" pitchFamily="34" charset="-128"/>
               </a:rPr>
               <a:t>/ Shift+</a:t>
             </a:r>
             <a:r>
               <a:rPr lang="ja-JP" altLang="en-US" sz="900" kern="0" dirty="0">
-                <a:latin typeface="源ノ角ゴシック JP Bold" panose="020B0800000000000000" pitchFamily="34" charset="-128"/>
-                <a:ea typeface="源ノ角ゴシック JP Bold" panose="020B0800000000000000" pitchFamily="34" charset="-128"/>
+                <a:latin typeface="源ノ角ゴシック JP Heavy" panose="020B0A00000000000000" pitchFamily="34" charset="-128"/>
+                <a:ea typeface="源ノ角ゴシック JP Heavy" panose="020B0A00000000000000" pitchFamily="34" charset="-128"/>
               </a:rPr>
               <a:t>カンマ</a:t>
             </a:r>
             <a:endParaRPr lang="en-US" altLang="ja-JP" sz="900" kern="0" dirty="0">
-              <a:latin typeface="源ノ角ゴシック JP Bold" panose="020B0800000000000000" pitchFamily="34" charset="-128"/>
-              <a:ea typeface="源ノ角ゴシック JP Bold" panose="020B0800000000000000" pitchFamily="34" charset="-128"/>
+              <a:latin typeface="源ノ角ゴシック JP Heavy" panose="020B0A00000000000000" pitchFamily="34" charset="-128"/>
+              <a:ea typeface="源ノ角ゴシック JP Heavy" panose="020B0A00000000000000" pitchFamily="34" charset="-128"/>
             </a:endParaRPr>
           </a:p>
           <a:p>
             <a:pPr algn="r"/>
             <a:r>
               <a:rPr lang="ja-JP" altLang="en-US" sz="900" kern="0" dirty="0">
-                <a:latin typeface="源ノ角ゴシック JP Bold" panose="020B0800000000000000" pitchFamily="34" charset="-128"/>
-                <a:ea typeface="源ノ角ゴシック JP Bold" panose="020B0800000000000000" pitchFamily="34" charset="-128"/>
+                <a:latin typeface="源ノ角ゴシック JP Heavy" panose="020B0A00000000000000" pitchFamily="34" charset="-128"/>
+                <a:ea typeface="源ノ角ゴシック JP Heavy" panose="020B0A00000000000000" pitchFamily="34" charset="-128"/>
               </a:rPr>
               <a:t>コンテナ要素の直後・先頭に移動</a:t>
             </a:r>
             <a:endParaRPr lang="en-US" altLang="ja-JP" sz="900" kern="0" dirty="0">
-              <a:latin typeface="源ノ角ゴシック JP Bold" panose="020B0800000000000000" pitchFamily="34" charset="-128"/>
-              <a:ea typeface="源ノ角ゴシック JP Bold" panose="020B0800000000000000" pitchFamily="34" charset="-128"/>
+              <a:latin typeface="源ノ角ゴシック JP Heavy" panose="020B0A00000000000000" pitchFamily="34" charset="-128"/>
+              <a:ea typeface="源ノ角ゴシック JP Heavy" panose="020B0A00000000000000" pitchFamily="34" charset="-128"/>
             </a:endParaRPr>
           </a:p>
         </p:txBody>
@@ -11731,14 +11724,14 @@
             <a:pPr algn="l"/>
             <a:r>
               <a:rPr lang="ja-JP" altLang="en-US" sz="900" kern="0" dirty="0">
-                <a:latin typeface="源ノ角ゴシック JP Bold" panose="020B0800000000000000" pitchFamily="34" charset="-128"/>
-                <a:ea typeface="源ノ角ゴシック JP Bold" panose="020B0800000000000000" pitchFamily="34" charset="-128"/>
+                <a:latin typeface="源ノ角ゴシック JP Heavy" panose="020B0A00000000000000" pitchFamily="34" charset="-128"/>
+                <a:ea typeface="源ノ角ゴシック JP Heavy" panose="020B0A00000000000000" pitchFamily="34" charset="-128"/>
               </a:rPr>
               <a:t>■ レビューカーソル</a:t>
             </a:r>
             <a:endParaRPr lang="en-US" altLang="ja-JP" sz="900" kern="0" dirty="0">
-              <a:latin typeface="源ノ角ゴシック JP Bold" panose="020B0800000000000000" pitchFamily="34" charset="-128"/>
-              <a:ea typeface="源ノ角ゴシック JP Bold" panose="020B0800000000000000" pitchFamily="34" charset="-128"/>
+              <a:latin typeface="源ノ角ゴシック JP Heavy" panose="020B0A00000000000000" pitchFamily="34" charset="-128"/>
+              <a:ea typeface="源ノ角ゴシック JP Heavy" panose="020B0A00000000000000" pitchFamily="34" charset="-128"/>
             </a:endParaRPr>
           </a:p>
         </p:txBody>
@@ -11766,14 +11759,14 @@
           <a:p>
             <a:r>
               <a:rPr lang="ja-JP" altLang="en-US" sz="800" dirty="0">
-                <a:latin typeface="源ノ角ゴシック JP Bold" panose="020B0800000000000000" pitchFamily="34" charset="-128"/>
-                <a:ea typeface="源ノ角ゴシック JP Bold" panose="020B0800000000000000" pitchFamily="34" charset="-128"/>
+                <a:latin typeface="源ノ角ゴシック JP Heavy" panose="020B0A00000000000000" pitchFamily="34" charset="-128"/>
+                <a:ea typeface="源ノ角ゴシック JP Heavy" panose="020B0A00000000000000" pitchFamily="34" charset="-128"/>
               </a:rPr>
               <a:t>テンキー（デスクトップ配列）</a:t>
             </a:r>
             <a:endParaRPr lang="en-US" altLang="ja-JP" sz="800" dirty="0">
-              <a:latin typeface="源ノ角ゴシック JP Bold" panose="020B0800000000000000" pitchFamily="34" charset="-128"/>
-              <a:ea typeface="源ノ角ゴシック JP Bold" panose="020B0800000000000000" pitchFamily="34" charset="-128"/>
+              <a:latin typeface="源ノ角ゴシック JP Heavy" panose="020B0A00000000000000" pitchFamily="34" charset="-128"/>
+              <a:ea typeface="源ノ角ゴシック JP Heavy" panose="020B0A00000000000000" pitchFamily="34" charset="-128"/>
             </a:endParaRPr>
           </a:p>
         </p:txBody>
@@ -11787,7 +11780,7 @@
           <p:nvPr>
             <p:extLst>
               <p:ext uri="{D42A27DB-BD31-4B8C-83A1-F6EECF244321}">
-                <p14:modId xmlns:p14="http://schemas.microsoft.com/office/powerpoint/2010/main" val="2717781338"/>
+                <p14:modId xmlns:p14="http://schemas.microsoft.com/office/powerpoint/2010/main" val="159250892"/>
               </p:ext>
             </p:extLst>
           </p:nvPr>
@@ -11837,8 +11830,8 @@
                           <a:solidFill>
                             <a:schemeClr val="dk1"/>
                           </a:solidFill>
-                          <a:latin typeface="源ノ角ゴシック JP Bold" panose="020B0800000000000000" pitchFamily="34" charset="-128"/>
-                          <a:ea typeface="源ノ角ゴシック JP Bold" panose="020B0800000000000000" pitchFamily="34" charset="-128"/>
+                          <a:latin typeface="源ノ角ゴシック JP Heavy" panose="020B0A00000000000000" pitchFamily="34" charset="-128"/>
+                          <a:ea typeface="源ノ角ゴシック JP Heavy" panose="020B0A00000000000000" pitchFamily="34" charset="-128"/>
                           <a:cs typeface="+mn-cs"/>
                         </a:rPr>
                         <a:t>前の行</a:t>
@@ -11903,8 +11896,8 @@
                           <a:solidFill>
                             <a:schemeClr val="dk1"/>
                           </a:solidFill>
-                          <a:latin typeface="源ノ角ゴシック JP Bold" panose="020B0800000000000000" pitchFamily="34" charset="-128"/>
-                          <a:ea typeface="源ノ角ゴシック JP Bold" panose="020B0800000000000000" pitchFamily="34" charset="-128"/>
+                          <a:latin typeface="源ノ角ゴシック JP Heavy" panose="020B0A00000000000000" pitchFamily="34" charset="-128"/>
+                          <a:ea typeface="源ノ角ゴシック JP Heavy" panose="020B0A00000000000000" pitchFamily="34" charset="-128"/>
                           <a:cs typeface="+mn-cs"/>
                         </a:rPr>
                         <a:t>現在の行</a:t>
@@ -11969,8 +11962,8 @@
                           <a:solidFill>
                             <a:schemeClr val="dk1"/>
                           </a:solidFill>
-                          <a:latin typeface="源ノ角ゴシック JP Bold" panose="020B0800000000000000" pitchFamily="34" charset="-128"/>
-                          <a:ea typeface="源ノ角ゴシック JP Bold" panose="020B0800000000000000" pitchFamily="34" charset="-128"/>
+                          <a:latin typeface="源ノ角ゴシック JP Heavy" panose="020B0A00000000000000" pitchFamily="34" charset="-128"/>
+                          <a:ea typeface="源ノ角ゴシック JP Heavy" panose="020B0A00000000000000" pitchFamily="34" charset="-128"/>
                           <a:cs typeface="+mn-cs"/>
                         </a:rPr>
                         <a:t>次の行</a:t>
@@ -12042,8 +12035,8 @@
                           <a:solidFill>
                             <a:schemeClr val="dk1"/>
                           </a:solidFill>
-                          <a:latin typeface="源ノ角ゴシック JP Bold" panose="020B0800000000000000" pitchFamily="34" charset="-128"/>
-                          <a:ea typeface="源ノ角ゴシック JP Bold" panose="020B0800000000000000" pitchFamily="34" charset="-128"/>
+                          <a:latin typeface="源ノ角ゴシック JP Heavy" panose="020B0A00000000000000" pitchFamily="34" charset="-128"/>
+                          <a:ea typeface="源ノ角ゴシック JP Heavy" panose="020B0A00000000000000" pitchFamily="34" charset="-128"/>
                           <a:cs typeface="+mn-cs"/>
                         </a:rPr>
                         <a:t>前の単語</a:t>
@@ -12108,8 +12101,8 @@
                           <a:solidFill>
                             <a:schemeClr val="dk1"/>
                           </a:solidFill>
-                          <a:latin typeface="源ノ角ゴシック JP Bold" panose="020B0800000000000000" pitchFamily="34" charset="-128"/>
-                          <a:ea typeface="源ノ角ゴシック JP Bold" panose="020B0800000000000000" pitchFamily="34" charset="-128"/>
+                          <a:latin typeface="源ノ角ゴシック JP Heavy" panose="020B0A00000000000000" pitchFamily="34" charset="-128"/>
+                          <a:ea typeface="源ノ角ゴシック JP Heavy" panose="020B0A00000000000000" pitchFamily="34" charset="-128"/>
                           <a:cs typeface="+mn-cs"/>
                         </a:rPr>
                         <a:t>現在の単語</a:t>
@@ -12174,8 +12167,8 @@
                           <a:solidFill>
                             <a:schemeClr val="dk1"/>
                           </a:solidFill>
-                          <a:latin typeface="源ノ角ゴシック JP Bold" panose="020B0800000000000000" pitchFamily="34" charset="-128"/>
-                          <a:ea typeface="源ノ角ゴシック JP Bold" panose="020B0800000000000000" pitchFamily="34" charset="-128"/>
+                          <a:latin typeface="源ノ角ゴシック JP Heavy" panose="020B0A00000000000000" pitchFamily="34" charset="-128"/>
+                          <a:ea typeface="源ノ角ゴシック JP Heavy" panose="020B0A00000000000000" pitchFamily="34" charset="-128"/>
                           <a:cs typeface="+mn-cs"/>
                         </a:rPr>
                         <a:t>次の単語</a:t>
@@ -12243,8 +12236,8 @@
                     <a:p>
                       <a:r>
                         <a:rPr kumimoji="1" lang="ja-JP" altLang="en-US" sz="700" dirty="0">
-                          <a:latin typeface="源ノ角ゴシック JP Bold" panose="020B0800000000000000" pitchFamily="34" charset="-128"/>
-                          <a:ea typeface="源ノ角ゴシック JP Bold" panose="020B0800000000000000" pitchFamily="34" charset="-128"/>
+                          <a:latin typeface="源ノ角ゴシック JP Heavy" panose="020B0A00000000000000" pitchFamily="34" charset="-128"/>
+                          <a:ea typeface="源ノ角ゴシック JP Heavy" panose="020B0A00000000000000" pitchFamily="34" charset="-128"/>
                         </a:rPr>
                         <a:t>前の文字</a:t>
                       </a:r>
@@ -12308,8 +12301,8 @@
                           <a:solidFill>
                             <a:schemeClr val="dk1"/>
                           </a:solidFill>
-                          <a:latin typeface="源ノ角ゴシック JP Bold" panose="020B0800000000000000" pitchFamily="34" charset="-128"/>
-                          <a:ea typeface="源ノ角ゴシック JP Bold" panose="020B0800000000000000" pitchFamily="34" charset="-128"/>
+                          <a:latin typeface="源ノ角ゴシック JP Heavy" panose="020B0A00000000000000" pitchFamily="34" charset="-128"/>
+                          <a:ea typeface="源ノ角ゴシック JP Heavy" panose="020B0A00000000000000" pitchFamily="34" charset="-128"/>
                           <a:cs typeface="+mn-cs"/>
                         </a:rPr>
                         <a:t>現在の文字</a:t>
@@ -12374,8 +12367,8 @@
                           <a:solidFill>
                             <a:schemeClr val="dk1"/>
                           </a:solidFill>
-                          <a:latin typeface="源ノ角ゴシック JP Bold" panose="020B0800000000000000" pitchFamily="34" charset="-128"/>
-                          <a:ea typeface="源ノ角ゴシック JP Bold" panose="020B0800000000000000" pitchFamily="34" charset="-128"/>
+                          <a:latin typeface="源ノ角ゴシック JP Heavy" panose="020B0A00000000000000" pitchFamily="34" charset="-128"/>
+                          <a:ea typeface="源ノ角ゴシック JP Heavy" panose="020B0A00000000000000" pitchFamily="34" charset="-128"/>
                           <a:cs typeface="+mn-cs"/>
                         </a:rPr>
                         <a:t>次の文字</a:t>
@@ -12497,21 +12490,21 @@
           <a:p>
             <a:r>
               <a:rPr lang="en-US" altLang="ja-JP" sz="800" dirty="0">
-                <a:latin typeface="源ノ角ゴシック JP Bold" panose="020B0800000000000000" pitchFamily="34" charset="-128"/>
-                <a:ea typeface="源ノ角ゴシック JP Bold" panose="020B0800000000000000" pitchFamily="34" charset="-128"/>
+                <a:latin typeface="源ノ角ゴシック JP Heavy" panose="020B0A00000000000000" pitchFamily="34" charset="-128"/>
+                <a:ea typeface="源ノ角ゴシック JP Heavy" panose="020B0A00000000000000" pitchFamily="34" charset="-128"/>
               </a:rPr>
               <a:t>NVDA+</a:t>
             </a:r>
             <a:r>
               <a:rPr lang="ja-JP" altLang="en-US" sz="800" dirty="0">
-                <a:latin typeface="源ノ角ゴシック JP Bold" panose="020B0800000000000000" pitchFamily="34" charset="-128"/>
-                <a:ea typeface="源ノ角ゴシック JP Bold" panose="020B0800000000000000" pitchFamily="34" charset="-128"/>
+                <a:latin typeface="源ノ角ゴシック JP Heavy" panose="020B0A00000000000000" pitchFamily="34" charset="-128"/>
+                <a:ea typeface="源ノ角ゴシック JP Heavy" panose="020B0A00000000000000" pitchFamily="34" charset="-128"/>
               </a:rPr>
               <a:t>（ラップトップ配列）</a:t>
             </a:r>
             <a:endParaRPr lang="en-US" altLang="ja-JP" sz="800" dirty="0">
-              <a:latin typeface="源ノ角ゴシック JP Bold" panose="020B0800000000000000" pitchFamily="34" charset="-128"/>
-              <a:ea typeface="源ノ角ゴシック JP Bold" panose="020B0800000000000000" pitchFamily="34" charset="-128"/>
+              <a:latin typeface="源ノ角ゴシック JP Heavy" panose="020B0A00000000000000" pitchFamily="34" charset="-128"/>
+              <a:ea typeface="源ノ角ゴシック JP Heavy" panose="020B0A00000000000000" pitchFamily="34" charset="-128"/>
             </a:endParaRPr>
           </a:p>
         </p:txBody>
@@ -12525,7 +12518,7 @@
           <p:nvPr>
             <p:extLst>
               <p:ext uri="{D42A27DB-BD31-4B8C-83A1-F6EECF244321}">
-                <p14:modId xmlns:p14="http://schemas.microsoft.com/office/powerpoint/2010/main" val="1011344808"/>
+                <p14:modId xmlns:p14="http://schemas.microsoft.com/office/powerpoint/2010/main" val="736805404"/>
               </p:ext>
             </p:extLst>
           </p:nvPr>
@@ -12644,19 +12637,19 @@
                           <a:solidFill>
                             <a:schemeClr val="dk1"/>
                           </a:solidFill>
-                          <a:latin typeface="源ノ角ゴシック JP Bold" panose="020B0800000000000000" pitchFamily="34" charset="-128"/>
-                          <a:ea typeface="源ノ角ゴシック JP Bold" panose="020B0800000000000000" pitchFamily="34" charset="-128"/>
+                          <a:latin typeface="源ノ角ゴシック JP Heavy" panose="020B0A00000000000000" pitchFamily="34" charset="-128"/>
+                          <a:ea typeface="源ノ角ゴシック JP Heavy" panose="020B0A00000000000000" pitchFamily="34" charset="-128"/>
                           <a:cs typeface="+mn-cs"/>
                         </a:rPr>
                         <a:t>Shift+</a:t>
                       </a:r>
                       <a:r>
-                        <a:rPr kumimoji="1" lang="ja-JP" altLang="en-US" sz="700" kern="1200" dirty="0">
+                        <a:rPr kumimoji="1" lang="ja-JP" altLang="en-US" sz="600" kern="1200" dirty="0">
                           <a:solidFill>
                             <a:schemeClr val="dk1"/>
                           </a:solidFill>
-                          <a:latin typeface="源ノ角ゴシック JP Bold" panose="020B0800000000000000" pitchFamily="34" charset="-128"/>
-                          <a:ea typeface="源ノ角ゴシック JP Bold" panose="020B0800000000000000" pitchFamily="34" charset="-128"/>
+                          <a:latin typeface="源ノ角ゴシック JP Heavy" panose="020B0A00000000000000" pitchFamily="34" charset="-128"/>
+                          <a:ea typeface="源ノ角ゴシック JP Heavy" panose="020B0A00000000000000" pitchFamily="34" charset="-128"/>
                           <a:cs typeface="+mn-cs"/>
                         </a:rPr>
                         <a:t>ピリオド</a:t>
@@ -12793,12 +12786,12 @@
                     <a:p>
                       <a:pPr marL="0" algn="l" defTabSz="914400" rtl="0" eaLnBrk="1" latinLnBrk="0" hangingPunct="1"/>
                       <a:r>
-                        <a:rPr kumimoji="1" lang="en-US" altLang="ja-JP" sz="800" kern="1200" dirty="0" err="1">
+                        <a:rPr kumimoji="1" lang="en-US" altLang="ja-JP" sz="700" kern="1200" dirty="0" err="1">
                           <a:solidFill>
                             <a:schemeClr val="dk1"/>
                           </a:solidFill>
-                          <a:latin typeface="源ノ角ゴシック JP Bold" panose="020B0800000000000000" pitchFamily="34" charset="-128"/>
-                          <a:ea typeface="源ノ角ゴシック JP Bold" panose="020B0800000000000000" pitchFamily="34" charset="-128"/>
+                          <a:latin typeface="源ノ角ゴシック JP Heavy" panose="020B0A00000000000000" pitchFamily="34" charset="-128"/>
+                          <a:ea typeface="源ノ角ゴシック JP Heavy" panose="020B0A00000000000000" pitchFamily="34" charset="-128"/>
                           <a:cs typeface="+mn-cs"/>
                         </a:rPr>
                         <a:t>Ctrl+</a:t>
@@ -12877,8 +12870,8 @@
                           <a:solidFill>
                             <a:schemeClr val="dk1"/>
                           </a:solidFill>
-                          <a:latin typeface="源ノ角ゴシック JP Bold" panose="020B0800000000000000" pitchFamily="34" charset="-128"/>
-                          <a:ea typeface="源ノ角ゴシック JP Bold" panose="020B0800000000000000" pitchFamily="34" charset="-128"/>
+                          <a:latin typeface="源ノ角ゴシック JP Heavy" panose="020B0A00000000000000" pitchFamily="34" charset="-128"/>
+                          <a:ea typeface="源ノ角ゴシック JP Heavy" panose="020B0A00000000000000" pitchFamily="34" charset="-128"/>
                           <a:cs typeface="+mn-cs"/>
                         </a:rPr>
                         <a:t>Ctrl+</a:t>
@@ -12888,8 +12881,8 @@
                           <a:solidFill>
                             <a:schemeClr val="dk1"/>
                           </a:solidFill>
-                          <a:latin typeface="源ノ角ゴシック JP Bold" panose="020B0800000000000000" pitchFamily="34" charset="-128"/>
-                          <a:ea typeface="源ノ角ゴシック JP Bold" panose="020B0800000000000000" pitchFamily="34" charset="-128"/>
+                          <a:latin typeface="源ノ角ゴシック JP Heavy" panose="020B0A00000000000000" pitchFamily="34" charset="-128"/>
+                          <a:ea typeface="源ノ角ゴシック JP Heavy" panose="020B0A00000000000000" pitchFamily="34" charset="-128"/>
                           <a:cs typeface="+mn-cs"/>
                         </a:rPr>
                         <a:t>ピリオド</a:t>
@@ -12966,12 +12959,12 @@
                         <a:defRPr/>
                       </a:pPr>
                       <a:r>
-                        <a:rPr kumimoji="1" lang="en-US" altLang="ja-JP" sz="800" kern="1200" dirty="0" err="1">
+                        <a:rPr kumimoji="1" lang="en-US" altLang="ja-JP" sz="700" kern="1200" dirty="0" err="1">
                           <a:solidFill>
                             <a:schemeClr val="dk1"/>
                           </a:solidFill>
-                          <a:latin typeface="源ノ角ゴシック JP Bold" panose="020B0800000000000000" pitchFamily="34" charset="-128"/>
-                          <a:ea typeface="源ノ角ゴシック JP Bold" panose="020B0800000000000000" pitchFamily="34" charset="-128"/>
+                          <a:latin typeface="源ノ角ゴシック JP Heavy" panose="020B0A00000000000000" pitchFamily="34" charset="-128"/>
+                          <a:ea typeface="源ノ角ゴシック JP Heavy" panose="020B0A00000000000000" pitchFamily="34" charset="-128"/>
                           <a:cs typeface="+mn-cs"/>
                         </a:rPr>
                         <a:t>Ctrl+</a:t>
@@ -13121,8 +13114,8 @@
                           <a:solidFill>
                             <a:schemeClr val="dk1"/>
                           </a:solidFill>
-                          <a:latin typeface="源ノ角ゴシック JP Bold" panose="020B0800000000000000" pitchFamily="34" charset="-128"/>
-                          <a:ea typeface="源ノ角ゴシック JP Bold" panose="020B0800000000000000" pitchFamily="34" charset="-128"/>
+                          <a:latin typeface="源ノ角ゴシック JP Heavy" panose="020B0A00000000000000" pitchFamily="34" charset="-128"/>
+                          <a:ea typeface="源ノ角ゴシック JP Heavy" panose="020B0A00000000000000" pitchFamily="34" charset="-128"/>
                           <a:cs typeface="+mn-cs"/>
                         </a:rPr>
                         <a:t>ピリオド</a:t>
@@ -13462,21 +13455,21 @@
             <a:pPr algn="l"/>
             <a:r>
               <a:rPr lang="en-US" altLang="ja-JP" sz="900" kern="0" dirty="0">
-                <a:latin typeface="源ノ角ゴシック JP Bold" panose="020B0800000000000000" pitchFamily="34" charset="-128"/>
-                <a:ea typeface="源ノ角ゴシック JP Bold" panose="020B0800000000000000" pitchFamily="34" charset="-128"/>
+                <a:latin typeface="源ノ角ゴシック JP Heavy" panose="020B0A00000000000000" pitchFamily="34" charset="-128"/>
+                <a:ea typeface="源ノ角ゴシック JP Heavy" panose="020B0A00000000000000" pitchFamily="34" charset="-128"/>
               </a:rPr>
               <a:t>NVDA+B : </a:t>
             </a:r>
             <a:r>
               <a:rPr lang="ja-JP" altLang="en-US" sz="900" kern="0" dirty="0">
-                <a:latin typeface="源ノ角ゴシック JP Bold" panose="020B0800000000000000" pitchFamily="34" charset="-128"/>
-                <a:ea typeface="源ノ角ゴシック JP Bold" panose="020B0800000000000000" pitchFamily="34" charset="-128"/>
+                <a:latin typeface="源ノ角ゴシック JP Heavy" panose="020B0A00000000000000" pitchFamily="34" charset="-128"/>
+                <a:ea typeface="源ノ角ゴシック JP Heavy" panose="020B0A00000000000000" pitchFamily="34" charset="-128"/>
               </a:rPr>
               <a:t>現在のウィンドウに含まれるオブジェクトの読み上げ</a:t>
             </a:r>
             <a:endParaRPr lang="en-US" altLang="ja-JP" sz="900" kern="0" dirty="0">
-              <a:latin typeface="源ノ角ゴシック JP Bold" panose="020B0800000000000000" pitchFamily="34" charset="-128"/>
-              <a:ea typeface="源ノ角ゴシック JP Bold" panose="020B0800000000000000" pitchFamily="34" charset="-128"/>
+              <a:latin typeface="源ノ角ゴシック JP Heavy" panose="020B0A00000000000000" pitchFamily="34" charset="-128"/>
+              <a:ea typeface="源ノ角ゴシック JP Heavy" panose="020B0A00000000000000" pitchFamily="34" charset="-128"/>
             </a:endParaRPr>
           </a:p>
         </p:txBody>
@@ -13688,14 +13681,14 @@
             <a:pPr algn="l"/>
             <a:r>
               <a:rPr lang="ja-JP" altLang="en-US" sz="900" kern="0" dirty="0">
-                <a:latin typeface="源ノ角ゴシック JP Bold" panose="020B0800000000000000" pitchFamily="34" charset="-128"/>
-                <a:ea typeface="源ノ角ゴシック JP Bold" panose="020B0800000000000000" pitchFamily="34" charset="-128"/>
+                <a:latin typeface="源ノ角ゴシック JP Heavy" panose="020B0A00000000000000" pitchFamily="34" charset="-128"/>
+                <a:ea typeface="源ノ角ゴシック JP Heavy" panose="020B0A00000000000000" pitchFamily="34" charset="-128"/>
               </a:rPr>
               <a:t>■ オブジェクトナビゲーション</a:t>
             </a:r>
             <a:endParaRPr lang="en-US" altLang="ja-JP" sz="900" kern="0" dirty="0">
-              <a:latin typeface="源ノ角ゴシック JP Bold" panose="020B0800000000000000" pitchFamily="34" charset="-128"/>
-              <a:ea typeface="源ノ角ゴシック JP Bold" panose="020B0800000000000000" pitchFamily="34" charset="-128"/>
+              <a:latin typeface="源ノ角ゴシック JP Heavy" panose="020B0A00000000000000" pitchFamily="34" charset="-128"/>
+              <a:ea typeface="源ノ角ゴシック JP Heavy" panose="020B0A00000000000000" pitchFamily="34" charset="-128"/>
             </a:endParaRPr>
           </a:p>
         </p:txBody>
@@ -13723,21 +13716,21 @@
           <a:p>
             <a:r>
               <a:rPr lang="en-US" altLang="ja-JP" sz="800" dirty="0">
-                <a:latin typeface="源ノ角ゴシック JP Bold" panose="020B0800000000000000" pitchFamily="34" charset="-128"/>
-                <a:ea typeface="源ノ角ゴシック JP Bold" panose="020B0800000000000000" pitchFamily="34" charset="-128"/>
+                <a:latin typeface="源ノ角ゴシック JP Heavy" panose="020B0A00000000000000" pitchFamily="34" charset="-128"/>
+                <a:ea typeface="源ノ角ゴシック JP Heavy" panose="020B0A00000000000000" pitchFamily="34" charset="-128"/>
               </a:rPr>
               <a:t>NVDA+</a:t>
             </a:r>
             <a:r>
               <a:rPr lang="ja-JP" altLang="en-US" sz="800" dirty="0">
-                <a:latin typeface="源ノ角ゴシック JP Bold" panose="020B0800000000000000" pitchFamily="34" charset="-128"/>
-                <a:ea typeface="源ノ角ゴシック JP Bold" panose="020B0800000000000000" pitchFamily="34" charset="-128"/>
+                <a:latin typeface="源ノ角ゴシック JP Heavy" panose="020B0A00000000000000" pitchFamily="34" charset="-128"/>
+                <a:ea typeface="源ノ角ゴシック JP Heavy" panose="020B0A00000000000000" pitchFamily="34" charset="-128"/>
               </a:rPr>
               <a:t>テンキー（デスクトップ配列）</a:t>
             </a:r>
             <a:endParaRPr lang="en-US" altLang="ja-JP" sz="800" dirty="0">
-              <a:latin typeface="源ノ角ゴシック JP Bold" panose="020B0800000000000000" pitchFamily="34" charset="-128"/>
-              <a:ea typeface="源ノ角ゴシック JP Bold" panose="020B0800000000000000" pitchFamily="34" charset="-128"/>
+              <a:latin typeface="源ノ角ゴシック JP Heavy" panose="020B0A00000000000000" pitchFamily="34" charset="-128"/>
+              <a:ea typeface="源ノ角ゴシック JP Heavy" panose="020B0A00000000000000" pitchFamily="34" charset="-128"/>
             </a:endParaRPr>
           </a:p>
         </p:txBody>
@@ -13751,7 +13744,7 @@
           <p:nvPr>
             <p:extLst>
               <p:ext uri="{D42A27DB-BD31-4B8C-83A1-F6EECF244321}">
-                <p14:modId xmlns:p14="http://schemas.microsoft.com/office/powerpoint/2010/main" val="1681319"/>
+                <p14:modId xmlns:p14="http://schemas.microsoft.com/office/powerpoint/2010/main" val="3348879242"/>
               </p:ext>
             </p:extLst>
           </p:nvPr>
@@ -13801,8 +13794,8 @@
                           <a:solidFill>
                             <a:schemeClr val="dk1"/>
                           </a:solidFill>
-                          <a:latin typeface="源ノ角ゴシック JP Regular" panose="020B0500000000000000" pitchFamily="34" charset="-128"/>
-                          <a:ea typeface="源ノ角ゴシック JP Regular" panose="020B0500000000000000" pitchFamily="34" charset="-128"/>
+                          <a:latin typeface="源ノ角ゴシック JP Heavy" panose="020B0A00000000000000" pitchFamily="34" charset="-128"/>
+                          <a:ea typeface="源ノ角ゴシック JP Heavy" panose="020B0A00000000000000" pitchFamily="34" charset="-128"/>
                           <a:cs typeface="+mn-cs"/>
                         </a:rPr>
                         <a:t>次のレビューモード</a:t>
@@ -13867,8 +13860,8 @@
                           <a:solidFill>
                             <a:schemeClr val="dk1"/>
                           </a:solidFill>
-                          <a:latin typeface="源ノ角ゴシック JP Bold" panose="020B0800000000000000" pitchFamily="34" charset="-128"/>
-                          <a:ea typeface="源ノ角ゴシック JP Bold" panose="020B0800000000000000" pitchFamily="34" charset="-128"/>
+                          <a:latin typeface="源ノ角ゴシック JP Heavy" panose="020B0A00000000000000" pitchFamily="34" charset="-128"/>
+                          <a:ea typeface="源ノ角ゴシック JP Heavy" panose="020B0A00000000000000" pitchFamily="34" charset="-128"/>
                           <a:cs typeface="+mn-cs"/>
                         </a:rPr>
                         <a:t>親の要素</a:t>
@@ -13932,8 +13925,8 @@
                         <a:solidFill>
                           <a:schemeClr val="dk1"/>
                         </a:solidFill>
-                        <a:latin typeface="源ノ角ゴシック JP Bold" panose="020B0800000000000000" pitchFamily="34" charset="-128"/>
-                        <a:ea typeface="源ノ角ゴシック JP Bold" panose="020B0800000000000000" pitchFamily="34" charset="-128"/>
+                        <a:latin typeface="源ノ角ゴシック JP Heavy" panose="020B0A00000000000000" pitchFamily="34" charset="-128"/>
+                        <a:ea typeface="源ノ角ゴシック JP Heavy" panose="020B0A00000000000000" pitchFamily="34" charset="-128"/>
                         <a:cs typeface="+mn-cs"/>
                       </a:endParaRPr>
                     </a:p>
@@ -14003,8 +13996,8 @@
                           <a:solidFill>
                             <a:schemeClr val="dk1"/>
                           </a:solidFill>
-                          <a:latin typeface="源ノ角ゴシック JP Bold" panose="020B0800000000000000" pitchFamily="34" charset="-128"/>
-                          <a:ea typeface="源ノ角ゴシック JP Bold" panose="020B0800000000000000" pitchFamily="34" charset="-128"/>
+                          <a:latin typeface="源ノ角ゴシック JP Heavy" panose="020B0A00000000000000" pitchFamily="34" charset="-128"/>
+                          <a:ea typeface="源ノ角ゴシック JP Heavy" panose="020B0A00000000000000" pitchFamily="34" charset="-128"/>
                           <a:cs typeface="+mn-cs"/>
                         </a:rPr>
                         <a:t>前の要素</a:t>
@@ -14069,8 +14062,8 @@
                           <a:solidFill>
                             <a:schemeClr val="dk1"/>
                           </a:solidFill>
-                          <a:latin typeface="源ノ角ゴシック JP Bold" panose="020B0800000000000000" pitchFamily="34" charset="-128"/>
-                          <a:ea typeface="源ノ角ゴシック JP Bold" panose="020B0800000000000000" pitchFamily="34" charset="-128"/>
+                          <a:latin typeface="源ノ角ゴシック JP Heavy" panose="020B0A00000000000000" pitchFamily="34" charset="-128"/>
+                          <a:ea typeface="源ノ角ゴシック JP Heavy" panose="020B0A00000000000000" pitchFamily="34" charset="-128"/>
                           <a:cs typeface="+mn-cs"/>
                         </a:rPr>
                         <a:t>現在の要素</a:t>
@@ -14135,8 +14128,8 @@
                           <a:solidFill>
                             <a:schemeClr val="dk1"/>
                           </a:solidFill>
-                          <a:latin typeface="源ノ角ゴシック JP Bold" panose="020B0800000000000000" pitchFamily="34" charset="-128"/>
-                          <a:ea typeface="源ノ角ゴシック JP Bold" panose="020B0800000000000000" pitchFamily="34" charset="-128"/>
+                          <a:latin typeface="源ノ角ゴシック JP Heavy" panose="020B0A00000000000000" pitchFamily="34" charset="-128"/>
+                          <a:ea typeface="源ノ角ゴシック JP Heavy" panose="020B0A00000000000000" pitchFamily="34" charset="-128"/>
                           <a:cs typeface="+mn-cs"/>
                         </a:rPr>
                         <a:t>次の要素</a:t>
@@ -14204,8 +14197,8 @@
                     <a:p>
                       <a:r>
                         <a:rPr kumimoji="1" lang="ja-JP" altLang="en-US" sz="600" dirty="0">
-                          <a:latin typeface="源ノ角ゴシック JP Regular" panose="020B0500000000000000" pitchFamily="34" charset="-128"/>
-                          <a:ea typeface="源ノ角ゴシック JP Regular" panose="020B0500000000000000" pitchFamily="34" charset="-128"/>
+                          <a:latin typeface="源ノ角ゴシック JP Heavy" panose="020B0A00000000000000" pitchFamily="34" charset="-128"/>
+                          <a:ea typeface="源ノ角ゴシック JP Heavy" panose="020B0A00000000000000" pitchFamily="34" charset="-128"/>
                         </a:rPr>
                         <a:t>前のレビューモード</a:t>
                       </a:r>
@@ -14269,8 +14262,8 @@
                           <a:solidFill>
                             <a:schemeClr val="dk1"/>
                           </a:solidFill>
-                          <a:latin typeface="源ノ角ゴシック JP Bold" panose="020B0800000000000000" pitchFamily="34" charset="-128"/>
-                          <a:ea typeface="源ノ角ゴシック JP Bold" panose="020B0800000000000000" pitchFamily="34" charset="-128"/>
+                          <a:latin typeface="源ノ角ゴシック JP Heavy" panose="020B0A00000000000000" pitchFamily="34" charset="-128"/>
+                          <a:ea typeface="源ノ角ゴシック JP Heavy" panose="020B0A00000000000000" pitchFamily="34" charset="-128"/>
                           <a:cs typeface="+mn-cs"/>
                         </a:rPr>
                         <a:t>子の要素</a:t>
@@ -14334,8 +14327,8 @@
                         <a:solidFill>
                           <a:schemeClr val="dk1"/>
                         </a:solidFill>
-                        <a:latin typeface="源ノ角ゴシック JP Bold" panose="020B0800000000000000" pitchFamily="34" charset="-128"/>
-                        <a:ea typeface="源ノ角ゴシック JP Bold" panose="020B0800000000000000" pitchFamily="34" charset="-128"/>
+                        <a:latin typeface="源ノ角ゴシック JP Heavy" panose="020B0A00000000000000" pitchFamily="34" charset="-128"/>
+                        <a:ea typeface="源ノ角ゴシック JP Heavy" panose="020B0A00000000000000" pitchFamily="34" charset="-128"/>
                         <a:cs typeface="+mn-cs"/>
                       </a:endParaRPr>
                     </a:p>
@@ -14455,21 +14448,21 @@
           <a:p>
             <a:r>
               <a:rPr lang="en-US" altLang="ja-JP" sz="800" dirty="0">
-                <a:latin typeface="源ノ角ゴシック JP Bold" panose="020B0800000000000000" pitchFamily="34" charset="-128"/>
-                <a:ea typeface="源ノ角ゴシック JP Bold" panose="020B0800000000000000" pitchFamily="34" charset="-128"/>
+                <a:latin typeface="源ノ角ゴシック JP Heavy" panose="020B0A00000000000000" pitchFamily="34" charset="-128"/>
+                <a:ea typeface="源ノ角ゴシック JP Heavy" panose="020B0A00000000000000" pitchFamily="34" charset="-128"/>
               </a:rPr>
               <a:t>NVDA+</a:t>
             </a:r>
             <a:r>
               <a:rPr lang="ja-JP" altLang="en-US" sz="800" dirty="0">
-                <a:latin typeface="源ノ角ゴシック JP Bold" panose="020B0800000000000000" pitchFamily="34" charset="-128"/>
-                <a:ea typeface="源ノ角ゴシック JP Bold" panose="020B0800000000000000" pitchFamily="34" charset="-128"/>
+                <a:latin typeface="源ノ角ゴシック JP Heavy" panose="020B0A00000000000000" pitchFamily="34" charset="-128"/>
+                <a:ea typeface="源ノ角ゴシック JP Heavy" panose="020B0A00000000000000" pitchFamily="34" charset="-128"/>
               </a:rPr>
               <a:t>（ラップトップ配列）</a:t>
             </a:r>
             <a:endParaRPr lang="en-US" altLang="ja-JP" sz="800" dirty="0">
-              <a:latin typeface="源ノ角ゴシック JP Bold" panose="020B0800000000000000" pitchFamily="34" charset="-128"/>
-              <a:ea typeface="源ノ角ゴシック JP Bold" panose="020B0800000000000000" pitchFamily="34" charset="-128"/>
+              <a:latin typeface="源ノ角ゴシック JP Heavy" panose="020B0A00000000000000" pitchFamily="34" charset="-128"/>
+              <a:ea typeface="源ノ角ゴシック JP Heavy" panose="020B0A00000000000000" pitchFamily="34" charset="-128"/>
             </a:endParaRPr>
           </a:p>
         </p:txBody>
@@ -14483,7 +14476,7 @@
           <p:nvPr>
             <p:extLst>
               <p:ext uri="{D42A27DB-BD31-4B8C-83A1-F6EECF244321}">
-                <p14:modId xmlns:p14="http://schemas.microsoft.com/office/powerpoint/2010/main" val="155932099"/>
+                <p14:modId xmlns:p14="http://schemas.microsoft.com/office/powerpoint/2010/main" val="3329799560"/>
               </p:ext>
             </p:extLst>
           </p:nvPr>
@@ -14604,8 +14597,8 @@
                       <a:pPr marL="0" algn="l" defTabSz="914400" rtl="0" eaLnBrk="1" latinLnBrk="0" hangingPunct="1"/>
                       <a:r>
                         <a:rPr lang="en-US" altLang="ja-JP" sz="800" dirty="0" err="1">
-                          <a:latin typeface="源ノ角ゴシック JP Bold" panose="020B0800000000000000" pitchFamily="34" charset="-128"/>
-                          <a:ea typeface="源ノ角ゴシック JP Bold" panose="020B0800000000000000" pitchFamily="34" charset="-128"/>
+                          <a:latin typeface="源ノ角ゴシック JP Heavy" panose="020B0A00000000000000" pitchFamily="34" charset="-128"/>
+                          <a:ea typeface="源ノ角ゴシック JP Heavy" panose="020B0A00000000000000" pitchFamily="34" charset="-128"/>
                         </a:rPr>
                         <a:t>Shift+</a:t>
                       </a:r>
@@ -14750,8 +14743,8 @@
                       <a:pPr marL="0" algn="l" defTabSz="914400" rtl="0" eaLnBrk="1" latinLnBrk="0" hangingPunct="1"/>
                       <a:r>
                         <a:rPr lang="en-US" altLang="ja-JP" sz="800" dirty="0" err="1">
-                          <a:latin typeface="源ノ角ゴシック JP Bold" panose="020B0800000000000000" pitchFamily="34" charset="-128"/>
-                          <a:ea typeface="源ノ角ゴシック JP Bold" panose="020B0800000000000000" pitchFamily="34" charset="-128"/>
+                          <a:latin typeface="源ノ角ゴシック JP Heavy" panose="020B0A00000000000000" pitchFamily="34" charset="-128"/>
+                          <a:ea typeface="源ノ角ゴシック JP Heavy" panose="020B0A00000000000000" pitchFamily="34" charset="-128"/>
                         </a:rPr>
                         <a:t>Shift+</a:t>
                       </a:r>
@@ -14826,8 +14819,8 @@
                       <a:pPr marL="0" algn="l" defTabSz="914400" rtl="0" eaLnBrk="1" latinLnBrk="0" hangingPunct="1"/>
                       <a:r>
                         <a:rPr lang="en-US" altLang="ja-JP" sz="800" dirty="0" err="1">
-                          <a:latin typeface="源ノ角ゴシック JP Bold" panose="020B0800000000000000" pitchFamily="34" charset="-128"/>
-                          <a:ea typeface="源ノ角ゴシック JP Bold" panose="020B0800000000000000" pitchFamily="34" charset="-128"/>
+                          <a:latin typeface="源ノ角ゴシック JP Heavy" panose="020B0A00000000000000" pitchFamily="34" charset="-128"/>
+                          <a:ea typeface="源ノ角ゴシック JP Heavy" panose="020B0A00000000000000" pitchFamily="34" charset="-128"/>
                         </a:rPr>
                         <a:t>Shift+</a:t>
                       </a:r>
@@ -14836,8 +14829,8 @@
                           <a:solidFill>
                             <a:schemeClr val="dk1"/>
                           </a:solidFill>
-                          <a:latin typeface="源ノ角ゴシック JP Bold" panose="020B0800000000000000" pitchFamily="34" charset="-128"/>
-                          <a:ea typeface="源ノ角ゴシック JP Bold" panose="020B0800000000000000" pitchFamily="34" charset="-128"/>
+                          <a:latin typeface="源ノ角ゴシック JP Heavy" panose="020B0A00000000000000" pitchFamily="34" charset="-128"/>
+                          <a:ea typeface="源ノ角ゴシック JP Heavy" panose="020B0A00000000000000" pitchFamily="34" charset="-128"/>
                           <a:cs typeface="+mn-cs"/>
                         </a:rPr>
                         <a:t>O</a:t>
@@ -14846,8 +14839,8 @@
                         <a:solidFill>
                           <a:schemeClr val="dk1"/>
                         </a:solidFill>
-                        <a:latin typeface="源ノ角ゴシック JP Bold" panose="020B0800000000000000" pitchFamily="34" charset="-128"/>
-                        <a:ea typeface="源ノ角ゴシック JP Bold" panose="020B0800000000000000" pitchFamily="34" charset="-128"/>
+                        <a:latin typeface="源ノ角ゴシック JP Heavy" panose="020B0A00000000000000" pitchFamily="34" charset="-128"/>
+                        <a:ea typeface="源ノ角ゴシック JP Heavy" panose="020B0A00000000000000" pitchFamily="34" charset="-128"/>
                         <a:cs typeface="+mn-cs"/>
                       </a:endParaRPr>
                     </a:p>
@@ -14907,8 +14900,8 @@
                       <a:pPr marL="0" algn="l" defTabSz="914400" rtl="0" eaLnBrk="1" latinLnBrk="0" hangingPunct="1"/>
                       <a:r>
                         <a:rPr lang="en-US" altLang="ja-JP" sz="800" dirty="0" err="1">
-                          <a:latin typeface="源ノ角ゴシック JP Bold" panose="020B0800000000000000" pitchFamily="34" charset="-128"/>
-                          <a:ea typeface="源ノ角ゴシック JP Bold" panose="020B0800000000000000" pitchFamily="34" charset="-128"/>
+                          <a:latin typeface="源ノ角ゴシック JP Heavy" panose="020B0A00000000000000" pitchFamily="34" charset="-128"/>
+                          <a:ea typeface="源ノ角ゴシック JP Heavy" panose="020B0A00000000000000" pitchFamily="34" charset="-128"/>
                         </a:rPr>
                         <a:t>Shift+</a:t>
                       </a:r>
@@ -15055,8 +15048,8 @@
                       <a:pPr marL="0" algn="l" defTabSz="914400" rtl="0" eaLnBrk="1" latinLnBrk="0" hangingPunct="1"/>
                       <a:r>
                         <a:rPr lang="en-US" altLang="ja-JP" sz="800" dirty="0" err="1">
-                          <a:latin typeface="源ノ角ゴシック JP Bold" panose="020B0800000000000000" pitchFamily="34" charset="-128"/>
-                          <a:ea typeface="源ノ角ゴシック JP Bold" panose="020B0800000000000000" pitchFamily="34" charset="-128"/>
+                          <a:latin typeface="源ノ角ゴシック JP Heavy" panose="020B0A00000000000000" pitchFamily="34" charset="-128"/>
+                          <a:ea typeface="源ノ角ゴシック JP Heavy" panose="020B0A00000000000000" pitchFamily="34" charset="-128"/>
                         </a:rPr>
                         <a:t>Shift+</a:t>
                       </a:r>
@@ -15219,8 +15212,8 @@
           <a:p>
             <a:r>
               <a:rPr lang="ja-JP" altLang="en-US" sz="1000" dirty="0">
-                <a:latin typeface="源ノ角ゴシック JP Bold" panose="020B0800000000000000" pitchFamily="34" charset="-128"/>
-                <a:ea typeface="源ノ角ゴシック JP Bold" panose="020B0800000000000000" pitchFamily="34" charset="-128"/>
+                <a:latin typeface="源ノ角ゴシック JP Heavy" panose="020B0A00000000000000" pitchFamily="34" charset="-128"/>
+                <a:ea typeface="源ノ角ゴシック JP Heavy" panose="020B0A00000000000000" pitchFamily="34" charset="-128"/>
               </a:rPr>
               <a:t>■ 書式とドキュメント情報</a:t>
             </a:r>
@@ -15951,70 +15944,70 @@
             <a:pPr algn="l"/>
             <a:r>
               <a:rPr lang="en-US" altLang="ja-JP" sz="900" kern="0" dirty="0">
-                <a:latin typeface="源ノ角ゴシック JP Bold" panose="020B0800000000000000" pitchFamily="34" charset="-128"/>
-                <a:ea typeface="源ノ角ゴシック JP Bold" panose="020B0800000000000000" pitchFamily="34" charset="-128"/>
+                <a:latin typeface="源ノ角ゴシック JP Heavy" panose="020B0A00000000000000" pitchFamily="34" charset="-128"/>
+                <a:ea typeface="源ノ角ゴシック JP Heavy" panose="020B0A00000000000000" pitchFamily="34" charset="-128"/>
               </a:rPr>
               <a:t>NVDA+M : </a:t>
             </a:r>
             <a:r>
               <a:rPr lang="ja-JP" altLang="en-US" sz="900" kern="0" dirty="0">
-                <a:latin typeface="源ノ角ゴシック JP Bold" panose="020B0800000000000000" pitchFamily="34" charset="-128"/>
-                <a:ea typeface="源ノ角ゴシック JP Bold" panose="020B0800000000000000" pitchFamily="34" charset="-128"/>
+                <a:latin typeface="源ノ角ゴシック JP Heavy" panose="020B0A00000000000000" pitchFamily="34" charset="-128"/>
+                <a:ea typeface="源ノ角ゴシック JP Heavy" panose="020B0A00000000000000" pitchFamily="34" charset="-128"/>
               </a:rPr>
               <a:t>マウスカーソル</a:t>
             </a:r>
             <a:endParaRPr lang="en-US" altLang="ja-JP" sz="900" kern="0" dirty="0">
-              <a:latin typeface="源ノ角ゴシック JP Bold" panose="020B0800000000000000" pitchFamily="34" charset="-128"/>
-              <a:ea typeface="源ノ角ゴシック JP Bold" panose="020B0800000000000000" pitchFamily="34" charset="-128"/>
+              <a:latin typeface="源ノ角ゴシック JP Heavy" panose="020B0A00000000000000" pitchFamily="34" charset="-128"/>
+              <a:ea typeface="源ノ角ゴシック JP Heavy" panose="020B0A00000000000000" pitchFamily="34" charset="-128"/>
             </a:endParaRPr>
           </a:p>
           <a:p>
             <a:pPr algn="l"/>
             <a:r>
               <a:rPr lang="en-US" altLang="ja-JP" sz="900" dirty="0">
-                <a:latin typeface="源ノ角ゴシック JP Bold" panose="020B0800000000000000" pitchFamily="34" charset="-128"/>
-                <a:ea typeface="源ノ角ゴシック JP Bold" panose="020B0800000000000000" pitchFamily="34" charset="-128"/>
+                <a:latin typeface="源ノ角ゴシック JP Heavy" panose="020B0A00000000000000" pitchFamily="34" charset="-128"/>
+                <a:ea typeface="源ノ角ゴシック JP Heavy" panose="020B0A00000000000000" pitchFamily="34" charset="-128"/>
               </a:rPr>
               <a:t>NVDA+U : </a:t>
             </a:r>
             <a:r>
               <a:rPr lang="ja-JP" altLang="en-US" sz="900" dirty="0">
-                <a:latin typeface="源ノ角ゴシック JP Bold" panose="020B0800000000000000" pitchFamily="34" charset="-128"/>
-                <a:ea typeface="源ノ角ゴシック JP Bold" panose="020B0800000000000000" pitchFamily="34" charset="-128"/>
+                <a:latin typeface="源ノ角ゴシック JP Heavy" panose="020B0A00000000000000" pitchFamily="34" charset="-128"/>
+                <a:ea typeface="源ノ角ゴシック JP Heavy" panose="020B0A00000000000000" pitchFamily="34" charset="-128"/>
               </a:rPr>
               <a:t>プログレス</a:t>
             </a:r>
             <a:endParaRPr lang="en-US" altLang="ja-JP" sz="900" dirty="0">
-              <a:latin typeface="源ノ角ゴシック JP Bold" panose="020B0800000000000000" pitchFamily="34" charset="-128"/>
-              <a:ea typeface="源ノ角ゴシック JP Bold" panose="020B0800000000000000" pitchFamily="34" charset="-128"/>
+              <a:latin typeface="源ノ角ゴシック JP Heavy" panose="020B0A00000000000000" pitchFamily="34" charset="-128"/>
+              <a:ea typeface="源ノ角ゴシック JP Heavy" panose="020B0A00000000000000" pitchFamily="34" charset="-128"/>
             </a:endParaRPr>
           </a:p>
           <a:p>
             <a:pPr algn="l"/>
             <a:r>
               <a:rPr lang="en-US" altLang="ja-JP" sz="900" kern="0" dirty="0">
-                <a:latin typeface="源ノ角ゴシック JP Bold" panose="020B0800000000000000" pitchFamily="34" charset="-128"/>
-                <a:ea typeface="源ノ角ゴシック JP Bold" panose="020B0800000000000000" pitchFamily="34" charset="-128"/>
+                <a:latin typeface="源ノ角ゴシック JP Heavy" panose="020B0A00000000000000" pitchFamily="34" charset="-128"/>
+                <a:ea typeface="源ノ角ゴシック JP Heavy" panose="020B0A00000000000000" pitchFamily="34" charset="-128"/>
               </a:rPr>
               <a:t>NVDA+P : </a:t>
             </a:r>
             <a:r>
               <a:rPr lang="ja-JP" altLang="en-US" sz="900" kern="0" dirty="0">
-                <a:latin typeface="源ノ角ゴシック JP Bold" panose="020B0800000000000000" pitchFamily="34" charset="-128"/>
-                <a:ea typeface="源ノ角ゴシック JP Bold" panose="020B0800000000000000" pitchFamily="34" charset="-128"/>
+                <a:latin typeface="源ノ角ゴシック JP Heavy" panose="020B0A00000000000000" pitchFamily="34" charset="-128"/>
+                <a:ea typeface="源ノ角ゴシック JP Heavy" panose="020B0A00000000000000" pitchFamily="34" charset="-128"/>
               </a:rPr>
               <a:t>記号</a:t>
             </a:r>
             <a:endParaRPr lang="en-US" altLang="ja-JP" sz="900" dirty="0">
-              <a:latin typeface="源ノ角ゴシック JP Bold" panose="020B0800000000000000" pitchFamily="34" charset="-128"/>
-              <a:ea typeface="源ノ角ゴシック JP Bold" panose="020B0800000000000000" pitchFamily="34" charset="-128"/>
+              <a:latin typeface="源ノ角ゴシック JP Heavy" panose="020B0A00000000000000" pitchFamily="34" charset="-128"/>
+              <a:ea typeface="源ノ角ゴシック JP Heavy" panose="020B0A00000000000000" pitchFamily="34" charset="-128"/>
             </a:endParaRPr>
           </a:p>
           <a:p>
             <a:pPr algn="l"/>
             <a:endParaRPr lang="en-US" altLang="ja-JP" sz="900" dirty="0">
-              <a:latin typeface="源ノ角ゴシック JP Bold" panose="020B0800000000000000" pitchFamily="34" charset="-128"/>
-              <a:ea typeface="源ノ角ゴシック JP Bold" panose="020B0800000000000000" pitchFamily="34" charset="-128"/>
+              <a:latin typeface="源ノ角ゴシック JP Heavy" panose="020B0A00000000000000" pitchFamily="34" charset="-128"/>
+              <a:ea typeface="源ノ角ゴシック JP Heavy" panose="020B0A00000000000000" pitchFamily="34" charset="-128"/>
             </a:endParaRPr>
           </a:p>
         </p:txBody>
@@ -16226,14 +16219,14 @@
             <a:pPr algn="r"/>
             <a:r>
               <a:rPr lang="ja-JP" altLang="en-US" sz="900" kern="0" dirty="0">
-                <a:latin typeface="源ノ角ゴシック JP Bold" panose="020B0800000000000000" pitchFamily="34" charset="-128"/>
-                <a:ea typeface="源ノ角ゴシック JP Bold" panose="020B0800000000000000" pitchFamily="34" charset="-128"/>
+                <a:latin typeface="源ノ角ゴシック JP Heavy" panose="020B0A00000000000000" pitchFamily="34" charset="-128"/>
+                <a:ea typeface="源ノ角ゴシック JP Heavy" panose="020B0A00000000000000" pitchFamily="34" charset="-128"/>
               </a:rPr>
               <a:t>■ 声や音を止める</a:t>
             </a:r>
             <a:endParaRPr lang="en-US" altLang="ja-JP" sz="900" kern="0" dirty="0">
-              <a:latin typeface="源ノ角ゴシック JP Regular" panose="020B0500000000000000" pitchFamily="34" charset="-128"/>
-              <a:ea typeface="源ノ角ゴシック JP Regular" panose="020B0500000000000000" pitchFamily="34" charset="-128"/>
+              <a:latin typeface="源ノ角ゴシック JP Heavy" panose="020B0A00000000000000" pitchFamily="34" charset="-128"/>
+              <a:ea typeface="源ノ角ゴシック JP Heavy" panose="020B0A00000000000000" pitchFamily="34" charset="-128"/>
             </a:endParaRPr>
           </a:p>
           <a:p>

--- a/nvdacheat.pptx
+++ b/nvdacheat.pptx
@@ -11,7 +11,7 @@
     <p:sldId id="256" r:id="rId2"/>
   </p:sldIdLst>
   <p:sldSz cx="10693400" cy="7561263"/>
-  <p:notesSz cx="6805613" cy="9939338"/>
+  <p:notesSz cx="6886575" cy="10017125"/>
   <p:defaultTextStyle>
     <a:defPPr>
       <a:defRPr lang="ja-JP"/>
@@ -194,7 +194,7 @@
         <p:spPr bwMode="auto">
           <a:xfrm>
             <a:off x="3" y="0"/>
-            <a:ext cx="2949099" cy="495672"/>
+            <a:ext cx="2984183" cy="499551"/>
           </a:xfrm>
           <a:prstGeom prst="rect">
             <a:avLst/>
@@ -234,7 +234,7 @@
           </a:extLst>
         </p:spPr>
         <p:txBody>
-          <a:bodyPr vert="horz" wrap="square" lIns="191028" tIns="95514" rIns="191028" bIns="95514" numCol="1" anchor="t" anchorCtr="0" compatLnSpc="1">
+          <a:bodyPr vert="horz" wrap="square" lIns="192824" tIns="96412" rIns="192824" bIns="96412" numCol="1" anchor="t" anchorCtr="0" compatLnSpc="1">
             <a:prstTxWarp prst="textNoShape">
               <a:avLst/>
             </a:prstTxWarp>
@@ -261,8 +261,8 @@
         </p:nvSpPr>
         <p:spPr bwMode="auto">
           <a:xfrm>
-            <a:off x="3856517" y="0"/>
-            <a:ext cx="2949099" cy="495672"/>
+            <a:off x="3902396" y="0"/>
+            <a:ext cx="2984183" cy="499551"/>
           </a:xfrm>
           <a:prstGeom prst="rect">
             <a:avLst/>
@@ -302,7 +302,7 @@
           </a:extLst>
         </p:spPr>
         <p:txBody>
-          <a:bodyPr vert="horz" wrap="square" lIns="191028" tIns="95514" rIns="191028" bIns="95514" numCol="1" anchor="t" anchorCtr="0" compatLnSpc="1">
+          <a:bodyPr vert="horz" wrap="square" lIns="192824" tIns="96412" rIns="192824" bIns="96412" numCol="1" anchor="t" anchorCtr="0" compatLnSpc="1">
             <a:prstTxWarp prst="textNoShape">
               <a:avLst/>
             </a:prstTxWarp>
@@ -329,8 +329,8 @@
         </p:nvSpPr>
         <p:spPr bwMode="auto">
           <a:xfrm>
-            <a:off x="766763" y="744538"/>
-            <a:ext cx="5272087" cy="3729037"/>
+            <a:off x="785813" y="750888"/>
+            <a:ext cx="5314950" cy="3757612"/>
           </a:xfrm>
           <a:prstGeom prst="rect">
             <a:avLst/>
@@ -373,8 +373,8 @@
         </p:nvSpPr>
         <p:spPr bwMode="auto">
           <a:xfrm>
-            <a:off x="680562" y="4720218"/>
-            <a:ext cx="5444490" cy="4473997"/>
+            <a:off x="688658" y="4757160"/>
+            <a:ext cx="5509260" cy="4509011"/>
           </a:xfrm>
           <a:prstGeom prst="rect">
             <a:avLst/>
@@ -414,7 +414,7 @@
           </a:extLst>
         </p:spPr>
         <p:txBody>
-          <a:bodyPr vert="horz" wrap="square" lIns="191028" tIns="95514" rIns="191028" bIns="95514" numCol="1" anchor="t" anchorCtr="0" compatLnSpc="1">
+          <a:bodyPr vert="horz" wrap="square" lIns="192824" tIns="96412" rIns="192824" bIns="96412" numCol="1" anchor="t" anchorCtr="0" compatLnSpc="1">
             <a:prstTxWarp prst="textNoShape">
               <a:avLst/>
             </a:prstTxWarp>
@@ -501,8 +501,8 @@
         </p:nvSpPr>
         <p:spPr bwMode="auto">
           <a:xfrm>
-            <a:off x="3" y="9440429"/>
-            <a:ext cx="2949099" cy="495672"/>
+            <a:off x="3" y="9514312"/>
+            <a:ext cx="2984183" cy="499551"/>
           </a:xfrm>
           <a:prstGeom prst="rect">
             <a:avLst/>
@@ -542,7 +542,7 @@
           </a:extLst>
         </p:spPr>
         <p:txBody>
-          <a:bodyPr vert="horz" wrap="square" lIns="191028" tIns="95514" rIns="191028" bIns="95514" numCol="1" anchor="b" anchorCtr="0" compatLnSpc="1">
+          <a:bodyPr vert="horz" wrap="square" lIns="192824" tIns="96412" rIns="192824" bIns="96412" numCol="1" anchor="b" anchorCtr="0" compatLnSpc="1">
             <a:prstTxWarp prst="textNoShape">
               <a:avLst/>
             </a:prstTxWarp>
@@ -569,8 +569,8 @@
         </p:nvSpPr>
         <p:spPr bwMode="auto">
           <a:xfrm>
-            <a:off x="3856517" y="9440429"/>
-            <a:ext cx="2949099" cy="495672"/>
+            <a:off x="3902396" y="9514312"/>
+            <a:ext cx="2984183" cy="499551"/>
           </a:xfrm>
           <a:prstGeom prst="rect">
             <a:avLst/>
@@ -610,7 +610,7 @@
           </a:extLst>
         </p:spPr>
         <p:txBody>
-          <a:bodyPr vert="horz" wrap="square" lIns="191028" tIns="95514" rIns="191028" bIns="95514" numCol="1" anchor="b" anchorCtr="0" compatLnSpc="1">
+          <a:bodyPr vert="horz" wrap="square" lIns="192824" tIns="96412" rIns="192824" bIns="96412" numCol="1" anchor="b" anchorCtr="0" compatLnSpc="1">
             <a:prstTxWarp prst="textNoShape">
               <a:avLst/>
             </a:prstTxWarp>
@@ -4394,613 +4394,592 @@
           <a:chExt cx="0" cy="0"/>
         </a:xfrm>
       </p:grpSpPr>
-      <p:grpSp>
-        <p:nvGrpSpPr>
-          <p:cNvPr id="3" name="グループ化 2" descr="NVDA日本語チーム&#10;www.nvda.jp&#10;NVDA Cheat Sheet&#10;210522&#10;Ctrl+Alt+N:NVDA起動&#10;">
+      <p:sp>
+        <p:nvSpPr>
+          <p:cNvPr id="74" name="タイトル 1"/>
+          <p:cNvSpPr txBox="1">
+            <a:spLocks/>
+          </p:cNvSpPr>
+          <p:nvPr/>
+        </p:nvSpPr>
+        <p:spPr bwMode="auto">
+          <a:xfrm>
+            <a:off x="510432" y="168094"/>
+            <a:ext cx="2043855" cy="1595336"/>
+          </a:xfrm>
+          <a:prstGeom prst="rect">
+            <a:avLst/>
+          </a:prstGeom>
+          <a:noFill/>
+          <a:ln>
+            <a:noFill/>
+          </a:ln>
+          <a:effectLst/>
+          <a:extLst>
+            <a:ext uri="{909E8E84-426E-40DD-AFC4-6F175D3DCCD1}">
+              <a14:hiddenFill xmlns:a14="http://schemas.microsoft.com/office/drawing/2010/main">
+                <a:solidFill>
+                  <a:schemeClr val="accent1"/>
+                </a:solidFill>
+              </a14:hiddenFill>
+            </a:ext>
+            <a:ext uri="{91240B29-F687-4F45-9708-019B960494DF}">
+              <a14:hiddenLine xmlns:a14="http://schemas.microsoft.com/office/drawing/2010/main" w="9525">
+                <a:solidFill>
+                  <a:schemeClr val="tx1"/>
+                </a:solidFill>
+                <a:miter lim="800000"/>
+                <a:headEnd/>
+                <a:tailEnd/>
+              </a14:hiddenLine>
+            </a:ext>
+            <a:ext uri="{AF507438-7753-43E0-B8FC-AC1667EBCBE1}">
+              <a14:hiddenEffects xmlns:a14="http://schemas.microsoft.com/office/drawing/2010/main">
+                <a:effectLst>
+                  <a:outerShdw dist="35921" dir="2700000" algn="ctr" rotWithShape="0">
+                    <a:schemeClr val="bg2"/>
+                  </a:outerShdw>
+                </a:effectLst>
+              </a14:hiddenEffects>
+            </a:ext>
+          </a:extLst>
+        </p:spPr>
+        <p:txBody>
+          <a:bodyPr vert="horz" wrap="square" lIns="104277" tIns="52139" rIns="104277" bIns="52139" numCol="1" anchor="ctr" anchorCtr="0" compatLnSpc="1">
+            <a:prstTxWarp prst="textNoShape">
+              <a:avLst/>
+            </a:prstTxWarp>
+          </a:bodyPr>
+          <a:lstStyle>
+            <a:lvl1pPr algn="ctr" defTabSz="1041400" rtl="0" fontAlgn="base">
+              <a:spcBef>
+                <a:spcPct val="0"/>
+              </a:spcBef>
+              <a:spcAft>
+                <a:spcPct val="0"/>
+              </a:spcAft>
+              <a:defRPr kumimoji="1" sz="4900">
+                <a:solidFill>
+                  <a:schemeClr val="tx2"/>
+                </a:solidFill>
+                <a:latin typeface="+mj-lt"/>
+                <a:ea typeface="+mj-ea"/>
+                <a:cs typeface="+mj-cs"/>
+              </a:defRPr>
+            </a:lvl1pPr>
+            <a:lvl2pPr algn="ctr" defTabSz="1041400" rtl="0" fontAlgn="base">
+              <a:spcBef>
+                <a:spcPct val="0"/>
+              </a:spcBef>
+              <a:spcAft>
+                <a:spcPct val="0"/>
+              </a:spcAft>
+              <a:defRPr kumimoji="1" sz="4900">
+                <a:solidFill>
+                  <a:schemeClr val="tx2"/>
+                </a:solidFill>
+                <a:latin typeface="Arial" charset="0"/>
+                <a:ea typeface="ＭＳ Ｐゴシック" charset="-128"/>
+              </a:defRPr>
+            </a:lvl2pPr>
+            <a:lvl3pPr algn="ctr" defTabSz="1041400" rtl="0" fontAlgn="base">
+              <a:spcBef>
+                <a:spcPct val="0"/>
+              </a:spcBef>
+              <a:spcAft>
+                <a:spcPct val="0"/>
+              </a:spcAft>
+              <a:defRPr kumimoji="1" sz="4900">
+                <a:solidFill>
+                  <a:schemeClr val="tx2"/>
+                </a:solidFill>
+                <a:latin typeface="Arial" charset="0"/>
+                <a:ea typeface="ＭＳ Ｐゴシック" charset="-128"/>
+              </a:defRPr>
+            </a:lvl3pPr>
+            <a:lvl4pPr algn="ctr" defTabSz="1041400" rtl="0" fontAlgn="base">
+              <a:spcBef>
+                <a:spcPct val="0"/>
+              </a:spcBef>
+              <a:spcAft>
+                <a:spcPct val="0"/>
+              </a:spcAft>
+              <a:defRPr kumimoji="1" sz="4900">
+                <a:solidFill>
+                  <a:schemeClr val="tx2"/>
+                </a:solidFill>
+                <a:latin typeface="Arial" charset="0"/>
+                <a:ea typeface="ＭＳ Ｐゴシック" charset="-128"/>
+              </a:defRPr>
+            </a:lvl4pPr>
+            <a:lvl5pPr algn="ctr" defTabSz="1041400" rtl="0" fontAlgn="base">
+              <a:spcBef>
+                <a:spcPct val="0"/>
+              </a:spcBef>
+              <a:spcAft>
+                <a:spcPct val="0"/>
+              </a:spcAft>
+              <a:defRPr kumimoji="1" sz="4900">
+                <a:solidFill>
+                  <a:schemeClr val="tx2"/>
+                </a:solidFill>
+                <a:latin typeface="Arial" charset="0"/>
+                <a:ea typeface="ＭＳ Ｐゴシック" charset="-128"/>
+              </a:defRPr>
+            </a:lvl5pPr>
+            <a:lvl6pPr marL="457200" algn="ctr" defTabSz="1041400" rtl="0" fontAlgn="base">
+              <a:spcBef>
+                <a:spcPct val="0"/>
+              </a:spcBef>
+              <a:spcAft>
+                <a:spcPct val="0"/>
+              </a:spcAft>
+              <a:defRPr kumimoji="1" sz="4900">
+                <a:solidFill>
+                  <a:schemeClr val="tx2"/>
+                </a:solidFill>
+                <a:latin typeface="Arial" charset="0"/>
+                <a:ea typeface="ＭＳ Ｐゴシック" charset="-128"/>
+              </a:defRPr>
+            </a:lvl6pPr>
+            <a:lvl7pPr marL="914400" algn="ctr" defTabSz="1041400" rtl="0" fontAlgn="base">
+              <a:spcBef>
+                <a:spcPct val="0"/>
+              </a:spcBef>
+              <a:spcAft>
+                <a:spcPct val="0"/>
+              </a:spcAft>
+              <a:defRPr kumimoji="1" sz="4900">
+                <a:solidFill>
+                  <a:schemeClr val="tx2"/>
+                </a:solidFill>
+                <a:latin typeface="Arial" charset="0"/>
+                <a:ea typeface="ＭＳ Ｐゴシック" charset="-128"/>
+              </a:defRPr>
+            </a:lvl7pPr>
+            <a:lvl8pPr marL="1371600" algn="ctr" defTabSz="1041400" rtl="0" fontAlgn="base">
+              <a:spcBef>
+                <a:spcPct val="0"/>
+              </a:spcBef>
+              <a:spcAft>
+                <a:spcPct val="0"/>
+              </a:spcAft>
+              <a:defRPr kumimoji="1" sz="4900">
+                <a:solidFill>
+                  <a:schemeClr val="tx2"/>
+                </a:solidFill>
+                <a:latin typeface="Arial" charset="0"/>
+                <a:ea typeface="ＭＳ Ｐゴシック" charset="-128"/>
+              </a:defRPr>
+            </a:lvl8pPr>
+            <a:lvl9pPr marL="1828800" algn="ctr" defTabSz="1041400" rtl="0" fontAlgn="base">
+              <a:spcBef>
+                <a:spcPct val="0"/>
+              </a:spcBef>
+              <a:spcAft>
+                <a:spcPct val="0"/>
+              </a:spcAft>
+              <a:defRPr kumimoji="1" sz="4900">
+                <a:solidFill>
+                  <a:schemeClr val="tx2"/>
+                </a:solidFill>
+                <a:latin typeface="Arial" charset="0"/>
+                <a:ea typeface="ＭＳ Ｐゴシック" charset="-128"/>
+              </a:defRPr>
+            </a:lvl9pPr>
+          </a:lstStyle>
+          <a:p>
+            <a:pPr algn="r"/>
+            <a:r>
+              <a:rPr lang="en-US" altLang="ja-JP" sz="1400" kern="0" dirty="0">
+                <a:latin typeface="源ノ角ゴシック JP Heavy" panose="020B0A00000000000000" pitchFamily="34" charset="-128"/>
+                <a:ea typeface="源ノ角ゴシック JP Heavy" panose="020B0A00000000000000" pitchFamily="34" charset="-128"/>
+              </a:rPr>
+              <a:t>NVDA</a:t>
+            </a:r>
+            <a:r>
+              <a:rPr lang="ja-JP" altLang="en-US" sz="1400" kern="0" dirty="0">
+                <a:latin typeface="源ノ角ゴシック JP Heavy" panose="020B0A00000000000000" pitchFamily="34" charset="-128"/>
+                <a:ea typeface="源ノ角ゴシック JP Heavy" panose="020B0A00000000000000" pitchFamily="34" charset="-128"/>
+              </a:rPr>
+              <a:t>日本語チーム</a:t>
+            </a:r>
+            <a:endParaRPr lang="en-US" altLang="ja-JP" sz="1400" kern="0" dirty="0">
+              <a:latin typeface="源ノ角ゴシック JP Heavy" panose="020B0A00000000000000" pitchFamily="34" charset="-128"/>
+              <a:ea typeface="源ノ角ゴシック JP Heavy" panose="020B0A00000000000000" pitchFamily="34" charset="-128"/>
+            </a:endParaRPr>
+          </a:p>
+          <a:p>
+            <a:pPr algn="r"/>
+            <a:r>
+              <a:rPr lang="en-US" altLang="ja-JP" sz="2000" kern="0" dirty="0">
+                <a:latin typeface="源ノ角ゴシック JP Regular" panose="020B0500000000000000" pitchFamily="34" charset="-128"/>
+                <a:ea typeface="源ノ角ゴシック JP Regular" panose="020B0500000000000000" pitchFamily="34" charset="-128"/>
+              </a:rPr>
+              <a:t>www.nvda.jp</a:t>
+            </a:r>
+          </a:p>
+          <a:p>
+            <a:pPr algn="r"/>
+            <a:endParaRPr lang="en-US" altLang="ja-JP" sz="1000" kern="0" dirty="0">
+              <a:latin typeface="源ノ角ゴシック JP Light" panose="020B0300000000000000" pitchFamily="34" charset="-128"/>
+              <a:ea typeface="源ノ角ゴシック JP Light" panose="020B0300000000000000" pitchFamily="34" charset="-128"/>
+            </a:endParaRPr>
+          </a:p>
+          <a:p>
+            <a:pPr algn="r"/>
+            <a:r>
+              <a:rPr lang="en-US" altLang="ja-JP" sz="3700" kern="0" dirty="0">
+                <a:latin typeface="源ノ角ゴシック JP Heavy" panose="020B0A00000000000000" pitchFamily="34" charset="-128"/>
+                <a:ea typeface="源ノ角ゴシック JP Heavy" panose="020B0A00000000000000" pitchFamily="34" charset="-128"/>
+              </a:rPr>
+              <a:t>NVDA</a:t>
+            </a:r>
+          </a:p>
+          <a:p>
+            <a:pPr algn="r"/>
+            <a:r>
+              <a:rPr lang="en-US" altLang="ja-JP" sz="2000" kern="0" dirty="0">
+                <a:latin typeface="源ノ角ゴシック JP Heavy" panose="020B0A00000000000000" pitchFamily="34" charset="-128"/>
+                <a:ea typeface="源ノ角ゴシック JP Heavy" panose="020B0A00000000000000" pitchFamily="34" charset="-128"/>
+              </a:rPr>
+              <a:t>Cheat Sheet</a:t>
+            </a:r>
+            <a:endParaRPr lang="en-US" altLang="ja-JP" sz="2800" kern="0" dirty="0">
+              <a:latin typeface="源ノ角ゴシック JP Heavy" panose="020B0A00000000000000" pitchFamily="34" charset="-128"/>
+              <a:ea typeface="源ノ角ゴシック JP Heavy" panose="020B0A00000000000000" pitchFamily="34" charset="-128"/>
+            </a:endParaRPr>
+          </a:p>
+        </p:txBody>
+      </p:sp>
+      <p:pic>
+        <p:nvPicPr>
+          <p:cNvPr id="7" name="図 6" descr="NVDA日本語版のアイコン 目の中にNの文字"/>
+          <p:cNvPicPr>
+            <a:picLocks noChangeAspect="1"/>
+          </p:cNvPicPr>
+          <p:nvPr/>
+        </p:nvPicPr>
+        <p:blipFill>
+          <a:blip r:embed="rId3" cstate="print">
             <a:extLst>
-              <a:ext uri="{FF2B5EF4-FFF2-40B4-BE49-F238E27FC236}">
-                <a16:creationId xmlns:a16="http://schemas.microsoft.com/office/drawing/2014/main" id="{3841A42A-6348-4957-B0E2-5CECB9280A33}"/>
+              <a:ext uri="{28A0092B-C50C-407E-A947-70E740481C1C}">
+                <a14:useLocalDpi xmlns:a14="http://schemas.microsoft.com/office/drawing/2010/main" val="0"/>
               </a:ext>
             </a:extLst>
-          </p:cNvPr>
-          <p:cNvGrpSpPr/>
+          </a:blip>
+          <a:stretch>
+            <a:fillRect/>
+          </a:stretch>
+        </p:blipFill>
+        <p:spPr>
+          <a:xfrm>
+            <a:off x="208446" y="210995"/>
+            <a:ext cx="578274" cy="465798"/>
+          </a:xfrm>
+          <a:prstGeom prst="rect">
+            <a:avLst/>
+          </a:prstGeom>
+        </p:spPr>
+      </p:pic>
+      <p:pic>
+        <p:nvPicPr>
+          <p:cNvPr id="16" name="図 15" descr="NVDA（本家版）のアイコン アルファベットのNとDの文字を重ねたようなロゴが白抜き、背景は紫色"/>
+          <p:cNvPicPr>
+            <a:picLocks noChangeAspect="1"/>
+          </p:cNvPicPr>
           <p:nvPr/>
-        </p:nvGrpSpPr>
-        <p:grpSpPr>
-          <a:xfrm>
-            <a:off x="208446" y="168094"/>
-            <a:ext cx="2352507" cy="2217389"/>
-            <a:chOff x="208446" y="168094"/>
-            <a:chExt cx="2352507" cy="2217389"/>
-          </a:xfrm>
-        </p:grpSpPr>
-        <p:sp>
-          <p:nvSpPr>
-            <p:cNvPr id="74" name="タイトル 1"/>
-            <p:cNvSpPr txBox="1">
-              <a:spLocks/>
-            </p:cNvSpPr>
-            <p:nvPr/>
-          </p:nvSpPr>
-          <p:spPr bwMode="auto">
-            <a:xfrm>
-              <a:off x="510432" y="168094"/>
-              <a:ext cx="2043855" cy="1595336"/>
-            </a:xfrm>
-            <a:prstGeom prst="rect">
-              <a:avLst/>
-            </a:prstGeom>
-            <a:noFill/>
-            <a:ln>
-              <a:noFill/>
-            </a:ln>
-            <a:effectLst/>
+        </p:nvPicPr>
+        <p:blipFill>
+          <a:blip r:embed="rId4" cstate="print">
             <a:extLst>
-              <a:ext uri="{909E8E84-426E-40DD-AFC4-6F175D3DCCD1}">
-                <a14:hiddenFill xmlns:a14="http://schemas.microsoft.com/office/drawing/2010/main">
-                  <a:solidFill>
-                    <a:schemeClr val="accent1"/>
-                  </a:solidFill>
-                </a14:hiddenFill>
-              </a:ext>
-              <a:ext uri="{91240B29-F687-4F45-9708-019B960494DF}">
-                <a14:hiddenLine xmlns:a14="http://schemas.microsoft.com/office/drawing/2010/main" w="9525">
-                  <a:solidFill>
-                    <a:schemeClr val="tx1"/>
-                  </a:solidFill>
-                  <a:miter lim="800000"/>
-                  <a:headEnd/>
-                  <a:tailEnd/>
-                </a14:hiddenLine>
-              </a:ext>
-              <a:ext uri="{AF507438-7753-43E0-B8FC-AC1667EBCBE1}">
-                <a14:hiddenEffects xmlns:a14="http://schemas.microsoft.com/office/drawing/2010/main">
-                  <a:effectLst>
-                    <a:outerShdw dist="35921" dir="2700000" algn="ctr" rotWithShape="0">
-                      <a:schemeClr val="bg2"/>
-                    </a:outerShdw>
-                  </a:effectLst>
-                </a14:hiddenEffects>
+              <a:ext uri="{28A0092B-C50C-407E-A947-70E740481C1C}">
+                <a14:useLocalDpi xmlns:a14="http://schemas.microsoft.com/office/drawing/2010/main" val="0"/>
               </a:ext>
             </a:extLst>
-          </p:spPr>
-          <p:txBody>
-            <a:bodyPr vert="horz" wrap="square" lIns="104277" tIns="52139" rIns="104277" bIns="52139" numCol="1" anchor="ctr" anchorCtr="0" compatLnSpc="1">
-              <a:prstTxWarp prst="textNoShape">
-                <a:avLst/>
-              </a:prstTxWarp>
-            </a:bodyPr>
-            <a:lstStyle>
-              <a:lvl1pPr algn="ctr" defTabSz="1041400" rtl="0" fontAlgn="base">
-                <a:spcBef>
-                  <a:spcPct val="0"/>
-                </a:spcBef>
-                <a:spcAft>
-                  <a:spcPct val="0"/>
-                </a:spcAft>
-                <a:defRPr kumimoji="1" sz="4900">
-                  <a:solidFill>
-                    <a:schemeClr val="tx2"/>
-                  </a:solidFill>
-                  <a:latin typeface="+mj-lt"/>
-                  <a:ea typeface="+mj-ea"/>
-                  <a:cs typeface="+mj-cs"/>
-                </a:defRPr>
-              </a:lvl1pPr>
-              <a:lvl2pPr algn="ctr" defTabSz="1041400" rtl="0" fontAlgn="base">
-                <a:spcBef>
-                  <a:spcPct val="0"/>
-                </a:spcBef>
-                <a:spcAft>
-                  <a:spcPct val="0"/>
-                </a:spcAft>
-                <a:defRPr kumimoji="1" sz="4900">
-                  <a:solidFill>
-                    <a:schemeClr val="tx2"/>
-                  </a:solidFill>
-                  <a:latin typeface="Arial" charset="0"/>
-                  <a:ea typeface="ＭＳ Ｐゴシック" charset="-128"/>
-                </a:defRPr>
-              </a:lvl2pPr>
-              <a:lvl3pPr algn="ctr" defTabSz="1041400" rtl="0" fontAlgn="base">
-                <a:spcBef>
-                  <a:spcPct val="0"/>
-                </a:spcBef>
-                <a:spcAft>
-                  <a:spcPct val="0"/>
-                </a:spcAft>
-                <a:defRPr kumimoji="1" sz="4900">
-                  <a:solidFill>
-                    <a:schemeClr val="tx2"/>
-                  </a:solidFill>
-                  <a:latin typeface="Arial" charset="0"/>
-                  <a:ea typeface="ＭＳ Ｐゴシック" charset="-128"/>
-                </a:defRPr>
-              </a:lvl3pPr>
-              <a:lvl4pPr algn="ctr" defTabSz="1041400" rtl="0" fontAlgn="base">
-                <a:spcBef>
-                  <a:spcPct val="0"/>
-                </a:spcBef>
-                <a:spcAft>
-                  <a:spcPct val="0"/>
-                </a:spcAft>
-                <a:defRPr kumimoji="1" sz="4900">
-                  <a:solidFill>
-                    <a:schemeClr val="tx2"/>
-                  </a:solidFill>
-                  <a:latin typeface="Arial" charset="0"/>
-                  <a:ea typeface="ＭＳ Ｐゴシック" charset="-128"/>
-                </a:defRPr>
-              </a:lvl4pPr>
-              <a:lvl5pPr algn="ctr" defTabSz="1041400" rtl="0" fontAlgn="base">
-                <a:spcBef>
-                  <a:spcPct val="0"/>
-                </a:spcBef>
-                <a:spcAft>
-                  <a:spcPct val="0"/>
-                </a:spcAft>
-                <a:defRPr kumimoji="1" sz="4900">
-                  <a:solidFill>
-                    <a:schemeClr val="tx2"/>
-                  </a:solidFill>
-                  <a:latin typeface="Arial" charset="0"/>
-                  <a:ea typeface="ＭＳ Ｐゴシック" charset="-128"/>
-                </a:defRPr>
-              </a:lvl5pPr>
-              <a:lvl6pPr marL="457200" algn="ctr" defTabSz="1041400" rtl="0" fontAlgn="base">
-                <a:spcBef>
-                  <a:spcPct val="0"/>
-                </a:spcBef>
-                <a:spcAft>
-                  <a:spcPct val="0"/>
-                </a:spcAft>
-                <a:defRPr kumimoji="1" sz="4900">
-                  <a:solidFill>
-                    <a:schemeClr val="tx2"/>
-                  </a:solidFill>
-                  <a:latin typeface="Arial" charset="0"/>
-                  <a:ea typeface="ＭＳ Ｐゴシック" charset="-128"/>
-                </a:defRPr>
-              </a:lvl6pPr>
-              <a:lvl7pPr marL="914400" algn="ctr" defTabSz="1041400" rtl="0" fontAlgn="base">
-                <a:spcBef>
-                  <a:spcPct val="0"/>
-                </a:spcBef>
-                <a:spcAft>
-                  <a:spcPct val="0"/>
-                </a:spcAft>
-                <a:defRPr kumimoji="1" sz="4900">
-                  <a:solidFill>
-                    <a:schemeClr val="tx2"/>
-                  </a:solidFill>
-                  <a:latin typeface="Arial" charset="0"/>
-                  <a:ea typeface="ＭＳ Ｐゴシック" charset="-128"/>
-                </a:defRPr>
-              </a:lvl7pPr>
-              <a:lvl8pPr marL="1371600" algn="ctr" defTabSz="1041400" rtl="0" fontAlgn="base">
-                <a:spcBef>
-                  <a:spcPct val="0"/>
-                </a:spcBef>
-                <a:spcAft>
-                  <a:spcPct val="0"/>
-                </a:spcAft>
-                <a:defRPr kumimoji="1" sz="4900">
-                  <a:solidFill>
-                    <a:schemeClr val="tx2"/>
-                  </a:solidFill>
-                  <a:latin typeface="Arial" charset="0"/>
-                  <a:ea typeface="ＭＳ Ｐゴシック" charset="-128"/>
-                </a:defRPr>
-              </a:lvl8pPr>
-              <a:lvl9pPr marL="1828800" algn="ctr" defTabSz="1041400" rtl="0" fontAlgn="base">
-                <a:spcBef>
-                  <a:spcPct val="0"/>
-                </a:spcBef>
-                <a:spcAft>
-                  <a:spcPct val="0"/>
-                </a:spcAft>
-                <a:defRPr kumimoji="1" sz="4900">
-                  <a:solidFill>
-                    <a:schemeClr val="tx2"/>
-                  </a:solidFill>
-                  <a:latin typeface="Arial" charset="0"/>
-                  <a:ea typeface="ＭＳ Ｐゴシック" charset="-128"/>
-                </a:defRPr>
-              </a:lvl9pPr>
-            </a:lstStyle>
-            <a:p>
-              <a:pPr algn="r"/>
-              <a:r>
-                <a:rPr lang="en-US" altLang="ja-JP" sz="1400" kern="0" dirty="0">
-                  <a:latin typeface="源ノ角ゴシック JP Heavy" panose="020B0A00000000000000" pitchFamily="34" charset="-128"/>
-                  <a:ea typeface="源ノ角ゴシック JP Heavy" panose="020B0A00000000000000" pitchFamily="34" charset="-128"/>
-                </a:rPr>
-                <a:t>NVDA</a:t>
-              </a:r>
-              <a:r>
-                <a:rPr lang="ja-JP" altLang="en-US" sz="1400" kern="0" dirty="0">
-                  <a:latin typeface="源ノ角ゴシック JP Heavy" panose="020B0A00000000000000" pitchFamily="34" charset="-128"/>
-                  <a:ea typeface="源ノ角ゴシック JP Heavy" panose="020B0A00000000000000" pitchFamily="34" charset="-128"/>
-                </a:rPr>
-                <a:t>日本語チーム</a:t>
-              </a:r>
-              <a:endParaRPr lang="en-US" altLang="ja-JP" sz="1400" kern="0" dirty="0">
+          </a:blip>
+          <a:stretch>
+            <a:fillRect/>
+          </a:stretch>
+        </p:blipFill>
+        <p:spPr>
+          <a:xfrm>
+            <a:off x="664389" y="942147"/>
+            <a:ext cx="415048" cy="415048"/>
+          </a:xfrm>
+          <a:prstGeom prst="rect">
+            <a:avLst/>
+          </a:prstGeom>
+        </p:spPr>
+      </p:pic>
+      <p:sp>
+        <p:nvSpPr>
+          <p:cNvPr id="91" name="コンテンツ プレースホルダー 2"/>
+          <p:cNvSpPr txBox="1">
+            <a:spLocks/>
+          </p:cNvSpPr>
+          <p:nvPr/>
+        </p:nvSpPr>
+        <p:spPr bwMode="auto">
+          <a:xfrm>
+            <a:off x="1047329" y="1890237"/>
+            <a:ext cx="1503868" cy="218076"/>
+          </a:xfrm>
+          <a:prstGeom prst="rect">
+            <a:avLst/>
+          </a:prstGeom>
+          <a:noFill/>
+          <a:ln>
+            <a:noFill/>
+          </a:ln>
+          <a:effectLst/>
+          <a:extLst>
+            <a:ext uri="{909E8E84-426E-40DD-AFC4-6F175D3DCCD1}">
+              <a14:hiddenFill xmlns:a14="http://schemas.microsoft.com/office/drawing/2010/main">
+                <a:solidFill>
+                  <a:schemeClr val="accent1"/>
+                </a:solidFill>
+              </a14:hiddenFill>
+            </a:ext>
+            <a:ext uri="{91240B29-F687-4F45-9708-019B960494DF}">
+              <a14:hiddenLine xmlns:a14="http://schemas.microsoft.com/office/drawing/2010/main" w="9525">
+                <a:solidFill>
+                  <a:schemeClr val="tx1"/>
+                </a:solidFill>
+                <a:miter lim="800000"/>
+                <a:headEnd/>
+                <a:tailEnd/>
+              </a14:hiddenLine>
+            </a:ext>
+            <a:ext uri="{AF507438-7753-43E0-B8FC-AC1667EBCBE1}">
+              <a14:hiddenEffects xmlns:a14="http://schemas.microsoft.com/office/drawing/2010/main">
+                <a:effectLst>
+                  <a:outerShdw dist="35921" dir="2700000" algn="ctr" rotWithShape="0">
+                    <a:schemeClr val="bg2"/>
+                  </a:outerShdw>
+                </a:effectLst>
+              </a14:hiddenEffects>
+            </a:ext>
+          </a:extLst>
+        </p:spPr>
+        <p:txBody>
+          <a:bodyPr vert="horz" wrap="square" lIns="104277" tIns="52139" rIns="104277" bIns="52139" numCol="1" anchor="t" anchorCtr="0" compatLnSpc="1">
+            <a:prstTxWarp prst="textNoShape">
+              <a:avLst/>
+            </a:prstTxWarp>
+          </a:bodyPr>
+          <a:lstStyle>
+            <a:lvl1pPr marL="0" indent="0" algn="ctr" defTabSz="1041400" rtl="0" fontAlgn="base">
+              <a:spcBef>
+                <a:spcPct val="20000"/>
+              </a:spcBef>
+              <a:spcAft>
+                <a:spcPct val="0"/>
+              </a:spcAft>
+              <a:buNone/>
+              <a:defRPr kumimoji="1" sz="3800">
+                <a:solidFill>
+                  <a:schemeClr val="tx1"/>
+                </a:solidFill>
+                <a:latin typeface="+mn-lt"/>
+                <a:ea typeface="+mn-ea"/>
+                <a:cs typeface="+mn-cs"/>
+              </a:defRPr>
+            </a:lvl1pPr>
+            <a:lvl2pPr marL="457200" indent="0" algn="ctr" defTabSz="1041400" rtl="0" fontAlgn="base">
+              <a:spcBef>
+                <a:spcPct val="20000"/>
+              </a:spcBef>
+              <a:spcAft>
+                <a:spcPct val="0"/>
+              </a:spcAft>
+              <a:buNone/>
+              <a:defRPr kumimoji="1" sz="3200">
+                <a:solidFill>
+                  <a:schemeClr val="tx1"/>
+                </a:solidFill>
+                <a:latin typeface="+mn-lt"/>
+                <a:ea typeface="+mn-ea"/>
+              </a:defRPr>
+            </a:lvl2pPr>
+            <a:lvl3pPr marL="914400" indent="0" algn="ctr" defTabSz="1041400" rtl="0" fontAlgn="base">
+              <a:spcBef>
+                <a:spcPct val="20000"/>
+              </a:spcBef>
+              <a:spcAft>
+                <a:spcPct val="0"/>
+              </a:spcAft>
+              <a:buNone/>
+              <a:defRPr kumimoji="1" sz="2800">
+                <a:solidFill>
+                  <a:schemeClr val="tx1"/>
+                </a:solidFill>
+                <a:latin typeface="+mn-lt"/>
+                <a:ea typeface="+mn-ea"/>
+              </a:defRPr>
+            </a:lvl3pPr>
+            <a:lvl4pPr marL="1371600" indent="0" algn="ctr" defTabSz="1041400" rtl="0" fontAlgn="base">
+              <a:spcBef>
+                <a:spcPct val="20000"/>
+              </a:spcBef>
+              <a:spcAft>
+                <a:spcPct val="0"/>
+              </a:spcAft>
+              <a:buNone/>
+              <a:defRPr kumimoji="1" sz="2500">
+                <a:solidFill>
+                  <a:schemeClr val="tx1"/>
+                </a:solidFill>
+                <a:latin typeface="+mn-lt"/>
+                <a:ea typeface="+mn-ea"/>
+              </a:defRPr>
+            </a:lvl4pPr>
+            <a:lvl5pPr marL="1828800" indent="0" algn="ctr" defTabSz="1041400" rtl="0" fontAlgn="base">
+              <a:spcBef>
+                <a:spcPct val="20000"/>
+              </a:spcBef>
+              <a:spcAft>
+                <a:spcPct val="0"/>
+              </a:spcAft>
+              <a:buNone/>
+              <a:defRPr kumimoji="1" sz="2500">
+                <a:solidFill>
+                  <a:schemeClr val="tx1"/>
+                </a:solidFill>
+                <a:latin typeface="+mn-lt"/>
+                <a:ea typeface="+mn-ea"/>
+              </a:defRPr>
+            </a:lvl5pPr>
+            <a:lvl6pPr marL="2286000" indent="0" algn="ctr" defTabSz="1041400" rtl="0" fontAlgn="base">
+              <a:spcBef>
+                <a:spcPct val="20000"/>
+              </a:spcBef>
+              <a:spcAft>
+                <a:spcPct val="0"/>
+              </a:spcAft>
+              <a:buNone/>
+              <a:defRPr kumimoji="1" sz="2500">
+                <a:solidFill>
+                  <a:schemeClr val="tx1"/>
+                </a:solidFill>
+                <a:latin typeface="+mn-lt"/>
+                <a:ea typeface="+mn-ea"/>
+              </a:defRPr>
+            </a:lvl6pPr>
+            <a:lvl7pPr marL="2743200" indent="0" algn="ctr" defTabSz="1041400" rtl="0" fontAlgn="base">
+              <a:spcBef>
+                <a:spcPct val="20000"/>
+              </a:spcBef>
+              <a:spcAft>
+                <a:spcPct val="0"/>
+              </a:spcAft>
+              <a:buNone/>
+              <a:defRPr kumimoji="1" sz="2500">
+                <a:solidFill>
+                  <a:schemeClr val="tx1"/>
+                </a:solidFill>
+                <a:latin typeface="+mn-lt"/>
+                <a:ea typeface="+mn-ea"/>
+              </a:defRPr>
+            </a:lvl7pPr>
+            <a:lvl8pPr marL="3200400" indent="0" algn="ctr" defTabSz="1041400" rtl="0" fontAlgn="base">
+              <a:spcBef>
+                <a:spcPct val="20000"/>
+              </a:spcBef>
+              <a:spcAft>
+                <a:spcPct val="0"/>
+              </a:spcAft>
+              <a:buNone/>
+              <a:defRPr kumimoji="1" sz="2500">
+                <a:solidFill>
+                  <a:schemeClr val="tx1"/>
+                </a:solidFill>
+                <a:latin typeface="+mn-lt"/>
+                <a:ea typeface="+mn-ea"/>
+              </a:defRPr>
+            </a:lvl8pPr>
+            <a:lvl9pPr marL="3657600" indent="0" algn="ctr" defTabSz="1041400" rtl="0" fontAlgn="base">
+              <a:spcBef>
+                <a:spcPct val="20000"/>
+              </a:spcBef>
+              <a:spcAft>
+                <a:spcPct val="0"/>
+              </a:spcAft>
+              <a:buNone/>
+              <a:defRPr kumimoji="1" sz="2500">
+                <a:solidFill>
+                  <a:schemeClr val="tx1"/>
+                </a:solidFill>
+                <a:latin typeface="+mn-lt"/>
+                <a:ea typeface="+mn-ea"/>
+              </a:defRPr>
+            </a:lvl9pPr>
+          </a:lstStyle>
+          <a:p>
+            <a:pPr algn="r"/>
+            <a:r>
+              <a:rPr lang="en-US" altLang="ja-JP" sz="800" dirty="0">
+                <a:latin typeface="源ノ角ゴシック JP Light" panose="020B0300000000000000" pitchFamily="34" charset="-128"/>
+                <a:ea typeface="源ノ角ゴシック JP Light" panose="020B0300000000000000" pitchFamily="34" charset="-128"/>
+              </a:rPr>
+              <a:t>230518</a:t>
+            </a:r>
+            <a:endParaRPr lang="en-US" altLang="ja-JP" sz="800" kern="0" dirty="0">
+              <a:latin typeface="源ノ角ゴシック JP Light" panose="020B0300000000000000" pitchFamily="34" charset="-128"/>
+              <a:ea typeface="源ノ角ゴシック JP Light" panose="020B0300000000000000" pitchFamily="34" charset="-128"/>
+            </a:endParaRPr>
+          </a:p>
+        </p:txBody>
+      </p:sp>
+      <p:sp>
+        <p:nvSpPr>
+          <p:cNvPr id="126" name="正方形/長方形 125"/>
+          <p:cNvSpPr/>
+          <p:nvPr/>
+        </p:nvSpPr>
+        <p:spPr>
+          <a:xfrm>
+            <a:off x="951564" y="2139262"/>
+            <a:ext cx="1609389" cy="246221"/>
+          </a:xfrm>
+          <a:prstGeom prst="rect">
+            <a:avLst/>
+          </a:prstGeom>
+        </p:spPr>
+        <p:txBody>
+          <a:bodyPr wrap="square">
+            <a:spAutoFit/>
+          </a:bodyPr>
+          <a:lstStyle/>
+          <a:p>
+            <a:r>
+              <a:rPr lang="en-US" altLang="ja-JP" sz="1000" kern="0" dirty="0" err="1">
                 <a:latin typeface="源ノ角ゴシック JP Heavy" panose="020B0A00000000000000" pitchFamily="34" charset="-128"/>
                 <a:ea typeface="源ノ角ゴシック JP Heavy" panose="020B0A00000000000000" pitchFamily="34" charset="-128"/>
-              </a:endParaRPr>
-            </a:p>
-            <a:p>
-              <a:pPr algn="r"/>
-              <a:r>
-                <a:rPr lang="en-US" altLang="ja-JP" sz="2000" kern="0" dirty="0">
-                  <a:latin typeface="源ノ角ゴシック JP Regular" panose="020B0500000000000000" pitchFamily="34" charset="-128"/>
-                  <a:ea typeface="源ノ角ゴシック JP Regular" panose="020B0500000000000000" pitchFamily="34" charset="-128"/>
-                </a:rPr>
-                <a:t>www.nvda.jp</a:t>
-              </a:r>
-            </a:p>
-            <a:p>
-              <a:pPr algn="r"/>
-              <a:endParaRPr lang="en-US" altLang="ja-JP" sz="1000" kern="0" dirty="0">
-                <a:latin typeface="源ノ角ゴシック JP Light" panose="020B0300000000000000" pitchFamily="34" charset="-128"/>
-                <a:ea typeface="源ノ角ゴシック JP Light" panose="020B0300000000000000" pitchFamily="34" charset="-128"/>
-              </a:endParaRPr>
-            </a:p>
-            <a:p>
-              <a:pPr algn="r"/>
-              <a:r>
-                <a:rPr lang="en-US" altLang="ja-JP" sz="3700" kern="0" dirty="0">
-                  <a:latin typeface="源ノ角ゴシック JP Heavy" panose="020B0A00000000000000" pitchFamily="34" charset="-128"/>
-                  <a:ea typeface="源ノ角ゴシック JP Heavy" panose="020B0A00000000000000" pitchFamily="34" charset="-128"/>
-                </a:rPr>
-                <a:t>NVDA</a:t>
-              </a:r>
-            </a:p>
-            <a:p>
-              <a:pPr algn="r"/>
-              <a:r>
-                <a:rPr lang="en-US" altLang="ja-JP" sz="2000" kern="0" dirty="0">
-                  <a:latin typeface="源ノ角ゴシック JP Heavy" panose="020B0A00000000000000" pitchFamily="34" charset="-128"/>
-                  <a:ea typeface="源ノ角ゴシック JP Heavy" panose="020B0A00000000000000" pitchFamily="34" charset="-128"/>
-                </a:rPr>
-                <a:t>Cheat Sheet</a:t>
-              </a:r>
-              <a:endParaRPr lang="en-US" altLang="ja-JP" sz="2800" kern="0" dirty="0">
+              </a:rPr>
+              <a:t>Ctrl+Alt+N</a:t>
+            </a:r>
+            <a:r>
+              <a:rPr lang="en-US" altLang="ja-JP" sz="1000" kern="0" dirty="0">
                 <a:latin typeface="源ノ角ゴシック JP Heavy" panose="020B0A00000000000000" pitchFamily="34" charset="-128"/>
                 <a:ea typeface="源ノ角ゴシック JP Heavy" panose="020B0A00000000000000" pitchFamily="34" charset="-128"/>
-              </a:endParaRPr>
-            </a:p>
-          </p:txBody>
-        </p:sp>
-        <p:sp>
-          <p:nvSpPr>
-            <p:cNvPr id="91" name="コンテンツ プレースホルダー 2"/>
-            <p:cNvSpPr txBox="1">
-              <a:spLocks/>
-            </p:cNvSpPr>
-            <p:nvPr/>
-          </p:nvSpPr>
-          <p:spPr bwMode="auto">
-            <a:xfrm>
-              <a:off x="1929799" y="1760679"/>
-              <a:ext cx="606916" cy="285750"/>
-            </a:xfrm>
-            <a:prstGeom prst="rect">
-              <a:avLst/>
-            </a:prstGeom>
-            <a:noFill/>
-            <a:ln>
-              <a:noFill/>
-            </a:ln>
-            <a:effectLst/>
-            <a:extLst>
-              <a:ext uri="{909E8E84-426E-40DD-AFC4-6F175D3DCCD1}">
-                <a14:hiddenFill xmlns:a14="http://schemas.microsoft.com/office/drawing/2010/main">
-                  <a:solidFill>
-                    <a:schemeClr val="accent1"/>
-                  </a:solidFill>
-                </a14:hiddenFill>
-              </a:ext>
-              <a:ext uri="{91240B29-F687-4F45-9708-019B960494DF}">
-                <a14:hiddenLine xmlns:a14="http://schemas.microsoft.com/office/drawing/2010/main" w="9525">
-                  <a:solidFill>
-                    <a:schemeClr val="tx1"/>
-                  </a:solidFill>
-                  <a:miter lim="800000"/>
-                  <a:headEnd/>
-                  <a:tailEnd/>
-                </a14:hiddenLine>
-              </a:ext>
-              <a:ext uri="{AF507438-7753-43E0-B8FC-AC1667EBCBE1}">
-                <a14:hiddenEffects xmlns:a14="http://schemas.microsoft.com/office/drawing/2010/main">
-                  <a:effectLst>
-                    <a:outerShdw dist="35921" dir="2700000" algn="ctr" rotWithShape="0">
-                      <a:schemeClr val="bg2"/>
-                    </a:outerShdw>
-                  </a:effectLst>
-                </a14:hiddenEffects>
-              </a:ext>
-            </a:extLst>
-          </p:spPr>
-          <p:txBody>
-            <a:bodyPr vert="horz" wrap="square" lIns="104277" tIns="52139" rIns="104277" bIns="52139" numCol="1" anchor="t" anchorCtr="0" compatLnSpc="1">
-              <a:prstTxWarp prst="textNoShape">
-                <a:avLst/>
-              </a:prstTxWarp>
-            </a:bodyPr>
-            <a:lstStyle>
-              <a:lvl1pPr marL="0" indent="0" algn="ctr" defTabSz="1041400" rtl="0" fontAlgn="base">
-                <a:spcBef>
-                  <a:spcPct val="20000"/>
-                </a:spcBef>
-                <a:spcAft>
-                  <a:spcPct val="0"/>
-                </a:spcAft>
-                <a:buNone/>
-                <a:defRPr kumimoji="1" sz="3800">
-                  <a:solidFill>
-                    <a:schemeClr val="tx1"/>
-                  </a:solidFill>
-                  <a:latin typeface="+mn-lt"/>
-                  <a:ea typeface="+mn-ea"/>
-                  <a:cs typeface="+mn-cs"/>
-                </a:defRPr>
-              </a:lvl1pPr>
-              <a:lvl2pPr marL="457200" indent="0" algn="ctr" defTabSz="1041400" rtl="0" fontAlgn="base">
-                <a:spcBef>
-                  <a:spcPct val="20000"/>
-                </a:spcBef>
-                <a:spcAft>
-                  <a:spcPct val="0"/>
-                </a:spcAft>
-                <a:buNone/>
-                <a:defRPr kumimoji="1" sz="3200">
-                  <a:solidFill>
-                    <a:schemeClr val="tx1"/>
-                  </a:solidFill>
-                  <a:latin typeface="+mn-lt"/>
-                  <a:ea typeface="+mn-ea"/>
-                </a:defRPr>
-              </a:lvl2pPr>
-              <a:lvl3pPr marL="914400" indent="0" algn="ctr" defTabSz="1041400" rtl="0" fontAlgn="base">
-                <a:spcBef>
-                  <a:spcPct val="20000"/>
-                </a:spcBef>
-                <a:spcAft>
-                  <a:spcPct val="0"/>
-                </a:spcAft>
-                <a:buNone/>
-                <a:defRPr kumimoji="1" sz="2800">
-                  <a:solidFill>
-                    <a:schemeClr val="tx1"/>
-                  </a:solidFill>
-                  <a:latin typeface="+mn-lt"/>
-                  <a:ea typeface="+mn-ea"/>
-                </a:defRPr>
-              </a:lvl3pPr>
-              <a:lvl4pPr marL="1371600" indent="0" algn="ctr" defTabSz="1041400" rtl="0" fontAlgn="base">
-                <a:spcBef>
-                  <a:spcPct val="20000"/>
-                </a:spcBef>
-                <a:spcAft>
-                  <a:spcPct val="0"/>
-                </a:spcAft>
-                <a:buNone/>
-                <a:defRPr kumimoji="1" sz="2500">
-                  <a:solidFill>
-                    <a:schemeClr val="tx1"/>
-                  </a:solidFill>
-                  <a:latin typeface="+mn-lt"/>
-                  <a:ea typeface="+mn-ea"/>
-                </a:defRPr>
-              </a:lvl4pPr>
-              <a:lvl5pPr marL="1828800" indent="0" algn="ctr" defTabSz="1041400" rtl="0" fontAlgn="base">
-                <a:spcBef>
-                  <a:spcPct val="20000"/>
-                </a:spcBef>
-                <a:spcAft>
-                  <a:spcPct val="0"/>
-                </a:spcAft>
-                <a:buNone/>
-                <a:defRPr kumimoji="1" sz="2500">
-                  <a:solidFill>
-                    <a:schemeClr val="tx1"/>
-                  </a:solidFill>
-                  <a:latin typeface="+mn-lt"/>
-                  <a:ea typeface="+mn-ea"/>
-                </a:defRPr>
-              </a:lvl5pPr>
-              <a:lvl6pPr marL="2286000" indent="0" algn="ctr" defTabSz="1041400" rtl="0" fontAlgn="base">
-                <a:spcBef>
-                  <a:spcPct val="20000"/>
-                </a:spcBef>
-                <a:spcAft>
-                  <a:spcPct val="0"/>
-                </a:spcAft>
-                <a:buNone/>
-                <a:defRPr kumimoji="1" sz="2500">
-                  <a:solidFill>
-                    <a:schemeClr val="tx1"/>
-                  </a:solidFill>
-                  <a:latin typeface="+mn-lt"/>
-                  <a:ea typeface="+mn-ea"/>
-                </a:defRPr>
-              </a:lvl6pPr>
-              <a:lvl7pPr marL="2743200" indent="0" algn="ctr" defTabSz="1041400" rtl="0" fontAlgn="base">
-                <a:spcBef>
-                  <a:spcPct val="20000"/>
-                </a:spcBef>
-                <a:spcAft>
-                  <a:spcPct val="0"/>
-                </a:spcAft>
-                <a:buNone/>
-                <a:defRPr kumimoji="1" sz="2500">
-                  <a:solidFill>
-                    <a:schemeClr val="tx1"/>
-                  </a:solidFill>
-                  <a:latin typeface="+mn-lt"/>
-                  <a:ea typeface="+mn-ea"/>
-                </a:defRPr>
-              </a:lvl7pPr>
-              <a:lvl8pPr marL="3200400" indent="0" algn="ctr" defTabSz="1041400" rtl="0" fontAlgn="base">
-                <a:spcBef>
-                  <a:spcPct val="20000"/>
-                </a:spcBef>
-                <a:spcAft>
-                  <a:spcPct val="0"/>
-                </a:spcAft>
-                <a:buNone/>
-                <a:defRPr kumimoji="1" sz="2500">
-                  <a:solidFill>
-                    <a:schemeClr val="tx1"/>
-                  </a:solidFill>
-                  <a:latin typeface="+mn-lt"/>
-                  <a:ea typeface="+mn-ea"/>
-                </a:defRPr>
-              </a:lvl8pPr>
-              <a:lvl9pPr marL="3657600" indent="0" algn="ctr" defTabSz="1041400" rtl="0" fontAlgn="base">
-                <a:spcBef>
-                  <a:spcPct val="20000"/>
-                </a:spcBef>
-                <a:spcAft>
-                  <a:spcPct val="0"/>
-                </a:spcAft>
-                <a:buNone/>
-                <a:defRPr kumimoji="1" sz="2500">
-                  <a:solidFill>
-                    <a:schemeClr val="tx1"/>
-                  </a:solidFill>
-                  <a:latin typeface="+mn-lt"/>
-                  <a:ea typeface="+mn-ea"/>
-                </a:defRPr>
-              </a:lvl9pPr>
-            </a:lstStyle>
-            <a:p>
-              <a:pPr algn="r"/>
-              <a:r>
-                <a:rPr lang="en-US" altLang="ja-JP" sz="800" dirty="0">
-                  <a:latin typeface="源ノ角ゴシック JP Light" panose="020B0300000000000000" pitchFamily="34" charset="-128"/>
-                  <a:ea typeface="源ノ角ゴシック JP Light" panose="020B0300000000000000" pitchFamily="34" charset="-128"/>
-                </a:rPr>
-                <a:t>210523</a:t>
-              </a:r>
-              <a:endParaRPr lang="en-US" altLang="ja-JP" sz="800" kern="0" dirty="0">
-                <a:latin typeface="源ノ角ゴシック JP Light" panose="020B0300000000000000" pitchFamily="34" charset="-128"/>
-                <a:ea typeface="源ノ角ゴシック JP Light" panose="020B0300000000000000" pitchFamily="34" charset="-128"/>
-              </a:endParaRPr>
-            </a:p>
-          </p:txBody>
-        </p:sp>
-        <p:pic>
-          <p:nvPicPr>
-            <p:cNvPr id="7" name="図 6"/>
-            <p:cNvPicPr>
-              <a:picLocks noChangeAspect="1"/>
-            </p:cNvPicPr>
-            <p:nvPr/>
-          </p:nvPicPr>
-          <p:blipFill>
-            <a:blip r:embed="rId3" cstate="print">
-              <a:extLst>
-                <a:ext uri="{28A0092B-C50C-407E-A947-70E740481C1C}">
-                  <a14:useLocalDpi xmlns:a14="http://schemas.microsoft.com/office/drawing/2010/main" val="0"/>
-                </a:ext>
-              </a:extLst>
-            </a:blip>
-            <a:stretch>
-              <a:fillRect/>
-            </a:stretch>
-          </p:blipFill>
-          <p:spPr>
-            <a:xfrm>
-              <a:off x="208446" y="210995"/>
-              <a:ext cx="578274" cy="465798"/>
-            </a:xfrm>
-            <a:prstGeom prst="rect">
-              <a:avLst/>
-            </a:prstGeom>
-          </p:spPr>
-        </p:pic>
-        <p:pic>
-          <p:nvPicPr>
-            <p:cNvPr id="16" name="図 15"/>
-            <p:cNvPicPr>
-              <a:picLocks noChangeAspect="1"/>
-            </p:cNvPicPr>
-            <p:nvPr/>
-          </p:nvPicPr>
-          <p:blipFill>
-            <a:blip r:embed="rId4" cstate="print">
-              <a:extLst>
-                <a:ext uri="{28A0092B-C50C-407E-A947-70E740481C1C}">
-                  <a14:useLocalDpi xmlns:a14="http://schemas.microsoft.com/office/drawing/2010/main" val="0"/>
-                </a:ext>
-              </a:extLst>
-            </a:blip>
-            <a:stretch>
-              <a:fillRect/>
-            </a:stretch>
-          </p:blipFill>
-          <p:spPr>
-            <a:xfrm>
-              <a:off x="664389" y="942147"/>
-              <a:ext cx="415048" cy="415048"/>
-            </a:xfrm>
-            <a:prstGeom prst="rect">
-              <a:avLst/>
-            </a:prstGeom>
-          </p:spPr>
-        </p:pic>
-        <p:sp>
-          <p:nvSpPr>
-            <p:cNvPr id="126" name="正方形/長方形 125"/>
-            <p:cNvSpPr/>
-            <p:nvPr/>
-          </p:nvSpPr>
-          <p:spPr>
-            <a:xfrm>
-              <a:off x="951564" y="2139262"/>
-              <a:ext cx="1609389" cy="246221"/>
-            </a:xfrm>
-            <a:prstGeom prst="rect">
-              <a:avLst/>
-            </a:prstGeom>
-          </p:spPr>
-          <p:txBody>
-            <a:bodyPr wrap="square">
-              <a:spAutoFit/>
-            </a:bodyPr>
-            <a:lstStyle/>
-            <a:p>
-              <a:r>
-                <a:rPr lang="en-US" altLang="ja-JP" sz="1000" kern="0" dirty="0" err="1">
-                  <a:latin typeface="源ノ角ゴシック JP Heavy" panose="020B0A00000000000000" pitchFamily="34" charset="-128"/>
-                  <a:ea typeface="源ノ角ゴシック JP Heavy" panose="020B0A00000000000000" pitchFamily="34" charset="-128"/>
-                </a:rPr>
-                <a:t>Ctrl+Alt+N</a:t>
-              </a:r>
-              <a:r>
-                <a:rPr lang="en-US" altLang="ja-JP" sz="1000" kern="0" dirty="0">
-                  <a:latin typeface="源ノ角ゴシック JP Heavy" panose="020B0A00000000000000" pitchFamily="34" charset="-128"/>
-                  <a:ea typeface="源ノ角ゴシック JP Heavy" panose="020B0A00000000000000" pitchFamily="34" charset="-128"/>
-                </a:rPr>
-                <a:t> : NVDA</a:t>
-              </a:r>
-              <a:r>
-                <a:rPr lang="ja-JP" altLang="en-US" sz="1000" kern="0" dirty="0">
-                  <a:latin typeface="源ノ角ゴシック JP Heavy" panose="020B0A00000000000000" pitchFamily="34" charset="-128"/>
-                  <a:ea typeface="源ノ角ゴシック JP Heavy" panose="020B0A00000000000000" pitchFamily="34" charset="-128"/>
-                </a:rPr>
-                <a:t>起動</a:t>
-              </a:r>
-              <a:endParaRPr lang="en-US" altLang="ja-JP" sz="1000" dirty="0">
+              </a:rPr>
+              <a:t> : NVDA</a:t>
+            </a:r>
+            <a:r>
+              <a:rPr lang="ja-JP" altLang="en-US" sz="1000" kern="0" dirty="0">
                 <a:latin typeface="源ノ角ゴシック JP Heavy" panose="020B0A00000000000000" pitchFamily="34" charset="-128"/>
                 <a:ea typeface="源ノ角ゴシック JP Heavy" panose="020B0A00000000000000" pitchFamily="34" charset="-128"/>
-              </a:endParaRPr>
-            </a:p>
-          </p:txBody>
-        </p:sp>
-      </p:grpSp>
+              </a:rPr>
+              <a:t>起動</a:t>
+            </a:r>
+            <a:endParaRPr lang="en-US" altLang="ja-JP" sz="1000" dirty="0">
+              <a:latin typeface="源ノ角ゴシック JP Heavy" panose="020B0A00000000000000" pitchFamily="34" charset="-128"/>
+              <a:ea typeface="源ノ角ゴシック JP Heavy" panose="020B0A00000000000000" pitchFamily="34" charset="-128"/>
+            </a:endParaRPr>
+          </a:p>
+        </p:txBody>
+      </p:sp>
       <p:sp>
         <p:nvSpPr>
           <p:cNvPr id="80" name="正方形/長方形 79"/>
@@ -5192,11 +5171,25 @@
               <a:t>Esc</a:t>
             </a:r>
             <a:r>
-              <a:rPr lang="ja-JP" altLang="en-US" sz="1000" dirty="0">
+              <a:rPr lang="ja-JP" altLang="en-US" sz="800" dirty="0">
                 <a:latin typeface="源ノ角ゴシック JP Regular" panose="020B0500000000000000" pitchFamily="34" charset="-128"/>
                 <a:ea typeface="源ノ角ゴシック JP Regular" panose="020B0500000000000000" pitchFamily="34" charset="-128"/>
               </a:rPr>
-              <a:t>（オプション）</a:t>
+              <a:t>（</a:t>
+            </a:r>
+            <a:r>
+              <a:rPr lang="en-US" altLang="ja-JP" sz="800" dirty="0">
+                <a:latin typeface="源ノ角ゴシック JP Regular" panose="020B0500000000000000" pitchFamily="34" charset="-128"/>
+                <a:ea typeface="源ノ角ゴシック JP Regular" panose="020B0500000000000000" pitchFamily="34" charset="-128"/>
+              </a:rPr>
+              <a:t>Mac</a:t>
+            </a:r>
+            <a:r>
+              <a:rPr lang="ja-JP" altLang="en-US" sz="800" dirty="0">
+                <a:latin typeface="源ノ角ゴシック JP Regular" panose="020B0500000000000000" pitchFamily="34" charset="-128"/>
+                <a:ea typeface="源ノ角ゴシック JP Regular" panose="020B0500000000000000" pitchFamily="34" charset="-128"/>
+              </a:rPr>
+              <a:t>キーボード用オプション）</a:t>
             </a:r>
             <a:endParaRPr lang="en-US" altLang="ja-JP" sz="1000" dirty="0">
               <a:latin typeface="源ノ角ゴシック JP Regular" panose="020B0500000000000000" pitchFamily="34" charset="-128"/>
@@ -9168,7 +9161,7 @@
                 <a:latin typeface="源ノ角ゴシック JP Regular" panose="020B0500000000000000" pitchFamily="34" charset="-128"/>
                 <a:ea typeface="源ノ角ゴシック JP Regular" panose="020B0500000000000000" pitchFamily="34" charset="-128"/>
               </a:rPr>
-              <a:t>Internet Explorer / Edge</a:t>
+              <a:t>Chrome / Edge / Firefox</a:t>
             </a:r>
           </a:p>
           <a:p>
@@ -9178,7 +9171,7 @@
                 <a:latin typeface="源ノ角ゴシック JP Regular" panose="020B0500000000000000" pitchFamily="34" charset="-128"/>
                 <a:ea typeface="源ノ角ゴシック JP Regular" panose="020B0500000000000000" pitchFamily="34" charset="-128"/>
               </a:rPr>
-              <a:t>Firefox / Chrome</a:t>
+              <a:t>Internet Explorer</a:t>
             </a:r>
           </a:p>
           <a:p>
@@ -10838,7 +10831,28 @@
                 <a:latin typeface="源ノ角ゴシック JP Heavy" panose="020B0A00000000000000" pitchFamily="34" charset="-128"/>
                 <a:ea typeface="源ノ角ゴシック JP Heavy" panose="020B0A00000000000000" pitchFamily="34" charset="-128"/>
               </a:rPr>
-              <a:t>リンク</a:t>
+              <a:t>リンク </a:t>
+            </a:r>
+            <a:r>
+              <a:rPr lang="ja-JP" altLang="en-US" sz="700" kern="0" dirty="0">
+                <a:latin typeface="源ノ角ゴシック JP Heavy" panose="020B0A00000000000000" pitchFamily="34" charset="-128"/>
+                <a:ea typeface="源ノ角ゴシック JP Heavy" panose="020B0A00000000000000" pitchFamily="34" charset="-128"/>
+              </a:rPr>
+              <a:t>（報告 </a:t>
+            </a:r>
+            <a:r>
+              <a:rPr lang="en-US" altLang="ja-JP" sz="700" kern="0" dirty="0">
+                <a:latin typeface="源ノ角ゴシック JP Heavy" panose="020B0A00000000000000" pitchFamily="34" charset="-128"/>
+                <a:ea typeface="源ノ角ゴシック JP Heavy" panose="020B0A00000000000000" pitchFamily="34" charset="-128"/>
+              </a:rPr>
+              <a:t>NVDA+K</a:t>
+            </a:r>
+            <a:r>
+              <a:rPr lang="ja-JP" altLang="en-US" sz="700" kern="0" dirty="0">
+                <a:latin typeface="源ノ角ゴシック JP Heavy" panose="020B0A00000000000000" pitchFamily="34" charset="-128"/>
+                <a:ea typeface="源ノ角ゴシック JP Heavy" panose="020B0A00000000000000" pitchFamily="34" charset="-128"/>
+              </a:rPr>
+              <a:t>）</a:t>
             </a:r>
             <a:endParaRPr lang="en-US" altLang="ja-JP" sz="900" kern="0" dirty="0">
               <a:latin typeface="源ノ角ゴシック JP Heavy" panose="020B0A00000000000000" pitchFamily="34" charset="-128"/>
@@ -16005,6 +16019,12 @@
           </a:p>
           <a:p>
             <a:pPr algn="l"/>
+            <a:br>
+              <a:rPr lang="en-US" altLang="ja-JP" sz="900" kern="0" dirty="0">
+                <a:latin typeface="源ノ角ゴシック JP Heavy" panose="020B0A00000000000000" pitchFamily="34" charset="-128"/>
+                <a:ea typeface="源ノ角ゴシック JP Heavy" panose="020B0A00000000000000" pitchFamily="34" charset="-128"/>
+              </a:rPr>
+            </a:br>
             <a:endParaRPr lang="en-US" altLang="ja-JP" sz="900" dirty="0">
               <a:latin typeface="源ノ角ゴシック JP Heavy" panose="020B0A00000000000000" pitchFamily="34" charset="-128"/>
               <a:ea typeface="源ノ角ゴシック JP Heavy" panose="020B0A00000000000000" pitchFamily="34" charset="-128"/>
@@ -16223,6 +16243,27 @@
                 <a:ea typeface="源ノ角ゴシック JP Heavy" panose="020B0A00000000000000" pitchFamily="34" charset="-128"/>
               </a:rPr>
               <a:t>■ 声や音を止める</a:t>
+            </a:r>
+            <a:endParaRPr lang="en-US" altLang="ja-JP" sz="900" kern="0" dirty="0">
+              <a:latin typeface="源ノ角ゴシック JP Heavy" panose="020B0A00000000000000" pitchFamily="34" charset="-128"/>
+              <a:ea typeface="源ノ角ゴシック JP Heavy" panose="020B0A00000000000000" pitchFamily="34" charset="-128"/>
+            </a:endParaRPr>
+          </a:p>
+          <a:p>
+            <a:pPr algn="r"/>
+            <a:r>
+              <a:rPr lang="en-US" altLang="ja-JP" sz="900" kern="0" dirty="0">
+                <a:latin typeface="源ノ角ゴシック JP Heavy" panose="020B0A00000000000000" pitchFamily="34" charset="-128"/>
+                <a:ea typeface="源ノ角ゴシック JP Heavy" panose="020B0A00000000000000" pitchFamily="34" charset="-128"/>
+              </a:rPr>
+              <a:t>NVDA+S : </a:t>
+            </a:r>
+            <a:r>
+              <a:rPr lang="ja-JP" altLang="en-US" sz="900" kern="0" dirty="0">
+                <a:latin typeface="源ノ角ゴシック JP Heavy" panose="020B0A00000000000000" pitchFamily="34" charset="-128"/>
+                <a:ea typeface="源ノ角ゴシック JP Heavy" panose="020B0A00000000000000" pitchFamily="34" charset="-128"/>
+              </a:rPr>
+              <a:t>読み上げモード</a:t>
             </a:r>
             <a:endParaRPr lang="en-US" altLang="ja-JP" sz="900" kern="0" dirty="0">
               <a:latin typeface="源ノ角ゴシック JP Heavy" panose="020B0A00000000000000" pitchFamily="34" charset="-128"/>

--- a/nvdacheat.pptx
+++ b/nvdacheat.pptx
@@ -4404,7 +4404,7 @@
         </p:nvSpPr>
         <p:spPr bwMode="auto">
           <a:xfrm>
-            <a:off x="510432" y="168094"/>
+            <a:off x="510432" y="172783"/>
             <a:ext cx="2043855" cy="1595336"/>
           </a:xfrm>
           <a:prstGeom prst="rect">
@@ -4939,8 +4939,8 @@
         </p:nvSpPr>
         <p:spPr>
           <a:xfrm>
-            <a:off x="951564" y="2139262"/>
-            <a:ext cx="1609389" cy="246221"/>
+            <a:off x="973306" y="2139262"/>
+            <a:ext cx="1587647" cy="246221"/>
           </a:xfrm>
           <a:prstGeom prst="rect">
             <a:avLst/>
@@ -7737,797 +7737,793 @@
           </a:p>
         </p:txBody>
       </p:sp>
-      <p:grpSp>
-        <p:nvGrpSpPr>
-          <p:cNvPr id="4" name="グループ化 3" descr="「キー入力」から上に青い矢印で「ブラウザ」「コンテンツ」&#10;「キー入力」から下に赤い矢印で「NVDA」さらに白黒の縞模様の矢印で「ブラウザ」「コンテンツ」">
-            <a:extLst>
-              <a:ext uri="{FF2B5EF4-FFF2-40B4-BE49-F238E27FC236}">
-                <a16:creationId xmlns:a16="http://schemas.microsoft.com/office/drawing/2014/main" id="{E8D0AAA3-5D59-4E0D-83A6-283DADA3B0E1}"/>
-              </a:ext>
-            </a:extLst>
-          </p:cNvPr>
-          <p:cNvGrpSpPr/>
+      <p:sp>
+        <p:nvSpPr>
+          <p:cNvPr id="37" name="角丸四角形 36"/>
+          <p:cNvSpPr/>
           <p:nvPr/>
-        </p:nvGrpSpPr>
-        <p:grpSpPr>
+        </p:nvSpPr>
+        <p:spPr>
           <a:xfrm>
-            <a:off x="305516" y="2574498"/>
-            <a:ext cx="1488712" cy="4635354"/>
-            <a:chOff x="305516" y="2574498"/>
-            <a:chExt cx="1488712" cy="4635354"/>
+            <a:off x="407536" y="2574498"/>
+            <a:ext cx="1309596" cy="385745"/>
           </a:xfrm>
-        </p:grpSpPr>
-        <p:sp>
-          <p:nvSpPr>
-            <p:cNvPr id="37" name="角丸四角形 36"/>
-            <p:cNvSpPr/>
-            <p:nvPr/>
-          </p:nvSpPr>
-          <p:spPr>
-            <a:xfrm>
-              <a:off x="407536" y="2574498"/>
-              <a:ext cx="1309596" cy="385745"/>
-            </a:xfrm>
-            <a:prstGeom prst="roundRect">
-              <a:avLst/>
-            </a:prstGeom>
-            <a:solidFill>
-              <a:schemeClr val="bg1">
-                <a:lumMod val="95000"/>
-              </a:schemeClr>
-            </a:solidFill>
-          </p:spPr>
-          <p:style>
-            <a:lnRef idx="2">
-              <a:schemeClr val="accent1">
-                <a:shade val="50000"/>
-              </a:schemeClr>
-            </a:lnRef>
-            <a:fillRef idx="1">
-              <a:schemeClr val="accent1"/>
-            </a:fillRef>
-            <a:effectRef idx="0">
-              <a:schemeClr val="accent1"/>
-            </a:effectRef>
-            <a:fontRef idx="minor">
-              <a:schemeClr val="lt1"/>
-            </a:fontRef>
-          </p:style>
-          <p:txBody>
-            <a:bodyPr rtlCol="0" anchor="ctr"/>
-            <a:lstStyle/>
-            <a:p>
-              <a:pPr algn="ctr"/>
-              <a:r>
-                <a:rPr kumimoji="1" lang="ja-JP" altLang="en-US" sz="1400" dirty="0">
-                  <a:solidFill>
-                    <a:schemeClr val="tx1"/>
-                  </a:solidFill>
-                  <a:latin typeface="源ノ角ゴシック JP Regular" panose="020B0500000000000000" pitchFamily="34" charset="-128"/>
-                  <a:ea typeface="源ノ角ゴシック JP Regular" panose="020B0500000000000000" pitchFamily="34" charset="-128"/>
-                </a:rPr>
-                <a:t>コンテンツ</a:t>
-              </a:r>
-              <a:endParaRPr kumimoji="1" lang="ja-JP" altLang="en-US" sz="900" dirty="0">
+          <a:prstGeom prst="roundRect">
+            <a:avLst/>
+          </a:prstGeom>
+          <a:solidFill>
+            <a:schemeClr val="bg1">
+              <a:lumMod val="95000"/>
+            </a:schemeClr>
+          </a:solidFill>
+        </p:spPr>
+        <p:style>
+          <a:lnRef idx="2">
+            <a:schemeClr val="accent1">
+              <a:shade val="50000"/>
+            </a:schemeClr>
+          </a:lnRef>
+          <a:fillRef idx="1">
+            <a:schemeClr val="accent1"/>
+          </a:fillRef>
+          <a:effectRef idx="0">
+            <a:schemeClr val="accent1"/>
+          </a:effectRef>
+          <a:fontRef idx="minor">
+            <a:schemeClr val="lt1"/>
+          </a:fontRef>
+        </p:style>
+        <p:txBody>
+          <a:bodyPr rtlCol="0" anchor="ctr"/>
+          <a:lstStyle/>
+          <a:p>
+            <a:pPr algn="ctr"/>
+            <a:r>
+              <a:rPr kumimoji="1" lang="ja-JP" altLang="en-US" sz="1400" dirty="0">
                 <a:solidFill>
                   <a:schemeClr val="tx1"/>
                 </a:solidFill>
                 <a:latin typeface="源ノ角ゴシック JP Regular" panose="020B0500000000000000" pitchFamily="34" charset="-128"/>
                 <a:ea typeface="源ノ角ゴシック JP Regular" panose="020B0500000000000000" pitchFamily="34" charset="-128"/>
-              </a:endParaRPr>
-            </a:p>
-          </p:txBody>
-        </p:sp>
-        <p:sp>
-          <p:nvSpPr>
-            <p:cNvPr id="38" name="角丸四角形 37"/>
-            <p:cNvSpPr/>
-            <p:nvPr/>
-          </p:nvSpPr>
-          <p:spPr>
-            <a:xfrm>
-              <a:off x="398012" y="3421643"/>
-              <a:ext cx="1309596" cy="342900"/>
-            </a:xfrm>
-            <a:prstGeom prst="roundRect">
-              <a:avLst/>
-            </a:prstGeom>
+              </a:rPr>
+              <a:t>コンテンツ</a:t>
+            </a:r>
+            <a:endParaRPr kumimoji="1" lang="ja-JP" altLang="en-US" sz="900" dirty="0">
+              <a:solidFill>
+                <a:schemeClr val="tx1"/>
+              </a:solidFill>
+              <a:latin typeface="源ノ角ゴシック JP Regular" panose="020B0500000000000000" pitchFamily="34" charset="-128"/>
+              <a:ea typeface="源ノ角ゴシック JP Regular" panose="020B0500000000000000" pitchFamily="34" charset="-128"/>
+            </a:endParaRPr>
+          </a:p>
+        </p:txBody>
+      </p:sp>
+      <p:sp>
+        <p:nvSpPr>
+          <p:cNvPr id="43" name="右矢印 42"/>
+          <p:cNvSpPr/>
+          <p:nvPr/>
+        </p:nvSpPr>
+        <p:spPr>
+          <a:xfrm rot="16200000">
+            <a:off x="888879" y="3037179"/>
+            <a:ext cx="320652" cy="300130"/>
+          </a:xfrm>
+          <a:prstGeom prst="rightArrow">
+            <a:avLst>
+              <a:gd name="adj1" fmla="val 27358"/>
+              <a:gd name="adj2" fmla="val 72642"/>
+            </a:avLst>
+          </a:prstGeom>
+          <a:noFill/>
+          <a:ln w="28575">
             <a:solidFill>
-              <a:schemeClr val="bg1">
-                <a:lumMod val="95000"/>
-              </a:schemeClr>
+              <a:srgbClr val="0070C0"/>
             </a:solidFill>
-          </p:spPr>
-          <p:style>
-            <a:lnRef idx="2">
-              <a:schemeClr val="accent1">
-                <a:shade val="50000"/>
-              </a:schemeClr>
-            </a:lnRef>
-            <a:fillRef idx="1">
-              <a:schemeClr val="accent1"/>
-            </a:fillRef>
-            <a:effectRef idx="0">
-              <a:schemeClr val="accent1"/>
-            </a:effectRef>
-            <a:fontRef idx="minor">
-              <a:schemeClr val="lt1"/>
-            </a:fontRef>
-          </p:style>
-          <p:txBody>
-            <a:bodyPr rtlCol="0" anchor="ctr"/>
-            <a:lstStyle/>
-            <a:p>
-              <a:pPr algn="ctr"/>
-              <a:r>
-                <a:rPr lang="ja-JP" altLang="en-US" sz="1400" dirty="0">
-                  <a:solidFill>
-                    <a:schemeClr val="tx1"/>
-                  </a:solidFill>
-                  <a:latin typeface="源ノ角ゴシック JP Regular" panose="020B0500000000000000" pitchFamily="34" charset="-128"/>
-                  <a:ea typeface="源ノ角ゴシック JP Regular" panose="020B0500000000000000" pitchFamily="34" charset="-128"/>
-                </a:rPr>
-                <a:t>ブラウザ</a:t>
-              </a:r>
-              <a:endParaRPr kumimoji="1" lang="ja-JP" altLang="en-US" sz="900" dirty="0">
+            <a:prstDash val="solid"/>
+          </a:ln>
+        </p:spPr>
+        <p:style>
+          <a:lnRef idx="2">
+            <a:schemeClr val="accent1">
+              <a:shade val="50000"/>
+            </a:schemeClr>
+          </a:lnRef>
+          <a:fillRef idx="1">
+            <a:schemeClr val="accent1"/>
+          </a:fillRef>
+          <a:effectRef idx="0">
+            <a:schemeClr val="accent1"/>
+          </a:effectRef>
+          <a:fontRef idx="minor">
+            <a:schemeClr val="lt1"/>
+          </a:fontRef>
+        </p:style>
+        <p:txBody>
+          <a:bodyPr rtlCol="0" anchor="ctr"/>
+          <a:lstStyle/>
+          <a:p>
+            <a:endParaRPr lang="ja-JP" altLang="en-US" sz="1050">
+              <a:latin typeface="源ノ角ゴシック JP Regular" panose="020B0500000000000000" pitchFamily="34" charset="-128"/>
+              <a:ea typeface="源ノ角ゴシック JP Regular" panose="020B0500000000000000" pitchFamily="34" charset="-128"/>
+            </a:endParaRPr>
+          </a:p>
+        </p:txBody>
+      </p:sp>
+      <p:sp>
+        <p:nvSpPr>
+          <p:cNvPr id="38" name="角丸四角形 37"/>
+          <p:cNvSpPr/>
+          <p:nvPr/>
+        </p:nvSpPr>
+        <p:spPr>
+          <a:xfrm>
+            <a:off x="398012" y="3421643"/>
+            <a:ext cx="1309596" cy="342900"/>
+          </a:xfrm>
+          <a:prstGeom prst="roundRect">
+            <a:avLst/>
+          </a:prstGeom>
+          <a:solidFill>
+            <a:schemeClr val="bg1">
+              <a:lumMod val="95000"/>
+            </a:schemeClr>
+          </a:solidFill>
+        </p:spPr>
+        <p:style>
+          <a:lnRef idx="2">
+            <a:schemeClr val="accent1">
+              <a:shade val="50000"/>
+            </a:schemeClr>
+          </a:lnRef>
+          <a:fillRef idx="1">
+            <a:schemeClr val="accent1"/>
+          </a:fillRef>
+          <a:effectRef idx="0">
+            <a:schemeClr val="accent1"/>
+          </a:effectRef>
+          <a:fontRef idx="minor">
+            <a:schemeClr val="lt1"/>
+          </a:fontRef>
+        </p:style>
+        <p:txBody>
+          <a:bodyPr rtlCol="0" anchor="ctr"/>
+          <a:lstStyle/>
+          <a:p>
+            <a:pPr algn="ctr"/>
+            <a:r>
+              <a:rPr lang="ja-JP" altLang="en-US" sz="1400" dirty="0">
                 <a:solidFill>
                   <a:schemeClr val="tx1"/>
                 </a:solidFill>
                 <a:latin typeface="源ノ角ゴシック JP Regular" panose="020B0500000000000000" pitchFamily="34" charset="-128"/>
                 <a:ea typeface="源ノ角ゴシック JP Regular" panose="020B0500000000000000" pitchFamily="34" charset="-128"/>
-              </a:endParaRPr>
-            </a:p>
-          </p:txBody>
-        </p:sp>
-        <p:sp>
-          <p:nvSpPr>
-            <p:cNvPr id="43" name="右矢印 42"/>
-            <p:cNvSpPr/>
-            <p:nvPr/>
-          </p:nvSpPr>
-          <p:spPr>
-            <a:xfrm rot="16200000">
-              <a:off x="888879" y="3037179"/>
-              <a:ext cx="320652" cy="300130"/>
-            </a:xfrm>
-            <a:prstGeom prst="rightArrow">
-              <a:avLst>
-                <a:gd name="adj1" fmla="val 27358"/>
-                <a:gd name="adj2" fmla="val 72642"/>
-              </a:avLst>
-            </a:prstGeom>
-            <a:noFill/>
-            <a:ln w="28575">
+              </a:rPr>
+              <a:t>ブラウザ</a:t>
+            </a:r>
+            <a:endParaRPr kumimoji="1" lang="ja-JP" altLang="en-US" sz="900" dirty="0">
               <a:solidFill>
-                <a:srgbClr val="0070C0"/>
+                <a:schemeClr val="tx1"/>
               </a:solidFill>
-              <a:prstDash val="solid"/>
-            </a:ln>
-          </p:spPr>
-          <p:style>
-            <a:lnRef idx="2">
-              <a:schemeClr val="accent1">
-                <a:shade val="50000"/>
-              </a:schemeClr>
-            </a:lnRef>
-            <a:fillRef idx="1">
-              <a:schemeClr val="accent1"/>
-            </a:fillRef>
-            <a:effectRef idx="0">
-              <a:schemeClr val="accent1"/>
-            </a:effectRef>
-            <a:fontRef idx="minor">
-              <a:schemeClr val="lt1"/>
-            </a:fontRef>
-          </p:style>
-          <p:txBody>
-            <a:bodyPr rtlCol="0" anchor="ctr"/>
-            <a:lstStyle/>
-            <a:p>
-              <a:endParaRPr lang="ja-JP" altLang="en-US" sz="1050">
+              <a:latin typeface="源ノ角ゴシック JP Regular" panose="020B0500000000000000" pitchFamily="34" charset="-128"/>
+              <a:ea typeface="源ノ角ゴシック JP Regular" panose="020B0500000000000000" pitchFamily="34" charset="-128"/>
+            </a:endParaRPr>
+          </a:p>
+        </p:txBody>
+      </p:sp>
+      <p:sp>
+        <p:nvSpPr>
+          <p:cNvPr id="109" name="右矢印 108"/>
+          <p:cNvSpPr/>
+          <p:nvPr/>
+        </p:nvSpPr>
+        <p:spPr>
+          <a:xfrm rot="16200000">
+            <a:off x="888879" y="3838167"/>
+            <a:ext cx="320652" cy="300130"/>
+          </a:xfrm>
+          <a:prstGeom prst="rightArrow">
+            <a:avLst>
+              <a:gd name="adj1" fmla="val 27358"/>
+              <a:gd name="adj2" fmla="val 72642"/>
+            </a:avLst>
+          </a:prstGeom>
+          <a:noFill/>
+          <a:ln w="28575">
+            <a:solidFill>
+              <a:srgbClr val="0070C0"/>
+            </a:solidFill>
+            <a:prstDash val="solid"/>
+          </a:ln>
+        </p:spPr>
+        <p:style>
+          <a:lnRef idx="2">
+            <a:schemeClr val="accent1">
+              <a:shade val="50000"/>
+            </a:schemeClr>
+          </a:lnRef>
+          <a:fillRef idx="1">
+            <a:schemeClr val="accent1"/>
+          </a:fillRef>
+          <a:effectRef idx="0">
+            <a:schemeClr val="accent1"/>
+          </a:effectRef>
+          <a:fontRef idx="minor">
+            <a:schemeClr val="lt1"/>
+          </a:fontRef>
+        </p:style>
+        <p:txBody>
+          <a:bodyPr rtlCol="0" anchor="ctr"/>
+          <a:lstStyle/>
+          <a:p>
+            <a:endParaRPr lang="ja-JP" altLang="en-US" sz="1050">
+              <a:latin typeface="源ノ角ゴシック JP Regular" panose="020B0500000000000000" pitchFamily="34" charset="-128"/>
+              <a:ea typeface="源ノ角ゴシック JP Regular" panose="020B0500000000000000" pitchFamily="34" charset="-128"/>
+            </a:endParaRPr>
+          </a:p>
+        </p:txBody>
+      </p:sp>
+      <p:sp>
+        <p:nvSpPr>
+          <p:cNvPr id="63" name="額縁 62"/>
+          <p:cNvSpPr/>
+          <p:nvPr/>
+        </p:nvSpPr>
+        <p:spPr>
+          <a:xfrm>
+            <a:off x="305516" y="4255873"/>
+            <a:ext cx="352071" cy="357977"/>
+          </a:xfrm>
+          <a:prstGeom prst="bevel">
+            <a:avLst/>
+          </a:prstGeom>
+          <a:ln w="9525"/>
+        </p:spPr>
+        <p:style>
+          <a:lnRef idx="2">
+            <a:schemeClr val="dk1"/>
+          </a:lnRef>
+          <a:fillRef idx="1">
+            <a:schemeClr val="lt1"/>
+          </a:fillRef>
+          <a:effectRef idx="0">
+            <a:schemeClr val="dk1"/>
+          </a:effectRef>
+          <a:fontRef idx="minor">
+            <a:schemeClr val="dk1"/>
+          </a:fontRef>
+        </p:style>
+        <p:txBody>
+          <a:bodyPr rtlCol="0" anchor="ctr"/>
+          <a:lstStyle/>
+          <a:p>
+            <a:pPr algn="ctr"/>
+            <a:r>
+              <a:rPr kumimoji="1" lang="ja-JP" altLang="en-US" sz="1000" dirty="0">
                 <a:latin typeface="源ノ角ゴシック JP Regular" panose="020B0500000000000000" pitchFamily="34" charset="-128"/>
                 <a:ea typeface="源ノ角ゴシック JP Regular" panose="020B0500000000000000" pitchFamily="34" charset="-128"/>
-              </a:endParaRPr>
-            </a:p>
-          </p:txBody>
-        </p:sp>
-        <p:sp>
-          <p:nvSpPr>
-            <p:cNvPr id="58" name="角丸四角形 57"/>
-            <p:cNvSpPr/>
-            <p:nvPr/>
-          </p:nvSpPr>
-          <p:spPr>
-            <a:xfrm>
-              <a:off x="388486" y="6823193"/>
-              <a:ext cx="1324384" cy="386659"/>
-            </a:xfrm>
-            <a:prstGeom prst="roundRect">
-              <a:avLst/>
-            </a:prstGeom>
-            <a:solidFill>
-              <a:schemeClr val="bg1">
-                <a:lumMod val="95000"/>
-              </a:schemeClr>
-            </a:solidFill>
-          </p:spPr>
-          <p:style>
-            <a:lnRef idx="2">
-              <a:schemeClr val="accent1">
-                <a:shade val="50000"/>
-              </a:schemeClr>
-            </a:lnRef>
-            <a:fillRef idx="1">
-              <a:schemeClr val="accent1"/>
-            </a:fillRef>
-            <a:effectRef idx="0">
-              <a:schemeClr val="accent1"/>
-            </a:effectRef>
-            <a:fontRef idx="minor">
-              <a:schemeClr val="lt1"/>
-            </a:fontRef>
-          </p:style>
-          <p:txBody>
-            <a:bodyPr rtlCol="0" anchor="ctr"/>
-            <a:lstStyle/>
-            <a:p>
-              <a:pPr algn="ctr"/>
-              <a:r>
-                <a:rPr kumimoji="1" lang="ja-JP" altLang="en-US" sz="1400" dirty="0">
-                  <a:solidFill>
-                    <a:schemeClr val="tx1"/>
-                  </a:solidFill>
-                  <a:latin typeface="源ノ角ゴシック JP Regular" panose="020B0500000000000000" pitchFamily="34" charset="-128"/>
-                  <a:ea typeface="源ノ角ゴシック JP Regular" panose="020B0500000000000000" pitchFamily="34" charset="-128"/>
-                </a:rPr>
-                <a:t>コンテンツ</a:t>
-              </a:r>
-              <a:endParaRPr kumimoji="1" lang="ja-JP" altLang="en-US" sz="900" dirty="0">
-                <a:solidFill>
-                  <a:schemeClr val="tx1"/>
-                </a:solidFill>
+              </a:rPr>
+              <a:t>キ</a:t>
+            </a:r>
+          </a:p>
+        </p:txBody>
+      </p:sp>
+      <p:sp>
+        <p:nvSpPr>
+          <p:cNvPr id="64" name="額縁 63"/>
+          <p:cNvSpPr/>
+          <p:nvPr/>
+        </p:nvSpPr>
+        <p:spPr>
+          <a:xfrm>
+            <a:off x="684396" y="4255873"/>
+            <a:ext cx="352071" cy="357977"/>
+          </a:xfrm>
+          <a:prstGeom prst="bevel">
+            <a:avLst/>
+          </a:prstGeom>
+          <a:ln w="9525"/>
+        </p:spPr>
+        <p:style>
+          <a:lnRef idx="2">
+            <a:schemeClr val="dk1"/>
+          </a:lnRef>
+          <a:fillRef idx="1">
+            <a:schemeClr val="lt1"/>
+          </a:fillRef>
+          <a:effectRef idx="0">
+            <a:schemeClr val="dk1"/>
+          </a:effectRef>
+          <a:fontRef idx="minor">
+            <a:schemeClr val="dk1"/>
+          </a:fontRef>
+        </p:style>
+        <p:txBody>
+          <a:bodyPr rtlCol="0" anchor="ctr"/>
+          <a:lstStyle/>
+          <a:p>
+            <a:pPr algn="ctr"/>
+            <a:r>
+              <a:rPr kumimoji="1" lang="ja-JP" altLang="en-US" sz="1000" dirty="0" err="1">
                 <a:latin typeface="源ノ角ゴシック JP Regular" panose="020B0500000000000000" pitchFamily="34" charset="-128"/>
                 <a:ea typeface="源ノ角ゴシック JP Regular" panose="020B0500000000000000" pitchFamily="34" charset="-128"/>
-              </a:endParaRPr>
-            </a:p>
-          </p:txBody>
-        </p:sp>
-        <p:sp>
-          <p:nvSpPr>
-            <p:cNvPr id="59" name="角丸四角形 58"/>
-            <p:cNvSpPr/>
-            <p:nvPr/>
-          </p:nvSpPr>
-          <p:spPr>
-            <a:xfrm>
-              <a:off x="388487" y="5929717"/>
-              <a:ext cx="1319519" cy="391433"/>
-            </a:xfrm>
-            <a:prstGeom prst="roundRect">
-              <a:avLst/>
-            </a:prstGeom>
-            <a:solidFill>
-              <a:schemeClr val="bg1">
-                <a:lumMod val="95000"/>
-              </a:schemeClr>
-            </a:solidFill>
-          </p:spPr>
-          <p:style>
-            <a:lnRef idx="2">
-              <a:schemeClr val="accent1">
-                <a:shade val="50000"/>
-              </a:schemeClr>
-            </a:lnRef>
-            <a:fillRef idx="1">
-              <a:schemeClr val="accent1"/>
-            </a:fillRef>
-            <a:effectRef idx="0">
-              <a:schemeClr val="accent1"/>
-            </a:effectRef>
-            <a:fontRef idx="minor">
-              <a:schemeClr val="lt1"/>
-            </a:fontRef>
-          </p:style>
-          <p:txBody>
-            <a:bodyPr rtlCol="0" anchor="ctr"/>
-            <a:lstStyle/>
-            <a:p>
-              <a:pPr algn="ctr"/>
-              <a:r>
-                <a:rPr lang="ja-JP" altLang="en-US" sz="1400" dirty="0">
-                  <a:solidFill>
-                    <a:schemeClr val="tx1"/>
-                  </a:solidFill>
-                  <a:latin typeface="源ノ角ゴシック JP Regular" panose="020B0500000000000000" pitchFamily="34" charset="-128"/>
-                  <a:ea typeface="源ノ角ゴシック JP Regular" panose="020B0500000000000000" pitchFamily="34" charset="-128"/>
-                </a:rPr>
-                <a:t>ブラウザ</a:t>
-              </a:r>
-              <a:endParaRPr kumimoji="1" lang="ja-JP" altLang="en-US" sz="900" dirty="0">
-                <a:solidFill>
-                  <a:schemeClr val="tx1"/>
-                </a:solidFill>
+              </a:rPr>
+              <a:t>ー</a:t>
+            </a:r>
+            <a:endParaRPr kumimoji="1" lang="ja-JP" altLang="en-US" sz="1000" dirty="0">
+              <a:latin typeface="源ノ角ゴシック JP Regular" panose="020B0500000000000000" pitchFamily="34" charset="-128"/>
+              <a:ea typeface="源ノ角ゴシック JP Regular" panose="020B0500000000000000" pitchFamily="34" charset="-128"/>
+            </a:endParaRPr>
+          </a:p>
+        </p:txBody>
+      </p:sp>
+      <p:sp>
+        <p:nvSpPr>
+          <p:cNvPr id="65" name="額縁 64"/>
+          <p:cNvSpPr/>
+          <p:nvPr/>
+        </p:nvSpPr>
+        <p:spPr>
+          <a:xfrm>
+            <a:off x="1063277" y="4255873"/>
+            <a:ext cx="352071" cy="357977"/>
+          </a:xfrm>
+          <a:prstGeom prst="bevel">
+            <a:avLst/>
+          </a:prstGeom>
+          <a:ln w="9525"/>
+        </p:spPr>
+        <p:style>
+          <a:lnRef idx="2">
+            <a:schemeClr val="dk1"/>
+          </a:lnRef>
+          <a:fillRef idx="1">
+            <a:schemeClr val="lt1"/>
+          </a:fillRef>
+          <a:effectRef idx="0">
+            <a:schemeClr val="dk1"/>
+          </a:effectRef>
+          <a:fontRef idx="minor">
+            <a:schemeClr val="dk1"/>
+          </a:fontRef>
+        </p:style>
+        <p:txBody>
+          <a:bodyPr rtlCol="0" anchor="ctr"/>
+          <a:lstStyle/>
+          <a:p>
+            <a:pPr algn="ctr"/>
+            <a:r>
+              <a:rPr kumimoji="1" lang="ja-JP" altLang="en-US" sz="1000" dirty="0">
                 <a:latin typeface="源ノ角ゴシック JP Regular" panose="020B0500000000000000" pitchFamily="34" charset="-128"/>
                 <a:ea typeface="源ノ角ゴシック JP Regular" panose="020B0500000000000000" pitchFamily="34" charset="-128"/>
-              </a:endParaRPr>
-            </a:p>
-          </p:txBody>
-        </p:sp>
-        <p:grpSp>
-          <p:nvGrpSpPr>
-            <p:cNvPr id="62" name="グループ化 61"/>
-            <p:cNvGrpSpPr/>
-            <p:nvPr/>
-          </p:nvGrpSpPr>
-          <p:grpSpPr>
-            <a:xfrm>
-              <a:off x="305516" y="4255873"/>
-              <a:ext cx="1488712" cy="357977"/>
-              <a:chOff x="-6166568" y="-5284886"/>
-              <a:chExt cx="2801233" cy="691770"/>
-            </a:xfrm>
-          </p:grpSpPr>
-          <p:sp>
-            <p:nvSpPr>
-              <p:cNvPr id="63" name="額縁 62"/>
-              <p:cNvSpPr/>
-              <p:nvPr/>
-            </p:nvSpPr>
-            <p:spPr>
-              <a:xfrm>
-                <a:off x="-6166568" y="-5284886"/>
-                <a:ext cx="662473" cy="691770"/>
-              </a:xfrm>
-              <a:prstGeom prst="bevel">
-                <a:avLst/>
-              </a:prstGeom>
-              <a:ln w="9525"/>
-            </p:spPr>
-            <p:style>
-              <a:lnRef idx="2">
-                <a:schemeClr val="dk1"/>
-              </a:lnRef>
-              <a:fillRef idx="1">
-                <a:schemeClr val="lt1"/>
-              </a:fillRef>
-              <a:effectRef idx="0">
-                <a:schemeClr val="dk1"/>
-              </a:effectRef>
-              <a:fontRef idx="minor">
-                <a:schemeClr val="dk1"/>
-              </a:fontRef>
-            </p:style>
-            <p:txBody>
-              <a:bodyPr rtlCol="0" anchor="ctr"/>
-              <a:lstStyle/>
-              <a:p>
-                <a:pPr algn="ctr"/>
-                <a:r>
-                  <a:rPr kumimoji="1" lang="ja-JP" altLang="en-US" sz="1000" dirty="0">
-                    <a:latin typeface="源ノ角ゴシック JP Regular" panose="020B0500000000000000" pitchFamily="34" charset="-128"/>
-                    <a:ea typeface="源ノ角ゴシック JP Regular" panose="020B0500000000000000" pitchFamily="34" charset="-128"/>
-                  </a:rPr>
-                  <a:t>キ</a:t>
-                </a:r>
-              </a:p>
-            </p:txBody>
-          </p:sp>
-          <p:sp>
-            <p:nvSpPr>
-              <p:cNvPr id="64" name="額縁 63"/>
-              <p:cNvSpPr/>
-              <p:nvPr/>
-            </p:nvSpPr>
-            <p:spPr>
-              <a:xfrm>
-                <a:off x="-5453648" y="-5284886"/>
-                <a:ext cx="662473" cy="691770"/>
-              </a:xfrm>
-              <a:prstGeom prst="bevel">
-                <a:avLst/>
-              </a:prstGeom>
-              <a:ln w="9525"/>
-            </p:spPr>
-            <p:style>
-              <a:lnRef idx="2">
-                <a:schemeClr val="dk1"/>
-              </a:lnRef>
-              <a:fillRef idx="1">
-                <a:schemeClr val="lt1"/>
-              </a:fillRef>
-              <a:effectRef idx="0">
-                <a:schemeClr val="dk1"/>
-              </a:effectRef>
-              <a:fontRef idx="minor">
-                <a:schemeClr val="dk1"/>
-              </a:fontRef>
-            </p:style>
-            <p:txBody>
-              <a:bodyPr rtlCol="0" anchor="ctr"/>
-              <a:lstStyle/>
-              <a:p>
-                <a:pPr algn="ctr"/>
-                <a:r>
-                  <a:rPr kumimoji="1" lang="ja-JP" altLang="en-US" sz="1000" dirty="0" err="1">
-                    <a:latin typeface="源ノ角ゴシック JP Regular" panose="020B0500000000000000" pitchFamily="34" charset="-128"/>
-                    <a:ea typeface="源ノ角ゴシック JP Regular" panose="020B0500000000000000" pitchFamily="34" charset="-128"/>
-                  </a:rPr>
-                  <a:t>ー</a:t>
-                </a:r>
-                <a:endParaRPr kumimoji="1" lang="ja-JP" altLang="en-US" sz="1000" dirty="0">
-                  <a:latin typeface="源ノ角ゴシック JP Regular" panose="020B0500000000000000" pitchFamily="34" charset="-128"/>
-                  <a:ea typeface="源ノ角ゴシック JP Regular" panose="020B0500000000000000" pitchFamily="34" charset="-128"/>
-                </a:endParaRPr>
-              </a:p>
-            </p:txBody>
-          </p:sp>
-          <p:sp>
-            <p:nvSpPr>
-              <p:cNvPr id="65" name="額縁 64"/>
-              <p:cNvSpPr/>
-              <p:nvPr/>
-            </p:nvSpPr>
-            <p:spPr>
-              <a:xfrm>
-                <a:off x="-4740728" y="-5284886"/>
-                <a:ext cx="662473" cy="691770"/>
-              </a:xfrm>
-              <a:prstGeom prst="bevel">
-                <a:avLst/>
-              </a:prstGeom>
-              <a:ln w="9525"/>
-            </p:spPr>
-            <p:style>
-              <a:lnRef idx="2">
-                <a:schemeClr val="dk1"/>
-              </a:lnRef>
-              <a:fillRef idx="1">
-                <a:schemeClr val="lt1"/>
-              </a:fillRef>
-              <a:effectRef idx="0">
-                <a:schemeClr val="dk1"/>
-              </a:effectRef>
-              <a:fontRef idx="minor">
-                <a:schemeClr val="dk1"/>
-              </a:fontRef>
-            </p:style>
-            <p:txBody>
-              <a:bodyPr rtlCol="0" anchor="ctr"/>
-              <a:lstStyle/>
-              <a:p>
-                <a:pPr algn="ctr"/>
-                <a:r>
-                  <a:rPr kumimoji="1" lang="ja-JP" altLang="en-US" sz="1000" dirty="0">
-                    <a:latin typeface="源ノ角ゴシック JP Regular" panose="020B0500000000000000" pitchFamily="34" charset="-128"/>
-                    <a:ea typeface="源ノ角ゴシック JP Regular" panose="020B0500000000000000" pitchFamily="34" charset="-128"/>
-                  </a:rPr>
-                  <a:t>入</a:t>
-                </a:r>
-              </a:p>
-            </p:txBody>
-          </p:sp>
-          <p:sp>
-            <p:nvSpPr>
-              <p:cNvPr id="66" name="額縁 65"/>
-              <p:cNvSpPr/>
-              <p:nvPr/>
-            </p:nvSpPr>
-            <p:spPr>
-              <a:xfrm>
-                <a:off x="-4027808" y="-5284886"/>
-                <a:ext cx="662473" cy="691770"/>
-              </a:xfrm>
-              <a:prstGeom prst="bevel">
-                <a:avLst/>
-              </a:prstGeom>
-              <a:ln w="9525"/>
-            </p:spPr>
-            <p:style>
-              <a:lnRef idx="2">
-                <a:schemeClr val="dk1"/>
-              </a:lnRef>
-              <a:fillRef idx="1">
-                <a:schemeClr val="lt1"/>
-              </a:fillRef>
-              <a:effectRef idx="0">
-                <a:schemeClr val="dk1"/>
-              </a:effectRef>
-              <a:fontRef idx="minor">
-                <a:schemeClr val="dk1"/>
-              </a:fontRef>
-            </p:style>
-            <p:txBody>
-              <a:bodyPr rtlCol="0" anchor="ctr"/>
-              <a:lstStyle/>
-              <a:p>
-                <a:pPr algn="ctr"/>
-                <a:r>
-                  <a:rPr kumimoji="1" lang="ja-JP" altLang="en-US" sz="1000" dirty="0">
-                    <a:latin typeface="源ノ角ゴシック JP Regular" panose="020B0500000000000000" pitchFamily="34" charset="-128"/>
-                    <a:ea typeface="源ノ角ゴシック JP Regular" panose="020B0500000000000000" pitchFamily="34" charset="-128"/>
-                  </a:rPr>
-                  <a:t>力</a:t>
-                </a:r>
-              </a:p>
-            </p:txBody>
-          </p:sp>
-        </p:grpSp>
-        <p:sp>
-          <p:nvSpPr>
-            <p:cNvPr id="67" name="角丸四角形 66"/>
-            <p:cNvSpPr/>
-            <p:nvPr/>
-          </p:nvSpPr>
-          <p:spPr>
-            <a:xfrm>
-              <a:off x="388486" y="5132039"/>
-              <a:ext cx="1319519" cy="324784"/>
-            </a:xfrm>
-            <a:prstGeom prst="roundRect">
+              </a:rPr>
+              <a:t>入</a:t>
+            </a:r>
+          </a:p>
+        </p:txBody>
+      </p:sp>
+      <p:sp>
+        <p:nvSpPr>
+          <p:cNvPr id="66" name="額縁 65"/>
+          <p:cNvSpPr/>
+          <p:nvPr/>
+        </p:nvSpPr>
+        <p:spPr>
+          <a:xfrm>
+            <a:off x="1442157" y="4255873"/>
+            <a:ext cx="352071" cy="357977"/>
+          </a:xfrm>
+          <a:prstGeom prst="bevel">
+            <a:avLst/>
+          </a:prstGeom>
+          <a:ln w="9525"/>
+        </p:spPr>
+        <p:style>
+          <a:lnRef idx="2">
+            <a:schemeClr val="dk1"/>
+          </a:lnRef>
+          <a:fillRef idx="1">
+            <a:schemeClr val="lt1"/>
+          </a:fillRef>
+          <a:effectRef idx="0">
+            <a:schemeClr val="dk1"/>
+          </a:effectRef>
+          <a:fontRef idx="minor">
+            <a:schemeClr val="dk1"/>
+          </a:fontRef>
+        </p:style>
+        <p:txBody>
+          <a:bodyPr rtlCol="0" anchor="ctr"/>
+          <a:lstStyle/>
+          <a:p>
+            <a:pPr algn="ctr"/>
+            <a:r>
+              <a:rPr kumimoji="1" lang="ja-JP" altLang="en-US" sz="1000" dirty="0">
+                <a:latin typeface="源ノ角ゴシック JP Regular" panose="020B0500000000000000" pitchFamily="34" charset="-128"/>
+                <a:ea typeface="源ノ角ゴシック JP Regular" panose="020B0500000000000000" pitchFamily="34" charset="-128"/>
+              </a:rPr>
+              <a:t>力</a:t>
+            </a:r>
+          </a:p>
+        </p:txBody>
+      </p:sp>
+      <p:sp>
+        <p:nvSpPr>
+          <p:cNvPr id="121" name="右矢印 120"/>
+          <p:cNvSpPr/>
+          <p:nvPr/>
+        </p:nvSpPr>
+        <p:spPr>
+          <a:xfrm rot="5400000" flipV="1">
+            <a:off x="888879" y="4733517"/>
+            <a:ext cx="320652" cy="300130"/>
+          </a:xfrm>
+          <a:prstGeom prst="rightArrow">
+            <a:avLst>
+              <a:gd name="adj1" fmla="val 27358"/>
+              <a:gd name="adj2" fmla="val 72642"/>
+            </a:avLst>
+          </a:prstGeom>
+          <a:solidFill>
+            <a:srgbClr val="FF0000"/>
+          </a:solidFill>
+          <a:ln w="9525" cap="flat" cmpd="sng" algn="ctr">
+            <a:noFill/>
+            <a:prstDash val="solid"/>
+            <a:round/>
+            <a:headEnd type="none" w="med" len="med"/>
+            <a:tailEnd type="none" w="med" len="med"/>
+          </a:ln>
+          <a:effectLst/>
+        </p:spPr>
+        <p:txBody>
+          <a:bodyPr vert="horz" wrap="square" lIns="91440" tIns="45720" rIns="91440" bIns="45720" numCol="1" rtlCol="0" anchor="t" anchorCtr="0" compatLnSpc="1">
+            <a:prstTxWarp prst="textNoShape">
               <a:avLst/>
-            </a:prstGeom>
-            <a:solidFill>
-              <a:schemeClr val="bg1">
-                <a:lumMod val="95000"/>
-              </a:schemeClr>
-            </a:solidFill>
-          </p:spPr>
-          <p:style>
-            <a:lnRef idx="2">
-              <a:schemeClr val="accent1">
-                <a:shade val="50000"/>
-              </a:schemeClr>
-            </a:lnRef>
-            <a:fillRef idx="1">
-              <a:schemeClr val="accent1"/>
-            </a:fillRef>
-            <a:effectRef idx="0">
-              <a:schemeClr val="accent1"/>
-            </a:effectRef>
-            <a:fontRef idx="minor">
-              <a:schemeClr val="lt1"/>
-            </a:fontRef>
-          </p:style>
-          <p:txBody>
-            <a:bodyPr rtlCol="0" anchor="ctr"/>
-            <a:lstStyle/>
-            <a:p>
-              <a:pPr algn="ctr"/>
-              <a:r>
-                <a:rPr lang="en-US" altLang="ja-JP" sz="1400" dirty="0">
-                  <a:solidFill>
-                    <a:schemeClr val="tx1"/>
-                  </a:solidFill>
-                  <a:latin typeface="源ノ角ゴシック JP Heavy" panose="020B0A00000000000000" pitchFamily="34" charset="-128"/>
-                  <a:ea typeface="源ノ角ゴシック JP Heavy" panose="020B0A00000000000000" pitchFamily="34" charset="-128"/>
-                </a:rPr>
-                <a:t>NVDA</a:t>
-              </a:r>
-              <a:endParaRPr lang="ja-JP" altLang="en-US" sz="1400" dirty="0">
+            </a:prstTxWarp>
+          </a:bodyPr>
+          <a:lstStyle/>
+          <a:p>
+            <a:pPr defTabSz="1041400"/>
+            <a:endParaRPr lang="ja-JP" altLang="en-US">
+              <a:solidFill>
+                <a:schemeClr val="tx1"/>
+              </a:solidFill>
+              <a:latin typeface="源ノ角ゴシック JP Regular" panose="020B0500000000000000" pitchFamily="34" charset="-128"/>
+              <a:ea typeface="源ノ角ゴシック JP Regular" panose="020B0500000000000000" pitchFamily="34" charset="-128"/>
+            </a:endParaRPr>
+          </a:p>
+        </p:txBody>
+      </p:sp>
+      <p:sp>
+        <p:nvSpPr>
+          <p:cNvPr id="67" name="角丸四角形 66"/>
+          <p:cNvSpPr/>
+          <p:nvPr/>
+        </p:nvSpPr>
+        <p:spPr>
+          <a:xfrm>
+            <a:off x="388486" y="5132039"/>
+            <a:ext cx="1319519" cy="324784"/>
+          </a:xfrm>
+          <a:prstGeom prst="roundRect">
+            <a:avLst/>
+          </a:prstGeom>
+          <a:solidFill>
+            <a:schemeClr val="bg1">
+              <a:lumMod val="95000"/>
+            </a:schemeClr>
+          </a:solidFill>
+        </p:spPr>
+        <p:style>
+          <a:lnRef idx="2">
+            <a:schemeClr val="accent1">
+              <a:shade val="50000"/>
+            </a:schemeClr>
+          </a:lnRef>
+          <a:fillRef idx="1">
+            <a:schemeClr val="accent1"/>
+          </a:fillRef>
+          <a:effectRef idx="0">
+            <a:schemeClr val="accent1"/>
+          </a:effectRef>
+          <a:fontRef idx="minor">
+            <a:schemeClr val="lt1"/>
+          </a:fontRef>
+        </p:style>
+        <p:txBody>
+          <a:bodyPr rtlCol="0" anchor="ctr"/>
+          <a:lstStyle/>
+          <a:p>
+            <a:pPr algn="ctr"/>
+            <a:r>
+              <a:rPr lang="en-US" altLang="ja-JP" sz="1400" dirty="0">
                 <a:solidFill>
                   <a:schemeClr val="tx1"/>
                 </a:solidFill>
                 <a:latin typeface="源ノ角ゴシック JP Heavy" panose="020B0A00000000000000" pitchFamily="34" charset="-128"/>
                 <a:ea typeface="源ノ角ゴシック JP Heavy" panose="020B0A00000000000000" pitchFamily="34" charset="-128"/>
-              </a:endParaRPr>
-            </a:p>
-          </p:txBody>
-        </p:sp>
-        <p:sp>
-          <p:nvSpPr>
-            <p:cNvPr id="96" name="右矢印 95"/>
-            <p:cNvSpPr/>
-            <p:nvPr/>
-          </p:nvSpPr>
-          <p:spPr>
-            <a:xfrm rot="5400000">
-              <a:off x="888340" y="5543817"/>
-              <a:ext cx="320400" cy="298800"/>
-            </a:xfrm>
-            <a:prstGeom prst="rightArrow">
-              <a:avLst>
-                <a:gd name="adj1" fmla="val 27358"/>
-                <a:gd name="adj2" fmla="val 43699"/>
-              </a:avLst>
-            </a:prstGeom>
-            <a:pattFill prst="wdDnDiag">
-              <a:fgClr>
-                <a:schemeClr val="accent4"/>
-              </a:fgClr>
-              <a:bgClr>
-                <a:schemeClr val="bg1"/>
-              </a:bgClr>
-            </a:pattFill>
-            <a:ln w="12700">
-              <a:noFill/>
-              <a:prstDash val="sysDot"/>
-            </a:ln>
-          </p:spPr>
-          <p:style>
-            <a:lnRef idx="2">
-              <a:schemeClr val="accent1">
-                <a:shade val="50000"/>
-              </a:schemeClr>
-            </a:lnRef>
-            <a:fillRef idx="1">
-              <a:schemeClr val="accent1"/>
-            </a:fillRef>
-            <a:effectRef idx="0">
-              <a:schemeClr val="accent1"/>
-            </a:effectRef>
-            <a:fontRef idx="minor">
-              <a:schemeClr val="lt1"/>
-            </a:fontRef>
-          </p:style>
-          <p:txBody>
-            <a:bodyPr rtlCol="0" anchor="ctr"/>
-            <a:lstStyle/>
-            <a:p>
-              <a:endParaRPr lang="ja-JP" altLang="en-US">
+              </a:rPr>
+              <a:t>NVDA</a:t>
+            </a:r>
+            <a:endParaRPr lang="ja-JP" altLang="en-US" sz="1400" dirty="0">
+              <a:solidFill>
+                <a:schemeClr val="tx1"/>
+              </a:solidFill>
+              <a:latin typeface="源ノ角ゴシック JP Heavy" panose="020B0A00000000000000" pitchFamily="34" charset="-128"/>
+              <a:ea typeface="源ノ角ゴシック JP Heavy" panose="020B0A00000000000000" pitchFamily="34" charset="-128"/>
+            </a:endParaRPr>
+          </a:p>
+        </p:txBody>
+      </p:sp>
+      <p:sp>
+        <p:nvSpPr>
+          <p:cNvPr id="96" name="右矢印 95"/>
+          <p:cNvSpPr/>
+          <p:nvPr/>
+        </p:nvSpPr>
+        <p:spPr>
+          <a:xfrm rot="5400000">
+            <a:off x="888340" y="5543817"/>
+            <a:ext cx="320400" cy="298800"/>
+          </a:xfrm>
+          <a:prstGeom prst="rightArrow">
+            <a:avLst>
+              <a:gd name="adj1" fmla="val 27358"/>
+              <a:gd name="adj2" fmla="val 43699"/>
+            </a:avLst>
+          </a:prstGeom>
+          <a:pattFill prst="wdDnDiag">
+            <a:fgClr>
+              <a:schemeClr val="accent4"/>
+            </a:fgClr>
+            <a:bgClr>
+              <a:schemeClr val="bg1"/>
+            </a:bgClr>
+          </a:pattFill>
+          <a:ln w="12700">
+            <a:noFill/>
+            <a:prstDash val="sysDot"/>
+          </a:ln>
+        </p:spPr>
+        <p:style>
+          <a:lnRef idx="2">
+            <a:schemeClr val="accent1">
+              <a:shade val="50000"/>
+            </a:schemeClr>
+          </a:lnRef>
+          <a:fillRef idx="1">
+            <a:schemeClr val="accent1"/>
+          </a:fillRef>
+          <a:effectRef idx="0">
+            <a:schemeClr val="accent1"/>
+          </a:effectRef>
+          <a:fontRef idx="minor">
+            <a:schemeClr val="lt1"/>
+          </a:fontRef>
+        </p:style>
+        <p:txBody>
+          <a:bodyPr rtlCol="0" anchor="ctr"/>
+          <a:lstStyle/>
+          <a:p>
+            <a:endParaRPr lang="ja-JP" altLang="en-US">
+              <a:latin typeface="源ノ角ゴシック JP Regular" panose="020B0500000000000000" pitchFamily="34" charset="-128"/>
+              <a:ea typeface="源ノ角ゴシック JP Regular" panose="020B0500000000000000" pitchFamily="34" charset="-128"/>
+            </a:endParaRPr>
+          </a:p>
+        </p:txBody>
+      </p:sp>
+      <p:sp>
+        <p:nvSpPr>
+          <p:cNvPr id="59" name="角丸四角形 58"/>
+          <p:cNvSpPr/>
+          <p:nvPr/>
+        </p:nvSpPr>
+        <p:spPr>
+          <a:xfrm>
+            <a:off x="388487" y="5929717"/>
+            <a:ext cx="1319519" cy="391433"/>
+          </a:xfrm>
+          <a:prstGeom prst="roundRect">
+            <a:avLst/>
+          </a:prstGeom>
+          <a:solidFill>
+            <a:schemeClr val="bg1">
+              <a:lumMod val="95000"/>
+            </a:schemeClr>
+          </a:solidFill>
+        </p:spPr>
+        <p:style>
+          <a:lnRef idx="2">
+            <a:schemeClr val="accent1">
+              <a:shade val="50000"/>
+            </a:schemeClr>
+          </a:lnRef>
+          <a:fillRef idx="1">
+            <a:schemeClr val="accent1"/>
+          </a:fillRef>
+          <a:effectRef idx="0">
+            <a:schemeClr val="accent1"/>
+          </a:effectRef>
+          <a:fontRef idx="minor">
+            <a:schemeClr val="lt1"/>
+          </a:fontRef>
+        </p:style>
+        <p:txBody>
+          <a:bodyPr rtlCol="0" anchor="ctr"/>
+          <a:lstStyle/>
+          <a:p>
+            <a:pPr algn="ctr"/>
+            <a:r>
+              <a:rPr lang="ja-JP" altLang="en-US" sz="1400" dirty="0">
+                <a:solidFill>
+                  <a:schemeClr val="tx1"/>
+                </a:solidFill>
                 <a:latin typeface="源ノ角ゴシック JP Regular" panose="020B0500000000000000" pitchFamily="34" charset="-128"/>
                 <a:ea typeface="源ノ角ゴシック JP Regular" panose="020B0500000000000000" pitchFamily="34" charset="-128"/>
-              </a:endParaRPr>
-            </a:p>
-          </p:txBody>
-        </p:sp>
-        <p:sp>
-          <p:nvSpPr>
-            <p:cNvPr id="109" name="右矢印 108"/>
-            <p:cNvSpPr/>
-            <p:nvPr/>
-          </p:nvSpPr>
-          <p:spPr>
-            <a:xfrm rot="16200000">
-              <a:off x="888879" y="3838167"/>
-              <a:ext cx="320652" cy="300130"/>
-            </a:xfrm>
-            <a:prstGeom prst="rightArrow">
-              <a:avLst>
-                <a:gd name="adj1" fmla="val 27358"/>
-                <a:gd name="adj2" fmla="val 72642"/>
-              </a:avLst>
-            </a:prstGeom>
+              </a:rPr>
+              <a:t>ブラウザ</a:t>
+            </a:r>
+            <a:endParaRPr kumimoji="1" lang="ja-JP" altLang="en-US" sz="900" dirty="0">
+              <a:solidFill>
+                <a:schemeClr val="tx1"/>
+              </a:solidFill>
+              <a:latin typeface="源ノ角ゴシック JP Regular" panose="020B0500000000000000" pitchFamily="34" charset="-128"/>
+              <a:ea typeface="源ノ角ゴシック JP Regular" panose="020B0500000000000000" pitchFamily="34" charset="-128"/>
+            </a:endParaRPr>
+          </a:p>
+        </p:txBody>
+      </p:sp>
+      <p:sp>
+        <p:nvSpPr>
+          <p:cNvPr id="120" name="右矢印 119"/>
+          <p:cNvSpPr/>
+          <p:nvPr/>
+        </p:nvSpPr>
+        <p:spPr>
+          <a:xfrm rot="5400000">
+            <a:off x="888340" y="6421886"/>
+            <a:ext cx="320400" cy="298800"/>
+          </a:xfrm>
+          <a:prstGeom prst="rightArrow">
+            <a:avLst>
+              <a:gd name="adj1" fmla="val 27358"/>
+              <a:gd name="adj2" fmla="val 43699"/>
+            </a:avLst>
+          </a:prstGeom>
+          <a:pattFill prst="wdDnDiag">
+            <a:fgClr>
+              <a:schemeClr val="accent4"/>
+            </a:fgClr>
+            <a:bgClr>
+              <a:schemeClr val="bg1"/>
+            </a:bgClr>
+          </a:pattFill>
+          <a:ln w="12700">
             <a:noFill/>
-            <a:ln w="28575">
-              <a:solidFill>
-                <a:srgbClr val="0070C0"/>
-              </a:solidFill>
-              <a:prstDash val="solid"/>
-            </a:ln>
-          </p:spPr>
-          <p:style>
-            <a:lnRef idx="2">
-              <a:schemeClr val="accent1">
-                <a:shade val="50000"/>
-              </a:schemeClr>
-            </a:lnRef>
-            <a:fillRef idx="1">
-              <a:schemeClr val="accent1"/>
-            </a:fillRef>
-            <a:effectRef idx="0">
-              <a:schemeClr val="accent1"/>
-            </a:effectRef>
-            <a:fontRef idx="minor">
-              <a:schemeClr val="lt1"/>
-            </a:fontRef>
-          </p:style>
-          <p:txBody>
-            <a:bodyPr rtlCol="0" anchor="ctr"/>
-            <a:lstStyle/>
-            <a:p>
-              <a:endParaRPr lang="ja-JP" altLang="en-US" sz="1050">
+            <a:prstDash val="sysDot"/>
+          </a:ln>
+        </p:spPr>
+        <p:style>
+          <a:lnRef idx="2">
+            <a:schemeClr val="accent1">
+              <a:shade val="50000"/>
+            </a:schemeClr>
+          </a:lnRef>
+          <a:fillRef idx="1">
+            <a:schemeClr val="accent1"/>
+          </a:fillRef>
+          <a:effectRef idx="0">
+            <a:schemeClr val="accent1"/>
+          </a:effectRef>
+          <a:fontRef idx="minor">
+            <a:schemeClr val="lt1"/>
+          </a:fontRef>
+        </p:style>
+        <p:txBody>
+          <a:bodyPr rtlCol="0" anchor="ctr"/>
+          <a:lstStyle/>
+          <a:p>
+            <a:endParaRPr lang="ja-JP" altLang="en-US">
+              <a:latin typeface="源ノ角ゴシック JP Regular" panose="020B0500000000000000" pitchFamily="34" charset="-128"/>
+              <a:ea typeface="源ノ角ゴシック JP Regular" panose="020B0500000000000000" pitchFamily="34" charset="-128"/>
+            </a:endParaRPr>
+          </a:p>
+        </p:txBody>
+      </p:sp>
+      <p:sp>
+        <p:nvSpPr>
+          <p:cNvPr id="58" name="角丸四角形 57"/>
+          <p:cNvSpPr/>
+          <p:nvPr/>
+        </p:nvSpPr>
+        <p:spPr>
+          <a:xfrm>
+            <a:off x="388486" y="6823193"/>
+            <a:ext cx="1324384" cy="386659"/>
+          </a:xfrm>
+          <a:prstGeom prst="roundRect">
+            <a:avLst/>
+          </a:prstGeom>
+          <a:solidFill>
+            <a:schemeClr val="bg1">
+              <a:lumMod val="95000"/>
+            </a:schemeClr>
+          </a:solidFill>
+        </p:spPr>
+        <p:style>
+          <a:lnRef idx="2">
+            <a:schemeClr val="accent1">
+              <a:shade val="50000"/>
+            </a:schemeClr>
+          </a:lnRef>
+          <a:fillRef idx="1">
+            <a:schemeClr val="accent1"/>
+          </a:fillRef>
+          <a:effectRef idx="0">
+            <a:schemeClr val="accent1"/>
+          </a:effectRef>
+          <a:fontRef idx="minor">
+            <a:schemeClr val="lt1"/>
+          </a:fontRef>
+        </p:style>
+        <p:txBody>
+          <a:bodyPr rtlCol="0" anchor="ctr"/>
+          <a:lstStyle/>
+          <a:p>
+            <a:pPr algn="ctr"/>
+            <a:r>
+              <a:rPr kumimoji="1" lang="ja-JP" altLang="en-US" sz="1400" dirty="0">
+                <a:solidFill>
+                  <a:schemeClr val="tx1"/>
+                </a:solidFill>
                 <a:latin typeface="源ノ角ゴシック JP Regular" panose="020B0500000000000000" pitchFamily="34" charset="-128"/>
                 <a:ea typeface="源ノ角ゴシック JP Regular" panose="020B0500000000000000" pitchFamily="34" charset="-128"/>
-              </a:endParaRPr>
-            </a:p>
-          </p:txBody>
-        </p:sp>
-        <p:sp>
-          <p:nvSpPr>
-            <p:cNvPr id="120" name="右矢印 119"/>
-            <p:cNvSpPr/>
-            <p:nvPr/>
-          </p:nvSpPr>
-          <p:spPr>
-            <a:xfrm rot="5400000">
-              <a:off x="888340" y="6421886"/>
-              <a:ext cx="320400" cy="298800"/>
-            </a:xfrm>
-            <a:prstGeom prst="rightArrow">
-              <a:avLst>
-                <a:gd name="adj1" fmla="val 27358"/>
-                <a:gd name="adj2" fmla="val 43699"/>
-              </a:avLst>
-            </a:prstGeom>
-            <a:pattFill prst="wdDnDiag">
-              <a:fgClr>
-                <a:schemeClr val="accent4"/>
-              </a:fgClr>
-              <a:bgClr>
-                <a:schemeClr val="bg1"/>
-              </a:bgClr>
-            </a:pattFill>
-            <a:ln w="12700">
-              <a:noFill/>
-              <a:prstDash val="sysDot"/>
-            </a:ln>
-          </p:spPr>
-          <p:style>
-            <a:lnRef idx="2">
-              <a:schemeClr val="accent1">
-                <a:shade val="50000"/>
-              </a:schemeClr>
-            </a:lnRef>
-            <a:fillRef idx="1">
-              <a:schemeClr val="accent1"/>
-            </a:fillRef>
-            <a:effectRef idx="0">
-              <a:schemeClr val="accent1"/>
-            </a:effectRef>
-            <a:fontRef idx="minor">
-              <a:schemeClr val="lt1"/>
-            </a:fontRef>
-          </p:style>
-          <p:txBody>
-            <a:bodyPr rtlCol="0" anchor="ctr"/>
-            <a:lstStyle/>
-            <a:p>
-              <a:endParaRPr lang="ja-JP" altLang="en-US">
+              </a:rPr>
+              <a:t>コンテンツ</a:t>
+            </a:r>
+            <a:endParaRPr kumimoji="1" lang="ja-JP" altLang="en-US" sz="900" dirty="0">
+              <a:solidFill>
+                <a:schemeClr val="tx1"/>
+              </a:solidFill>
+              <a:latin typeface="源ノ角ゴシック JP Regular" panose="020B0500000000000000" pitchFamily="34" charset="-128"/>
+              <a:ea typeface="源ノ角ゴシック JP Regular" panose="020B0500000000000000" pitchFamily="34" charset="-128"/>
+            </a:endParaRPr>
+          </a:p>
+        </p:txBody>
+      </p:sp>
+      <p:sp>
+        <p:nvSpPr>
+          <p:cNvPr id="122" name="正方形/長方形 121"/>
+          <p:cNvSpPr/>
+          <p:nvPr/>
+        </p:nvSpPr>
+        <p:spPr>
+          <a:xfrm>
+            <a:off x="2043923" y="3394479"/>
+            <a:ext cx="1960852" cy="215444"/>
+          </a:xfrm>
+          <a:prstGeom prst="rect">
+            <a:avLst/>
+          </a:prstGeom>
+        </p:spPr>
+        <p:txBody>
+          <a:bodyPr wrap="square">
+            <a:spAutoFit/>
+          </a:bodyPr>
+          <a:lstStyle/>
+          <a:p>
+            <a:pPr algn="ctr"/>
+            <a:r>
+              <a:rPr lang="ja-JP" altLang="en-US" sz="800" dirty="0">
                 <a:latin typeface="源ノ角ゴシック JP Regular" panose="020B0500000000000000" pitchFamily="34" charset="-128"/>
                 <a:ea typeface="源ノ角ゴシック JP Regular" panose="020B0500000000000000" pitchFamily="34" charset="-128"/>
-              </a:endParaRPr>
-            </a:p>
-          </p:txBody>
-        </p:sp>
-        <p:sp>
-          <p:nvSpPr>
-            <p:cNvPr id="121" name="右矢印 120"/>
-            <p:cNvSpPr/>
-            <p:nvPr/>
-          </p:nvSpPr>
-          <p:spPr>
-            <a:xfrm rot="5400000" flipV="1">
-              <a:off x="888879" y="4733517"/>
-              <a:ext cx="320652" cy="300130"/>
-            </a:xfrm>
-            <a:prstGeom prst="rightArrow">
-              <a:avLst>
-                <a:gd name="adj1" fmla="val 27358"/>
-                <a:gd name="adj2" fmla="val 72642"/>
-              </a:avLst>
-            </a:prstGeom>
-            <a:solidFill>
-              <a:srgbClr val="FF0000"/>
-            </a:solidFill>
-            <a:ln w="9525" cap="flat" cmpd="sng" algn="ctr">
-              <a:noFill/>
-              <a:prstDash val="solid"/>
-              <a:round/>
-              <a:headEnd type="none" w="med" len="med"/>
-              <a:tailEnd type="none" w="med" len="med"/>
-            </a:ln>
-            <a:effectLst/>
-          </p:spPr>
-          <p:txBody>
-            <a:bodyPr vert="horz" wrap="square" lIns="91440" tIns="45720" rIns="91440" bIns="45720" numCol="1" rtlCol="0" anchor="t" anchorCtr="0" compatLnSpc="1">
-              <a:prstTxWarp prst="textNoShape">
-                <a:avLst/>
-              </a:prstTxWarp>
-            </a:bodyPr>
-            <a:lstStyle/>
-            <a:p>
-              <a:pPr defTabSz="1041400"/>
-              <a:endParaRPr lang="ja-JP" altLang="en-US">
-                <a:solidFill>
-                  <a:schemeClr val="tx1"/>
-                </a:solidFill>
-                <a:latin typeface="源ノ角ゴシック JP Regular" panose="020B0500000000000000" pitchFamily="34" charset="-128"/>
-                <a:ea typeface="源ノ角ゴシック JP Regular" panose="020B0500000000000000" pitchFamily="34" charset="-128"/>
-              </a:endParaRPr>
-            </a:p>
-          </p:txBody>
-        </p:sp>
-      </p:grpSp>
+              </a:rPr>
+              <a:t>ブラウザとコンテンツを操作</a:t>
+            </a:r>
+          </a:p>
+        </p:txBody>
+      </p:sp>
       <p:sp>
         <p:nvSpPr>
           <p:cNvPr id="34" name="タイトル 1"/>
@@ -8735,14 +8731,14 @@
       </p:sp>
       <p:sp>
         <p:nvSpPr>
-          <p:cNvPr id="122" name="正方形/長方形 121"/>
+          <p:cNvPr id="142" name="正方形/長方形 141"/>
           <p:cNvSpPr/>
           <p:nvPr/>
         </p:nvSpPr>
         <p:spPr>
           <a:xfrm>
-            <a:off x="2043923" y="3394479"/>
-            <a:ext cx="1960852" cy="215444"/>
+            <a:off x="2510522" y="3903932"/>
+            <a:ext cx="973609" cy="215444"/>
           </a:xfrm>
           <a:prstGeom prst="rect">
             <a:avLst/>
@@ -8760,7 +8756,567 @@
                 <a:latin typeface="源ノ角ゴシック JP Regular" panose="020B0500000000000000" pitchFamily="34" charset="-128"/>
                 <a:ea typeface="源ノ角ゴシック JP Regular" panose="020B0500000000000000" pitchFamily="34" charset="-128"/>
               </a:rPr>
-              <a:t>ブラウザとコンテンツを操作</a:t>
+              <a:t>ガシャ</a:t>
+            </a:r>
+          </a:p>
+        </p:txBody>
+      </p:sp>
+      <p:sp>
+        <p:nvSpPr>
+          <p:cNvPr id="77" name="タイトル 1"/>
+          <p:cNvSpPr txBox="1">
+            <a:spLocks/>
+          </p:cNvSpPr>
+          <p:nvPr/>
+        </p:nvSpPr>
+        <p:spPr bwMode="auto">
+          <a:xfrm>
+            <a:off x="2366789" y="4193297"/>
+            <a:ext cx="1315120" cy="479966"/>
+          </a:xfrm>
+          <a:prstGeom prst="rect">
+            <a:avLst/>
+          </a:prstGeom>
+          <a:solidFill>
+            <a:schemeClr val="bg1"/>
+          </a:solidFill>
+          <a:ln>
+            <a:noFill/>
+          </a:ln>
+          <a:effectLst/>
+        </p:spPr>
+        <p:txBody>
+          <a:bodyPr vert="horz" wrap="square" lIns="104277" tIns="52139" rIns="104277" bIns="52139" numCol="1" anchor="ctr" anchorCtr="0" compatLnSpc="1">
+            <a:prstTxWarp prst="textNoShape">
+              <a:avLst/>
+            </a:prstTxWarp>
+          </a:bodyPr>
+          <a:lstStyle>
+            <a:lvl1pPr algn="ctr" defTabSz="1041400" rtl="0" fontAlgn="base">
+              <a:spcBef>
+                <a:spcPct val="0"/>
+              </a:spcBef>
+              <a:spcAft>
+                <a:spcPct val="0"/>
+              </a:spcAft>
+              <a:defRPr kumimoji="1" sz="4900">
+                <a:solidFill>
+                  <a:schemeClr val="tx2"/>
+                </a:solidFill>
+                <a:latin typeface="+mj-lt"/>
+                <a:ea typeface="+mj-ea"/>
+                <a:cs typeface="+mj-cs"/>
+              </a:defRPr>
+            </a:lvl1pPr>
+            <a:lvl2pPr algn="ctr" defTabSz="1041400" rtl="0" fontAlgn="base">
+              <a:spcBef>
+                <a:spcPct val="0"/>
+              </a:spcBef>
+              <a:spcAft>
+                <a:spcPct val="0"/>
+              </a:spcAft>
+              <a:defRPr kumimoji="1" sz="4900">
+                <a:solidFill>
+                  <a:schemeClr val="tx2"/>
+                </a:solidFill>
+                <a:latin typeface="Arial" charset="0"/>
+                <a:ea typeface="ＭＳ Ｐゴシック" charset="-128"/>
+              </a:defRPr>
+            </a:lvl2pPr>
+            <a:lvl3pPr algn="ctr" defTabSz="1041400" rtl="0" fontAlgn="base">
+              <a:spcBef>
+                <a:spcPct val="0"/>
+              </a:spcBef>
+              <a:spcAft>
+                <a:spcPct val="0"/>
+              </a:spcAft>
+              <a:defRPr kumimoji="1" sz="4900">
+                <a:solidFill>
+                  <a:schemeClr val="tx2"/>
+                </a:solidFill>
+                <a:latin typeface="Arial" charset="0"/>
+                <a:ea typeface="ＭＳ Ｐゴシック" charset="-128"/>
+              </a:defRPr>
+            </a:lvl3pPr>
+            <a:lvl4pPr algn="ctr" defTabSz="1041400" rtl="0" fontAlgn="base">
+              <a:spcBef>
+                <a:spcPct val="0"/>
+              </a:spcBef>
+              <a:spcAft>
+                <a:spcPct val="0"/>
+              </a:spcAft>
+              <a:defRPr kumimoji="1" sz="4900">
+                <a:solidFill>
+                  <a:schemeClr val="tx2"/>
+                </a:solidFill>
+                <a:latin typeface="Arial" charset="0"/>
+                <a:ea typeface="ＭＳ Ｐゴシック" charset="-128"/>
+              </a:defRPr>
+            </a:lvl4pPr>
+            <a:lvl5pPr algn="ctr" defTabSz="1041400" rtl="0" fontAlgn="base">
+              <a:spcBef>
+                <a:spcPct val="0"/>
+              </a:spcBef>
+              <a:spcAft>
+                <a:spcPct val="0"/>
+              </a:spcAft>
+              <a:defRPr kumimoji="1" sz="4900">
+                <a:solidFill>
+                  <a:schemeClr val="tx2"/>
+                </a:solidFill>
+                <a:latin typeface="Arial" charset="0"/>
+                <a:ea typeface="ＭＳ Ｐゴシック" charset="-128"/>
+              </a:defRPr>
+            </a:lvl5pPr>
+            <a:lvl6pPr marL="457200" algn="ctr" defTabSz="1041400" rtl="0" fontAlgn="base">
+              <a:spcBef>
+                <a:spcPct val="0"/>
+              </a:spcBef>
+              <a:spcAft>
+                <a:spcPct val="0"/>
+              </a:spcAft>
+              <a:defRPr kumimoji="1" sz="4900">
+                <a:solidFill>
+                  <a:schemeClr val="tx2"/>
+                </a:solidFill>
+                <a:latin typeface="Arial" charset="0"/>
+                <a:ea typeface="ＭＳ Ｐゴシック" charset="-128"/>
+              </a:defRPr>
+            </a:lvl6pPr>
+            <a:lvl7pPr marL="914400" algn="ctr" defTabSz="1041400" rtl="0" fontAlgn="base">
+              <a:spcBef>
+                <a:spcPct val="0"/>
+              </a:spcBef>
+              <a:spcAft>
+                <a:spcPct val="0"/>
+              </a:spcAft>
+              <a:defRPr kumimoji="1" sz="4900">
+                <a:solidFill>
+                  <a:schemeClr val="tx2"/>
+                </a:solidFill>
+                <a:latin typeface="Arial" charset="0"/>
+                <a:ea typeface="ＭＳ Ｐゴシック" charset="-128"/>
+              </a:defRPr>
+            </a:lvl7pPr>
+            <a:lvl8pPr marL="1371600" algn="ctr" defTabSz="1041400" rtl="0" fontAlgn="base">
+              <a:spcBef>
+                <a:spcPct val="0"/>
+              </a:spcBef>
+              <a:spcAft>
+                <a:spcPct val="0"/>
+              </a:spcAft>
+              <a:defRPr kumimoji="1" sz="4900">
+                <a:solidFill>
+                  <a:schemeClr val="tx2"/>
+                </a:solidFill>
+                <a:latin typeface="Arial" charset="0"/>
+                <a:ea typeface="ＭＳ Ｐゴシック" charset="-128"/>
+              </a:defRPr>
+            </a:lvl8pPr>
+            <a:lvl9pPr marL="1828800" algn="ctr" defTabSz="1041400" rtl="0" fontAlgn="base">
+              <a:spcBef>
+                <a:spcPct val="0"/>
+              </a:spcBef>
+              <a:spcAft>
+                <a:spcPct val="0"/>
+              </a:spcAft>
+              <a:defRPr kumimoji="1" sz="4900">
+                <a:solidFill>
+                  <a:schemeClr val="tx2"/>
+                </a:solidFill>
+                <a:latin typeface="Arial" charset="0"/>
+                <a:ea typeface="ＭＳ Ｐゴシック" charset="-128"/>
+              </a:defRPr>
+            </a:lvl9pPr>
+          </a:lstStyle>
+          <a:p>
+            <a:r>
+              <a:rPr lang="ja-JP" altLang="en-US" sz="1200" kern="0" dirty="0">
+                <a:latin typeface="源ノ角ゴシック JP Regular" panose="020B0500000000000000" pitchFamily="34" charset="-128"/>
+                <a:ea typeface="源ノ角ゴシック JP Regular" panose="020B0500000000000000" pitchFamily="34" charset="-128"/>
+              </a:rPr>
+              <a:t>自動切替または</a:t>
+            </a:r>
+            <a:endParaRPr lang="en-US" altLang="ja-JP" sz="1200" kern="0" dirty="0">
+              <a:latin typeface="源ノ角ゴシック JP Regular" panose="020B0500000000000000" pitchFamily="34" charset="-128"/>
+              <a:ea typeface="源ノ角ゴシック JP Regular" panose="020B0500000000000000" pitchFamily="34" charset="-128"/>
+            </a:endParaRPr>
+          </a:p>
+          <a:p>
+            <a:r>
+              <a:rPr lang="en-US" altLang="ja-JP" sz="1100" kern="0" dirty="0">
+                <a:latin typeface="源ノ角ゴシック JP Bold" panose="020B0800000000000000" pitchFamily="34" charset="-128"/>
+                <a:ea typeface="源ノ角ゴシック JP Bold" panose="020B0800000000000000" pitchFamily="34" charset="-128"/>
+              </a:rPr>
+              <a:t>NVDA+</a:t>
+            </a:r>
+            <a:r>
+              <a:rPr lang="ja-JP" altLang="en-US" sz="1100" kern="0" dirty="0">
+                <a:latin typeface="源ノ角ゴシック JP Bold" panose="020B0800000000000000" pitchFamily="34" charset="-128"/>
+                <a:ea typeface="源ノ角ゴシック JP Bold" panose="020B0800000000000000" pitchFamily="34" charset="-128"/>
+              </a:rPr>
+              <a:t>スペース</a:t>
+            </a:r>
+            <a:endParaRPr lang="en-US" altLang="ja-JP" sz="1200" kern="0" dirty="0">
+              <a:latin typeface="源ノ角ゴシック JP Bold" panose="020B0800000000000000" pitchFamily="34" charset="-128"/>
+              <a:ea typeface="源ノ角ゴシック JP Bold" panose="020B0800000000000000" pitchFamily="34" charset="-128"/>
+            </a:endParaRPr>
+          </a:p>
+        </p:txBody>
+      </p:sp>
+      <p:sp>
+        <p:nvSpPr>
+          <p:cNvPr id="78" name="右カーブ矢印 77"/>
+          <p:cNvSpPr/>
+          <p:nvPr/>
+        </p:nvSpPr>
+        <p:spPr bwMode="auto">
+          <a:xfrm>
+            <a:off x="2256535" y="3983153"/>
+            <a:ext cx="319536" cy="925369"/>
+          </a:xfrm>
+          <a:prstGeom prst="curvedRightArrow">
+            <a:avLst/>
+          </a:prstGeom>
+          <a:solidFill>
+            <a:srgbClr val="FF0000"/>
+          </a:solidFill>
+          <a:ln w="9525" cap="flat" cmpd="sng" algn="ctr">
+            <a:noFill/>
+            <a:prstDash val="solid"/>
+            <a:round/>
+            <a:headEnd type="none" w="med" len="med"/>
+            <a:tailEnd type="none" w="med" len="med"/>
+          </a:ln>
+          <a:effectLst/>
+        </p:spPr>
+        <p:txBody>
+          <a:bodyPr vert="horz" wrap="square" lIns="91440" tIns="45720" rIns="91440" bIns="45720" numCol="1" rtlCol="0" anchor="t" anchorCtr="0" compatLnSpc="1">
+            <a:prstTxWarp prst="textNoShape">
+              <a:avLst/>
+            </a:prstTxWarp>
+          </a:bodyPr>
+          <a:lstStyle/>
+          <a:p>
+            <a:pPr marL="0" marR="0" indent="0" algn="l" defTabSz="1041400" rtl="0" eaLnBrk="1" fontAlgn="base" latinLnBrk="0" hangingPunct="1">
+              <a:lnSpc>
+                <a:spcPct val="100000"/>
+              </a:lnSpc>
+              <a:spcBef>
+                <a:spcPct val="0"/>
+              </a:spcBef>
+              <a:spcAft>
+                <a:spcPct val="0"/>
+              </a:spcAft>
+              <a:buClrTx/>
+              <a:buSzTx/>
+              <a:buFontTx/>
+              <a:buNone/>
+              <a:tabLst/>
+            </a:pPr>
+            <a:endParaRPr kumimoji="1" lang="ja-JP" altLang="en-US" sz="2100" b="0" i="0" u="none" strike="noStrike" cap="none" normalizeH="0" baseline="0">
+              <a:ln>
+                <a:noFill/>
+              </a:ln>
+              <a:solidFill>
+                <a:schemeClr val="tx1"/>
+              </a:solidFill>
+              <a:effectLst/>
+              <a:latin typeface="源ノ角ゴシック JP Light" panose="020B0300000000000000" pitchFamily="34" charset="-128"/>
+              <a:ea typeface="源ノ角ゴシック JP Light" panose="020B0300000000000000" pitchFamily="34" charset="-128"/>
+            </a:endParaRPr>
+          </a:p>
+        </p:txBody>
+      </p:sp>
+      <p:sp>
+        <p:nvSpPr>
+          <p:cNvPr id="114" name="コンテンツ プレースホルダー 2"/>
+          <p:cNvSpPr txBox="1">
+            <a:spLocks/>
+          </p:cNvSpPr>
+          <p:nvPr/>
+        </p:nvSpPr>
+        <p:spPr bwMode="auto">
+          <a:xfrm>
+            <a:off x="2039991" y="4290519"/>
+            <a:ext cx="404598" cy="203401"/>
+          </a:xfrm>
+          <a:prstGeom prst="rect">
+            <a:avLst/>
+          </a:prstGeom>
+          <a:solidFill>
+            <a:schemeClr val="bg1"/>
+          </a:solidFill>
+          <a:ln>
+            <a:noFill/>
+          </a:ln>
+          <a:effectLst/>
+        </p:spPr>
+        <p:txBody>
+          <a:bodyPr vert="horz" wrap="square" lIns="104277" tIns="52139" rIns="104277" bIns="52139" numCol="1" anchor="t" anchorCtr="0" compatLnSpc="1">
+            <a:prstTxWarp prst="textNoShape">
+              <a:avLst/>
+            </a:prstTxWarp>
+          </a:bodyPr>
+          <a:lstStyle>
+            <a:lvl1pPr marL="0" indent="0" algn="ctr" defTabSz="1041400" rtl="0" fontAlgn="base">
+              <a:spcBef>
+                <a:spcPct val="20000"/>
+              </a:spcBef>
+              <a:spcAft>
+                <a:spcPct val="0"/>
+              </a:spcAft>
+              <a:buNone/>
+              <a:defRPr kumimoji="1" sz="3800">
+                <a:solidFill>
+                  <a:schemeClr val="tx1"/>
+                </a:solidFill>
+                <a:latin typeface="+mn-lt"/>
+                <a:ea typeface="+mn-ea"/>
+                <a:cs typeface="+mn-cs"/>
+              </a:defRPr>
+            </a:lvl1pPr>
+            <a:lvl2pPr marL="457200" indent="0" algn="ctr" defTabSz="1041400" rtl="0" fontAlgn="base">
+              <a:spcBef>
+                <a:spcPct val="20000"/>
+              </a:spcBef>
+              <a:spcAft>
+                <a:spcPct val="0"/>
+              </a:spcAft>
+              <a:buNone/>
+              <a:defRPr kumimoji="1" sz="3200">
+                <a:solidFill>
+                  <a:schemeClr val="tx1"/>
+                </a:solidFill>
+                <a:latin typeface="+mn-lt"/>
+                <a:ea typeface="+mn-ea"/>
+              </a:defRPr>
+            </a:lvl2pPr>
+            <a:lvl3pPr marL="914400" indent="0" algn="ctr" defTabSz="1041400" rtl="0" fontAlgn="base">
+              <a:spcBef>
+                <a:spcPct val="20000"/>
+              </a:spcBef>
+              <a:spcAft>
+                <a:spcPct val="0"/>
+              </a:spcAft>
+              <a:buNone/>
+              <a:defRPr kumimoji="1" sz="2800">
+                <a:solidFill>
+                  <a:schemeClr val="tx1"/>
+                </a:solidFill>
+                <a:latin typeface="+mn-lt"/>
+                <a:ea typeface="+mn-ea"/>
+              </a:defRPr>
+            </a:lvl3pPr>
+            <a:lvl4pPr marL="1371600" indent="0" algn="ctr" defTabSz="1041400" rtl="0" fontAlgn="base">
+              <a:spcBef>
+                <a:spcPct val="20000"/>
+              </a:spcBef>
+              <a:spcAft>
+                <a:spcPct val="0"/>
+              </a:spcAft>
+              <a:buNone/>
+              <a:defRPr kumimoji="1" sz="2500">
+                <a:solidFill>
+                  <a:schemeClr val="tx1"/>
+                </a:solidFill>
+                <a:latin typeface="+mn-lt"/>
+                <a:ea typeface="+mn-ea"/>
+              </a:defRPr>
+            </a:lvl4pPr>
+            <a:lvl5pPr marL="1828800" indent="0" algn="ctr" defTabSz="1041400" rtl="0" fontAlgn="base">
+              <a:spcBef>
+                <a:spcPct val="20000"/>
+              </a:spcBef>
+              <a:spcAft>
+                <a:spcPct val="0"/>
+              </a:spcAft>
+              <a:buNone/>
+              <a:defRPr kumimoji="1" sz="2500">
+                <a:solidFill>
+                  <a:schemeClr val="tx1"/>
+                </a:solidFill>
+                <a:latin typeface="+mn-lt"/>
+                <a:ea typeface="+mn-ea"/>
+              </a:defRPr>
+            </a:lvl5pPr>
+            <a:lvl6pPr marL="2286000" indent="0" algn="ctr" defTabSz="1041400" rtl="0" fontAlgn="base">
+              <a:spcBef>
+                <a:spcPct val="20000"/>
+              </a:spcBef>
+              <a:spcAft>
+                <a:spcPct val="0"/>
+              </a:spcAft>
+              <a:buNone/>
+              <a:defRPr kumimoji="1" sz="2500">
+                <a:solidFill>
+                  <a:schemeClr val="tx1"/>
+                </a:solidFill>
+                <a:latin typeface="+mn-lt"/>
+                <a:ea typeface="+mn-ea"/>
+              </a:defRPr>
+            </a:lvl6pPr>
+            <a:lvl7pPr marL="2743200" indent="0" algn="ctr" defTabSz="1041400" rtl="0" fontAlgn="base">
+              <a:spcBef>
+                <a:spcPct val="20000"/>
+              </a:spcBef>
+              <a:spcAft>
+                <a:spcPct val="0"/>
+              </a:spcAft>
+              <a:buNone/>
+              <a:defRPr kumimoji="1" sz="2500">
+                <a:solidFill>
+                  <a:schemeClr val="tx1"/>
+                </a:solidFill>
+                <a:latin typeface="+mn-lt"/>
+                <a:ea typeface="+mn-ea"/>
+              </a:defRPr>
+            </a:lvl7pPr>
+            <a:lvl8pPr marL="3200400" indent="0" algn="ctr" defTabSz="1041400" rtl="0" fontAlgn="base">
+              <a:spcBef>
+                <a:spcPct val="20000"/>
+              </a:spcBef>
+              <a:spcAft>
+                <a:spcPct val="0"/>
+              </a:spcAft>
+              <a:buNone/>
+              <a:defRPr kumimoji="1" sz="2500">
+                <a:solidFill>
+                  <a:schemeClr val="tx1"/>
+                </a:solidFill>
+                <a:latin typeface="+mn-lt"/>
+                <a:ea typeface="+mn-ea"/>
+              </a:defRPr>
+            </a:lvl8pPr>
+            <a:lvl9pPr marL="3657600" indent="0" algn="ctr" defTabSz="1041400" rtl="0" fontAlgn="base">
+              <a:spcBef>
+                <a:spcPct val="20000"/>
+              </a:spcBef>
+              <a:spcAft>
+                <a:spcPct val="0"/>
+              </a:spcAft>
+              <a:buNone/>
+              <a:defRPr kumimoji="1" sz="2500">
+                <a:solidFill>
+                  <a:schemeClr val="tx1"/>
+                </a:solidFill>
+                <a:latin typeface="+mn-lt"/>
+                <a:ea typeface="+mn-ea"/>
+              </a:defRPr>
+            </a:lvl9pPr>
+          </a:lstStyle>
+          <a:p>
+            <a:pPr>
+              <a:spcBef>
+                <a:spcPts val="0"/>
+              </a:spcBef>
+            </a:pPr>
+            <a:r>
+              <a:rPr lang="en-US" altLang="ja-JP" sz="900" dirty="0">
+                <a:latin typeface="源ノ角ゴシック JP Heavy" panose="020B0A00000000000000" pitchFamily="34" charset="-128"/>
+                <a:ea typeface="源ノ角ゴシック JP Heavy" panose="020B0A00000000000000" pitchFamily="34" charset="-128"/>
+              </a:rPr>
+              <a:t>Esc</a:t>
+            </a:r>
+            <a:endParaRPr lang="en-US" altLang="ja-JP" sz="900" kern="0" dirty="0">
+              <a:latin typeface="源ノ角ゴシック JP Heavy" panose="020B0A00000000000000" pitchFamily="34" charset="-128"/>
+              <a:ea typeface="源ノ角ゴシック JP Heavy" panose="020B0A00000000000000" pitchFamily="34" charset="-128"/>
+            </a:endParaRPr>
+          </a:p>
+        </p:txBody>
+      </p:sp>
+      <p:sp>
+        <p:nvSpPr>
+          <p:cNvPr id="79" name="右カーブ矢印 78"/>
+          <p:cNvSpPr/>
+          <p:nvPr/>
+        </p:nvSpPr>
+        <p:spPr bwMode="auto">
+          <a:xfrm rot="10800000">
+            <a:off x="3441257" y="3949038"/>
+            <a:ext cx="319536" cy="925369"/>
+          </a:xfrm>
+          <a:prstGeom prst="curvedRightArrow">
+            <a:avLst/>
+          </a:prstGeom>
+          <a:solidFill>
+            <a:srgbClr val="0070C0"/>
+          </a:solidFill>
+          <a:ln w="9525" cap="flat" cmpd="sng" algn="ctr">
+            <a:noFill/>
+            <a:prstDash val="solid"/>
+            <a:round/>
+            <a:headEnd type="none" w="med" len="med"/>
+            <a:tailEnd type="none" w="med" len="med"/>
+          </a:ln>
+          <a:effectLst/>
+        </p:spPr>
+        <p:txBody>
+          <a:bodyPr vert="horz" wrap="square" lIns="91440" tIns="45720" rIns="91440" bIns="45720" numCol="1" rtlCol="0" anchor="t" anchorCtr="0" compatLnSpc="1">
+            <a:prstTxWarp prst="textNoShape">
+              <a:avLst/>
+            </a:prstTxWarp>
+          </a:bodyPr>
+          <a:lstStyle/>
+          <a:p>
+            <a:pPr marL="0" marR="0" indent="0" algn="l" defTabSz="1041400" rtl="0" eaLnBrk="1" fontAlgn="base" latinLnBrk="0" hangingPunct="1">
+              <a:lnSpc>
+                <a:spcPct val="100000"/>
+              </a:lnSpc>
+              <a:spcBef>
+                <a:spcPct val="0"/>
+              </a:spcBef>
+              <a:spcAft>
+                <a:spcPct val="0"/>
+              </a:spcAft>
+              <a:buClrTx/>
+              <a:buSzTx/>
+              <a:buFontTx/>
+              <a:buNone/>
+              <a:tabLst/>
+            </a:pPr>
+            <a:endParaRPr kumimoji="1" lang="ja-JP" altLang="en-US" sz="2100" b="0" i="0" u="none" strike="noStrike" cap="none" normalizeH="0" baseline="0">
+              <a:ln>
+                <a:noFill/>
+              </a:ln>
+              <a:solidFill>
+                <a:schemeClr val="tx1"/>
+              </a:solidFill>
+              <a:effectLst/>
+              <a:latin typeface="源ノ角ゴシック JP Light" panose="020B0300000000000000" pitchFamily="34" charset="-128"/>
+              <a:ea typeface="源ノ角ゴシック JP Light" panose="020B0300000000000000" pitchFamily="34" charset="-128"/>
+            </a:endParaRPr>
+          </a:p>
+        </p:txBody>
+      </p:sp>
+      <p:sp>
+        <p:nvSpPr>
+          <p:cNvPr id="143" name="正方形/長方形 142"/>
+          <p:cNvSpPr/>
+          <p:nvPr/>
+        </p:nvSpPr>
+        <p:spPr>
+          <a:xfrm>
+            <a:off x="2492416" y="4744311"/>
+            <a:ext cx="973609" cy="215444"/>
+          </a:xfrm>
+          <a:prstGeom prst="rect">
+            <a:avLst/>
+          </a:prstGeom>
+        </p:spPr>
+        <p:txBody>
+          <a:bodyPr wrap="square">
+            <a:spAutoFit/>
+          </a:bodyPr>
+          <a:lstStyle/>
+          <a:p>
+            <a:pPr algn="ctr"/>
+            <a:r>
+              <a:rPr lang="ja-JP" altLang="en-US" sz="800" dirty="0">
+                <a:latin typeface="源ノ角ゴシック JP Regular" panose="020B0500000000000000" pitchFamily="34" charset="-128"/>
+                <a:ea typeface="源ノ角ゴシック JP Regular" panose="020B0500000000000000" pitchFamily="34" charset="-128"/>
+              </a:rPr>
+              <a:t>ポン</a:t>
             </a:r>
           </a:p>
         </p:txBody>
@@ -9196,619 +9752,6 @@
           </a:p>
         </p:txBody>
       </p:sp>
-      <p:grpSp>
-        <p:nvGrpSpPr>
-          <p:cNvPr id="5" name="グループ化 4" descr="フォーカスモードの下に「ガシャ」&#10;ブラウズモードの上に「ポン」&#10;フォーカスモードからブラウズモードに向かって左に赤い矢印 Esc&#10;ブラウズモードからフォーカスモードに向かって右に青い矢印&#10;左右の矢印の間に「自動切替またはNVDA+スペース」">
-            <a:extLst>
-              <a:ext uri="{FF2B5EF4-FFF2-40B4-BE49-F238E27FC236}">
-                <a16:creationId xmlns:a16="http://schemas.microsoft.com/office/drawing/2014/main" id="{A122C209-CBD7-4421-AC71-A51E9E5EAE61}"/>
-              </a:ext>
-            </a:extLst>
-          </p:cNvPr>
-          <p:cNvGrpSpPr/>
-          <p:nvPr/>
-        </p:nvGrpSpPr>
-        <p:grpSpPr>
-          <a:xfrm>
-            <a:off x="2039991" y="3903932"/>
-            <a:ext cx="1720802" cy="1055823"/>
-            <a:chOff x="2039991" y="3903932"/>
-            <a:chExt cx="1720802" cy="1055823"/>
-          </a:xfrm>
-        </p:grpSpPr>
-        <p:sp>
-          <p:nvSpPr>
-            <p:cNvPr id="77" name="タイトル 1"/>
-            <p:cNvSpPr txBox="1">
-              <a:spLocks/>
-            </p:cNvSpPr>
-            <p:nvPr/>
-          </p:nvSpPr>
-          <p:spPr bwMode="auto">
-            <a:xfrm>
-              <a:off x="2366789" y="4193297"/>
-              <a:ext cx="1315120" cy="479966"/>
-            </a:xfrm>
-            <a:prstGeom prst="rect">
-              <a:avLst/>
-            </a:prstGeom>
-            <a:solidFill>
-              <a:schemeClr val="bg1"/>
-            </a:solidFill>
-            <a:ln>
-              <a:noFill/>
-            </a:ln>
-            <a:effectLst/>
-          </p:spPr>
-          <p:txBody>
-            <a:bodyPr vert="horz" wrap="square" lIns="104277" tIns="52139" rIns="104277" bIns="52139" numCol="1" anchor="ctr" anchorCtr="0" compatLnSpc="1">
-              <a:prstTxWarp prst="textNoShape">
-                <a:avLst/>
-              </a:prstTxWarp>
-            </a:bodyPr>
-            <a:lstStyle>
-              <a:lvl1pPr algn="ctr" defTabSz="1041400" rtl="0" fontAlgn="base">
-                <a:spcBef>
-                  <a:spcPct val="0"/>
-                </a:spcBef>
-                <a:spcAft>
-                  <a:spcPct val="0"/>
-                </a:spcAft>
-                <a:defRPr kumimoji="1" sz="4900">
-                  <a:solidFill>
-                    <a:schemeClr val="tx2"/>
-                  </a:solidFill>
-                  <a:latin typeface="+mj-lt"/>
-                  <a:ea typeface="+mj-ea"/>
-                  <a:cs typeface="+mj-cs"/>
-                </a:defRPr>
-              </a:lvl1pPr>
-              <a:lvl2pPr algn="ctr" defTabSz="1041400" rtl="0" fontAlgn="base">
-                <a:spcBef>
-                  <a:spcPct val="0"/>
-                </a:spcBef>
-                <a:spcAft>
-                  <a:spcPct val="0"/>
-                </a:spcAft>
-                <a:defRPr kumimoji="1" sz="4900">
-                  <a:solidFill>
-                    <a:schemeClr val="tx2"/>
-                  </a:solidFill>
-                  <a:latin typeface="Arial" charset="0"/>
-                  <a:ea typeface="ＭＳ Ｐゴシック" charset="-128"/>
-                </a:defRPr>
-              </a:lvl2pPr>
-              <a:lvl3pPr algn="ctr" defTabSz="1041400" rtl="0" fontAlgn="base">
-                <a:spcBef>
-                  <a:spcPct val="0"/>
-                </a:spcBef>
-                <a:spcAft>
-                  <a:spcPct val="0"/>
-                </a:spcAft>
-                <a:defRPr kumimoji="1" sz="4900">
-                  <a:solidFill>
-                    <a:schemeClr val="tx2"/>
-                  </a:solidFill>
-                  <a:latin typeface="Arial" charset="0"/>
-                  <a:ea typeface="ＭＳ Ｐゴシック" charset="-128"/>
-                </a:defRPr>
-              </a:lvl3pPr>
-              <a:lvl4pPr algn="ctr" defTabSz="1041400" rtl="0" fontAlgn="base">
-                <a:spcBef>
-                  <a:spcPct val="0"/>
-                </a:spcBef>
-                <a:spcAft>
-                  <a:spcPct val="0"/>
-                </a:spcAft>
-                <a:defRPr kumimoji="1" sz="4900">
-                  <a:solidFill>
-                    <a:schemeClr val="tx2"/>
-                  </a:solidFill>
-                  <a:latin typeface="Arial" charset="0"/>
-                  <a:ea typeface="ＭＳ Ｐゴシック" charset="-128"/>
-                </a:defRPr>
-              </a:lvl4pPr>
-              <a:lvl5pPr algn="ctr" defTabSz="1041400" rtl="0" fontAlgn="base">
-                <a:spcBef>
-                  <a:spcPct val="0"/>
-                </a:spcBef>
-                <a:spcAft>
-                  <a:spcPct val="0"/>
-                </a:spcAft>
-                <a:defRPr kumimoji="1" sz="4900">
-                  <a:solidFill>
-                    <a:schemeClr val="tx2"/>
-                  </a:solidFill>
-                  <a:latin typeface="Arial" charset="0"/>
-                  <a:ea typeface="ＭＳ Ｐゴシック" charset="-128"/>
-                </a:defRPr>
-              </a:lvl5pPr>
-              <a:lvl6pPr marL="457200" algn="ctr" defTabSz="1041400" rtl="0" fontAlgn="base">
-                <a:spcBef>
-                  <a:spcPct val="0"/>
-                </a:spcBef>
-                <a:spcAft>
-                  <a:spcPct val="0"/>
-                </a:spcAft>
-                <a:defRPr kumimoji="1" sz="4900">
-                  <a:solidFill>
-                    <a:schemeClr val="tx2"/>
-                  </a:solidFill>
-                  <a:latin typeface="Arial" charset="0"/>
-                  <a:ea typeface="ＭＳ Ｐゴシック" charset="-128"/>
-                </a:defRPr>
-              </a:lvl6pPr>
-              <a:lvl7pPr marL="914400" algn="ctr" defTabSz="1041400" rtl="0" fontAlgn="base">
-                <a:spcBef>
-                  <a:spcPct val="0"/>
-                </a:spcBef>
-                <a:spcAft>
-                  <a:spcPct val="0"/>
-                </a:spcAft>
-                <a:defRPr kumimoji="1" sz="4900">
-                  <a:solidFill>
-                    <a:schemeClr val="tx2"/>
-                  </a:solidFill>
-                  <a:latin typeface="Arial" charset="0"/>
-                  <a:ea typeface="ＭＳ Ｐゴシック" charset="-128"/>
-                </a:defRPr>
-              </a:lvl7pPr>
-              <a:lvl8pPr marL="1371600" algn="ctr" defTabSz="1041400" rtl="0" fontAlgn="base">
-                <a:spcBef>
-                  <a:spcPct val="0"/>
-                </a:spcBef>
-                <a:spcAft>
-                  <a:spcPct val="0"/>
-                </a:spcAft>
-                <a:defRPr kumimoji="1" sz="4900">
-                  <a:solidFill>
-                    <a:schemeClr val="tx2"/>
-                  </a:solidFill>
-                  <a:latin typeface="Arial" charset="0"/>
-                  <a:ea typeface="ＭＳ Ｐゴシック" charset="-128"/>
-                </a:defRPr>
-              </a:lvl8pPr>
-              <a:lvl9pPr marL="1828800" algn="ctr" defTabSz="1041400" rtl="0" fontAlgn="base">
-                <a:spcBef>
-                  <a:spcPct val="0"/>
-                </a:spcBef>
-                <a:spcAft>
-                  <a:spcPct val="0"/>
-                </a:spcAft>
-                <a:defRPr kumimoji="1" sz="4900">
-                  <a:solidFill>
-                    <a:schemeClr val="tx2"/>
-                  </a:solidFill>
-                  <a:latin typeface="Arial" charset="0"/>
-                  <a:ea typeface="ＭＳ Ｐゴシック" charset="-128"/>
-                </a:defRPr>
-              </a:lvl9pPr>
-            </a:lstStyle>
-            <a:p>
-              <a:r>
-                <a:rPr lang="ja-JP" altLang="en-US" sz="1200" kern="0" dirty="0">
-                  <a:latin typeface="源ノ角ゴシック JP Regular" panose="020B0500000000000000" pitchFamily="34" charset="-128"/>
-                  <a:ea typeface="源ノ角ゴシック JP Regular" panose="020B0500000000000000" pitchFamily="34" charset="-128"/>
-                </a:rPr>
-                <a:t>自動切替または</a:t>
-              </a:r>
-              <a:endParaRPr lang="en-US" altLang="ja-JP" sz="1200" kern="0" dirty="0">
-                <a:latin typeface="源ノ角ゴシック JP Regular" panose="020B0500000000000000" pitchFamily="34" charset="-128"/>
-                <a:ea typeface="源ノ角ゴシック JP Regular" panose="020B0500000000000000" pitchFamily="34" charset="-128"/>
-              </a:endParaRPr>
-            </a:p>
-            <a:p>
-              <a:r>
-                <a:rPr lang="en-US" altLang="ja-JP" sz="1100" kern="0" dirty="0">
-                  <a:latin typeface="源ノ角ゴシック JP Bold" panose="020B0800000000000000" pitchFamily="34" charset="-128"/>
-                  <a:ea typeface="源ノ角ゴシック JP Bold" panose="020B0800000000000000" pitchFamily="34" charset="-128"/>
-                </a:rPr>
-                <a:t>NVDA+</a:t>
-              </a:r>
-              <a:r>
-                <a:rPr lang="ja-JP" altLang="en-US" sz="1100" kern="0" dirty="0">
-                  <a:latin typeface="源ノ角ゴシック JP Bold" panose="020B0800000000000000" pitchFamily="34" charset="-128"/>
-                  <a:ea typeface="源ノ角ゴシック JP Bold" panose="020B0800000000000000" pitchFamily="34" charset="-128"/>
-                </a:rPr>
-                <a:t>スペース</a:t>
-              </a:r>
-              <a:endParaRPr lang="en-US" altLang="ja-JP" sz="1200" kern="0" dirty="0">
-                <a:latin typeface="源ノ角ゴシック JP Bold" panose="020B0800000000000000" pitchFamily="34" charset="-128"/>
-                <a:ea typeface="源ノ角ゴシック JP Bold" panose="020B0800000000000000" pitchFamily="34" charset="-128"/>
-              </a:endParaRPr>
-            </a:p>
-          </p:txBody>
-        </p:sp>
-        <p:sp>
-          <p:nvSpPr>
-            <p:cNvPr id="78" name="右カーブ矢印 77"/>
-            <p:cNvSpPr/>
-            <p:nvPr/>
-          </p:nvSpPr>
-          <p:spPr bwMode="auto">
-            <a:xfrm>
-              <a:off x="2256535" y="3983153"/>
-              <a:ext cx="319536" cy="925369"/>
-            </a:xfrm>
-            <a:prstGeom prst="curvedRightArrow">
-              <a:avLst/>
-            </a:prstGeom>
-            <a:solidFill>
-              <a:srgbClr val="FF0000"/>
-            </a:solidFill>
-            <a:ln w="9525" cap="flat" cmpd="sng" algn="ctr">
-              <a:noFill/>
-              <a:prstDash val="solid"/>
-              <a:round/>
-              <a:headEnd type="none" w="med" len="med"/>
-              <a:tailEnd type="none" w="med" len="med"/>
-            </a:ln>
-            <a:effectLst/>
-          </p:spPr>
-          <p:txBody>
-            <a:bodyPr vert="horz" wrap="square" lIns="91440" tIns="45720" rIns="91440" bIns="45720" numCol="1" rtlCol="0" anchor="t" anchorCtr="0" compatLnSpc="1">
-              <a:prstTxWarp prst="textNoShape">
-                <a:avLst/>
-              </a:prstTxWarp>
-            </a:bodyPr>
-            <a:lstStyle/>
-            <a:p>
-              <a:pPr marL="0" marR="0" indent="0" algn="l" defTabSz="1041400" rtl="0" eaLnBrk="1" fontAlgn="base" latinLnBrk="0" hangingPunct="1">
-                <a:lnSpc>
-                  <a:spcPct val="100000"/>
-                </a:lnSpc>
-                <a:spcBef>
-                  <a:spcPct val="0"/>
-                </a:spcBef>
-                <a:spcAft>
-                  <a:spcPct val="0"/>
-                </a:spcAft>
-                <a:buClrTx/>
-                <a:buSzTx/>
-                <a:buFontTx/>
-                <a:buNone/>
-                <a:tabLst/>
-              </a:pPr>
-              <a:endParaRPr kumimoji="1" lang="ja-JP" altLang="en-US" sz="2100" b="0" i="0" u="none" strike="noStrike" cap="none" normalizeH="0" baseline="0">
-                <a:ln>
-                  <a:noFill/>
-                </a:ln>
-                <a:solidFill>
-                  <a:schemeClr val="tx1"/>
-                </a:solidFill>
-                <a:effectLst/>
-                <a:latin typeface="源ノ角ゴシック JP Light" panose="020B0300000000000000" pitchFamily="34" charset="-128"/>
-                <a:ea typeface="源ノ角ゴシック JP Light" panose="020B0300000000000000" pitchFamily="34" charset="-128"/>
-              </a:endParaRPr>
-            </a:p>
-          </p:txBody>
-        </p:sp>
-        <p:sp>
-          <p:nvSpPr>
-            <p:cNvPr id="79" name="右カーブ矢印 78"/>
-            <p:cNvSpPr/>
-            <p:nvPr/>
-          </p:nvSpPr>
-          <p:spPr bwMode="auto">
-            <a:xfrm rot="10800000">
-              <a:off x="3441257" y="3949038"/>
-              <a:ext cx="319536" cy="925369"/>
-            </a:xfrm>
-            <a:prstGeom prst="curvedRightArrow">
-              <a:avLst/>
-            </a:prstGeom>
-            <a:solidFill>
-              <a:srgbClr val="0070C0"/>
-            </a:solidFill>
-            <a:ln w="9525" cap="flat" cmpd="sng" algn="ctr">
-              <a:noFill/>
-              <a:prstDash val="solid"/>
-              <a:round/>
-              <a:headEnd type="none" w="med" len="med"/>
-              <a:tailEnd type="none" w="med" len="med"/>
-            </a:ln>
-            <a:effectLst/>
-          </p:spPr>
-          <p:txBody>
-            <a:bodyPr vert="horz" wrap="square" lIns="91440" tIns="45720" rIns="91440" bIns="45720" numCol="1" rtlCol="0" anchor="t" anchorCtr="0" compatLnSpc="1">
-              <a:prstTxWarp prst="textNoShape">
-                <a:avLst/>
-              </a:prstTxWarp>
-            </a:bodyPr>
-            <a:lstStyle/>
-            <a:p>
-              <a:pPr marL="0" marR="0" indent="0" algn="l" defTabSz="1041400" rtl="0" eaLnBrk="1" fontAlgn="base" latinLnBrk="0" hangingPunct="1">
-                <a:lnSpc>
-                  <a:spcPct val="100000"/>
-                </a:lnSpc>
-                <a:spcBef>
-                  <a:spcPct val="0"/>
-                </a:spcBef>
-                <a:spcAft>
-                  <a:spcPct val="0"/>
-                </a:spcAft>
-                <a:buClrTx/>
-                <a:buSzTx/>
-                <a:buFontTx/>
-                <a:buNone/>
-                <a:tabLst/>
-              </a:pPr>
-              <a:endParaRPr kumimoji="1" lang="ja-JP" altLang="en-US" sz="2100" b="0" i="0" u="none" strike="noStrike" cap="none" normalizeH="0" baseline="0">
-                <a:ln>
-                  <a:noFill/>
-                </a:ln>
-                <a:solidFill>
-                  <a:schemeClr val="tx1"/>
-                </a:solidFill>
-                <a:effectLst/>
-                <a:latin typeface="源ノ角ゴシック JP Light" panose="020B0300000000000000" pitchFamily="34" charset="-128"/>
-                <a:ea typeface="源ノ角ゴシック JP Light" panose="020B0300000000000000" pitchFamily="34" charset="-128"/>
-              </a:endParaRPr>
-            </a:p>
-          </p:txBody>
-        </p:sp>
-        <p:sp>
-          <p:nvSpPr>
-            <p:cNvPr id="114" name="コンテンツ プレースホルダー 2"/>
-            <p:cNvSpPr txBox="1">
-              <a:spLocks/>
-            </p:cNvSpPr>
-            <p:nvPr/>
-          </p:nvSpPr>
-          <p:spPr bwMode="auto">
-            <a:xfrm>
-              <a:off x="2039991" y="4290519"/>
-              <a:ext cx="404598" cy="203401"/>
-            </a:xfrm>
-            <a:prstGeom prst="rect">
-              <a:avLst/>
-            </a:prstGeom>
-            <a:solidFill>
-              <a:schemeClr val="bg1"/>
-            </a:solidFill>
-            <a:ln>
-              <a:noFill/>
-            </a:ln>
-            <a:effectLst/>
-          </p:spPr>
-          <p:txBody>
-            <a:bodyPr vert="horz" wrap="square" lIns="104277" tIns="52139" rIns="104277" bIns="52139" numCol="1" anchor="t" anchorCtr="0" compatLnSpc="1">
-              <a:prstTxWarp prst="textNoShape">
-                <a:avLst/>
-              </a:prstTxWarp>
-            </a:bodyPr>
-            <a:lstStyle>
-              <a:lvl1pPr marL="0" indent="0" algn="ctr" defTabSz="1041400" rtl="0" fontAlgn="base">
-                <a:spcBef>
-                  <a:spcPct val="20000"/>
-                </a:spcBef>
-                <a:spcAft>
-                  <a:spcPct val="0"/>
-                </a:spcAft>
-                <a:buNone/>
-                <a:defRPr kumimoji="1" sz="3800">
-                  <a:solidFill>
-                    <a:schemeClr val="tx1"/>
-                  </a:solidFill>
-                  <a:latin typeface="+mn-lt"/>
-                  <a:ea typeface="+mn-ea"/>
-                  <a:cs typeface="+mn-cs"/>
-                </a:defRPr>
-              </a:lvl1pPr>
-              <a:lvl2pPr marL="457200" indent="0" algn="ctr" defTabSz="1041400" rtl="0" fontAlgn="base">
-                <a:spcBef>
-                  <a:spcPct val="20000"/>
-                </a:spcBef>
-                <a:spcAft>
-                  <a:spcPct val="0"/>
-                </a:spcAft>
-                <a:buNone/>
-                <a:defRPr kumimoji="1" sz="3200">
-                  <a:solidFill>
-                    <a:schemeClr val="tx1"/>
-                  </a:solidFill>
-                  <a:latin typeface="+mn-lt"/>
-                  <a:ea typeface="+mn-ea"/>
-                </a:defRPr>
-              </a:lvl2pPr>
-              <a:lvl3pPr marL="914400" indent="0" algn="ctr" defTabSz="1041400" rtl="0" fontAlgn="base">
-                <a:spcBef>
-                  <a:spcPct val="20000"/>
-                </a:spcBef>
-                <a:spcAft>
-                  <a:spcPct val="0"/>
-                </a:spcAft>
-                <a:buNone/>
-                <a:defRPr kumimoji="1" sz="2800">
-                  <a:solidFill>
-                    <a:schemeClr val="tx1"/>
-                  </a:solidFill>
-                  <a:latin typeface="+mn-lt"/>
-                  <a:ea typeface="+mn-ea"/>
-                </a:defRPr>
-              </a:lvl3pPr>
-              <a:lvl4pPr marL="1371600" indent="0" algn="ctr" defTabSz="1041400" rtl="0" fontAlgn="base">
-                <a:spcBef>
-                  <a:spcPct val="20000"/>
-                </a:spcBef>
-                <a:spcAft>
-                  <a:spcPct val="0"/>
-                </a:spcAft>
-                <a:buNone/>
-                <a:defRPr kumimoji="1" sz="2500">
-                  <a:solidFill>
-                    <a:schemeClr val="tx1"/>
-                  </a:solidFill>
-                  <a:latin typeface="+mn-lt"/>
-                  <a:ea typeface="+mn-ea"/>
-                </a:defRPr>
-              </a:lvl4pPr>
-              <a:lvl5pPr marL="1828800" indent="0" algn="ctr" defTabSz="1041400" rtl="0" fontAlgn="base">
-                <a:spcBef>
-                  <a:spcPct val="20000"/>
-                </a:spcBef>
-                <a:spcAft>
-                  <a:spcPct val="0"/>
-                </a:spcAft>
-                <a:buNone/>
-                <a:defRPr kumimoji="1" sz="2500">
-                  <a:solidFill>
-                    <a:schemeClr val="tx1"/>
-                  </a:solidFill>
-                  <a:latin typeface="+mn-lt"/>
-                  <a:ea typeface="+mn-ea"/>
-                </a:defRPr>
-              </a:lvl5pPr>
-              <a:lvl6pPr marL="2286000" indent="0" algn="ctr" defTabSz="1041400" rtl="0" fontAlgn="base">
-                <a:spcBef>
-                  <a:spcPct val="20000"/>
-                </a:spcBef>
-                <a:spcAft>
-                  <a:spcPct val="0"/>
-                </a:spcAft>
-                <a:buNone/>
-                <a:defRPr kumimoji="1" sz="2500">
-                  <a:solidFill>
-                    <a:schemeClr val="tx1"/>
-                  </a:solidFill>
-                  <a:latin typeface="+mn-lt"/>
-                  <a:ea typeface="+mn-ea"/>
-                </a:defRPr>
-              </a:lvl6pPr>
-              <a:lvl7pPr marL="2743200" indent="0" algn="ctr" defTabSz="1041400" rtl="0" fontAlgn="base">
-                <a:spcBef>
-                  <a:spcPct val="20000"/>
-                </a:spcBef>
-                <a:spcAft>
-                  <a:spcPct val="0"/>
-                </a:spcAft>
-                <a:buNone/>
-                <a:defRPr kumimoji="1" sz="2500">
-                  <a:solidFill>
-                    <a:schemeClr val="tx1"/>
-                  </a:solidFill>
-                  <a:latin typeface="+mn-lt"/>
-                  <a:ea typeface="+mn-ea"/>
-                </a:defRPr>
-              </a:lvl7pPr>
-              <a:lvl8pPr marL="3200400" indent="0" algn="ctr" defTabSz="1041400" rtl="0" fontAlgn="base">
-                <a:spcBef>
-                  <a:spcPct val="20000"/>
-                </a:spcBef>
-                <a:spcAft>
-                  <a:spcPct val="0"/>
-                </a:spcAft>
-                <a:buNone/>
-                <a:defRPr kumimoji="1" sz="2500">
-                  <a:solidFill>
-                    <a:schemeClr val="tx1"/>
-                  </a:solidFill>
-                  <a:latin typeface="+mn-lt"/>
-                  <a:ea typeface="+mn-ea"/>
-                </a:defRPr>
-              </a:lvl8pPr>
-              <a:lvl9pPr marL="3657600" indent="0" algn="ctr" defTabSz="1041400" rtl="0" fontAlgn="base">
-                <a:spcBef>
-                  <a:spcPct val="20000"/>
-                </a:spcBef>
-                <a:spcAft>
-                  <a:spcPct val="0"/>
-                </a:spcAft>
-                <a:buNone/>
-                <a:defRPr kumimoji="1" sz="2500">
-                  <a:solidFill>
-                    <a:schemeClr val="tx1"/>
-                  </a:solidFill>
-                  <a:latin typeface="+mn-lt"/>
-                  <a:ea typeface="+mn-ea"/>
-                </a:defRPr>
-              </a:lvl9pPr>
-            </a:lstStyle>
-            <a:p>
-              <a:pPr>
-                <a:spcBef>
-                  <a:spcPts val="0"/>
-                </a:spcBef>
-              </a:pPr>
-              <a:r>
-                <a:rPr lang="en-US" altLang="ja-JP" sz="900" dirty="0">
-                  <a:latin typeface="源ノ角ゴシック JP Heavy" panose="020B0A00000000000000" pitchFamily="34" charset="-128"/>
-                  <a:ea typeface="源ノ角ゴシック JP Heavy" panose="020B0A00000000000000" pitchFamily="34" charset="-128"/>
-                </a:rPr>
-                <a:t>Esc</a:t>
-              </a:r>
-              <a:endParaRPr lang="en-US" altLang="ja-JP" sz="900" kern="0" dirty="0">
-                <a:latin typeface="源ノ角ゴシック JP Heavy" panose="020B0A00000000000000" pitchFamily="34" charset="-128"/>
-                <a:ea typeface="源ノ角ゴシック JP Heavy" panose="020B0A00000000000000" pitchFamily="34" charset="-128"/>
-              </a:endParaRPr>
-            </a:p>
-          </p:txBody>
-        </p:sp>
-        <p:sp>
-          <p:nvSpPr>
-            <p:cNvPr id="142" name="正方形/長方形 141"/>
-            <p:cNvSpPr/>
-            <p:nvPr/>
-          </p:nvSpPr>
-          <p:spPr>
-            <a:xfrm>
-              <a:off x="2510522" y="3903932"/>
-              <a:ext cx="973609" cy="215444"/>
-            </a:xfrm>
-            <a:prstGeom prst="rect">
-              <a:avLst/>
-            </a:prstGeom>
-          </p:spPr>
-          <p:txBody>
-            <a:bodyPr wrap="square">
-              <a:spAutoFit/>
-            </a:bodyPr>
-            <a:lstStyle/>
-            <a:p>
-              <a:pPr algn="ctr"/>
-              <a:r>
-                <a:rPr lang="ja-JP" altLang="en-US" sz="800" dirty="0">
-                  <a:latin typeface="源ノ角ゴシック JP Regular" panose="020B0500000000000000" pitchFamily="34" charset="-128"/>
-                  <a:ea typeface="源ノ角ゴシック JP Regular" panose="020B0500000000000000" pitchFamily="34" charset="-128"/>
-                </a:rPr>
-                <a:t>ガシャ</a:t>
-              </a:r>
-            </a:p>
-          </p:txBody>
-        </p:sp>
-        <p:sp>
-          <p:nvSpPr>
-            <p:cNvPr id="143" name="正方形/長方形 142"/>
-            <p:cNvSpPr/>
-            <p:nvPr/>
-          </p:nvSpPr>
-          <p:spPr>
-            <a:xfrm>
-              <a:off x="2492416" y="4744311"/>
-              <a:ext cx="973609" cy="215444"/>
-            </a:xfrm>
-            <a:prstGeom prst="rect">
-              <a:avLst/>
-            </a:prstGeom>
-          </p:spPr>
-          <p:txBody>
-            <a:bodyPr wrap="square">
-              <a:spAutoFit/>
-            </a:bodyPr>
-            <a:lstStyle/>
-            <a:p>
-              <a:pPr algn="ctr"/>
-              <a:r>
-                <a:rPr lang="ja-JP" altLang="en-US" sz="800" dirty="0">
-                  <a:latin typeface="源ノ角ゴシック JP Regular" panose="020B0500000000000000" pitchFamily="34" charset="-128"/>
-                  <a:ea typeface="源ノ角ゴシック JP Regular" panose="020B0500000000000000" pitchFamily="34" charset="-128"/>
-                </a:rPr>
-                <a:t>ポン</a:t>
-              </a:r>
-            </a:p>
-          </p:txBody>
-        </p:sp>
-      </p:grpSp>
       <p:sp>
         <p:nvSpPr>
           <p:cNvPr id="124" name="コンテンツ プレースホルダー 2"/>
@@ -15753,7 +15696,7 @@
       </p:sp>
       <p:sp>
         <p:nvSpPr>
-          <p:cNvPr id="110" name="コンテンツ プレースホルダー 2"/>
+          <p:cNvPr id="130" name="コンテンツ プレースホルダー 2"/>
           <p:cNvSpPr txBox="1">
             <a:spLocks/>
           </p:cNvSpPr>
@@ -15761,8 +15704,8 @@
         </p:nvSpPr>
         <p:spPr bwMode="auto">
           <a:xfrm>
-            <a:off x="7366934" y="6625328"/>
-            <a:ext cx="3482262" cy="996861"/>
+            <a:off x="8377959" y="6634309"/>
+            <a:ext cx="2299566" cy="853418"/>
           </a:xfrm>
           <a:prstGeom prst="rect">
             <a:avLst/>
@@ -15955,20 +15898,13 @@
             </a:lvl9pPr>
           </a:lstStyle>
           <a:p>
-            <a:pPr algn="l"/>
-            <a:r>
-              <a:rPr lang="en-US" altLang="ja-JP" sz="900" kern="0" dirty="0">
-                <a:latin typeface="源ノ角ゴシック JP Heavy" panose="020B0A00000000000000" pitchFamily="34" charset="-128"/>
-                <a:ea typeface="源ノ角ゴシック JP Heavy" panose="020B0A00000000000000" pitchFamily="34" charset="-128"/>
-              </a:rPr>
-              <a:t>NVDA+M : </a:t>
-            </a:r>
+            <a:pPr algn="r"/>
             <a:r>
               <a:rPr lang="ja-JP" altLang="en-US" sz="900" kern="0" dirty="0">
                 <a:latin typeface="源ノ角ゴシック JP Heavy" panose="020B0A00000000000000" pitchFamily="34" charset="-128"/>
                 <a:ea typeface="源ノ角ゴシック JP Heavy" panose="020B0A00000000000000" pitchFamily="34" charset="-128"/>
               </a:rPr>
-              <a:t>マウスカーソル</a:t>
+              <a:t>■ 声や音を止める</a:t>
             </a:r>
             <a:endParaRPr lang="en-US" altLang="ja-JP" sz="900" kern="0" dirty="0">
               <a:latin typeface="源ノ角ゴシック JP Heavy" panose="020B0A00000000000000" pitchFamily="34" charset="-128"/>
@@ -15976,65 +15912,157 @@
             </a:endParaRPr>
           </a:p>
           <a:p>
-            <a:pPr algn="l"/>
-            <a:r>
-              <a:rPr lang="en-US" altLang="ja-JP" sz="900" dirty="0">
+            <a:pPr algn="r"/>
+            <a:r>
+              <a:rPr lang="en-US" altLang="ja-JP" sz="900" kern="0" dirty="0">
                 <a:latin typeface="源ノ角ゴシック JP Heavy" panose="020B0A00000000000000" pitchFamily="34" charset="-128"/>
                 <a:ea typeface="源ノ角ゴシック JP Heavy" panose="020B0A00000000000000" pitchFamily="34" charset="-128"/>
               </a:rPr>
-              <a:t>NVDA+U : </a:t>
-            </a:r>
-            <a:r>
-              <a:rPr lang="ja-JP" altLang="en-US" sz="900" dirty="0">
+              <a:t>NVDA+S : </a:t>
+            </a:r>
+            <a:r>
+              <a:rPr lang="ja-JP" altLang="en-US" sz="900" kern="0" dirty="0">
                 <a:latin typeface="源ノ角ゴシック JP Heavy" panose="020B0A00000000000000" pitchFamily="34" charset="-128"/>
                 <a:ea typeface="源ノ角ゴシック JP Heavy" panose="020B0A00000000000000" pitchFamily="34" charset="-128"/>
               </a:rPr>
-              <a:t>プログレス</a:t>
-            </a:r>
-            <a:endParaRPr lang="en-US" altLang="ja-JP" sz="900" dirty="0">
+              <a:t>読み上げモード</a:t>
+            </a:r>
+            <a:endParaRPr lang="en-US" altLang="ja-JP" sz="900" kern="0" dirty="0">
               <a:latin typeface="源ノ角ゴシック JP Heavy" panose="020B0A00000000000000" pitchFamily="34" charset="-128"/>
               <a:ea typeface="源ノ角ゴシック JP Heavy" panose="020B0A00000000000000" pitchFamily="34" charset="-128"/>
             </a:endParaRPr>
           </a:p>
           <a:p>
-            <a:pPr algn="l"/>
+            <a:pPr algn="r"/>
+            <a:r>
+              <a:rPr lang="ja-JP" altLang="en-US" sz="900" kern="0" dirty="0">
+                <a:latin typeface="源ノ角ゴシック JP Regular" panose="020B0500000000000000" pitchFamily="34" charset="-128"/>
+                <a:ea typeface="源ノ角ゴシック JP Regular" panose="020B0500000000000000" pitchFamily="34" charset="-128"/>
+              </a:rPr>
+              <a:t>▼ 設定 </a:t>
+            </a:r>
             <a:r>
               <a:rPr lang="en-US" altLang="ja-JP" sz="900" kern="0" dirty="0">
-                <a:latin typeface="源ノ角ゴシック JP Heavy" panose="020B0A00000000000000" pitchFamily="34" charset="-128"/>
-                <a:ea typeface="源ノ角ゴシック JP Heavy" panose="020B0A00000000000000" pitchFamily="34" charset="-128"/>
-              </a:rPr>
-              <a:t>NVDA+P : </a:t>
+                <a:latin typeface="源ノ角ゴシック JP Regular" panose="020B0500000000000000" pitchFamily="34" charset="-128"/>
+                <a:ea typeface="源ノ角ゴシック JP Regular" panose="020B0500000000000000" pitchFamily="34" charset="-128"/>
+              </a:rPr>
+              <a:t>&gt; </a:t>
             </a:r>
             <a:r>
               <a:rPr lang="ja-JP" altLang="en-US" sz="900" kern="0" dirty="0">
-                <a:latin typeface="源ノ角ゴシック JP Heavy" panose="020B0A00000000000000" pitchFamily="34" charset="-128"/>
-                <a:ea typeface="源ノ角ゴシック JP Heavy" panose="020B0A00000000000000" pitchFamily="34" charset="-128"/>
-              </a:rPr>
-              <a:t>記号</a:t>
-            </a:r>
-            <a:endParaRPr lang="en-US" altLang="ja-JP" sz="900" dirty="0">
-              <a:latin typeface="源ノ角ゴシック JP Heavy" panose="020B0A00000000000000" pitchFamily="34" charset="-128"/>
-              <a:ea typeface="源ノ角ゴシック JP Heavy" panose="020B0A00000000000000" pitchFamily="34" charset="-128"/>
+                <a:latin typeface="源ノ角ゴシック JP Regular" panose="020B0500000000000000" pitchFamily="34" charset="-128"/>
+                <a:ea typeface="源ノ角ゴシック JP Regular" panose="020B0500000000000000" pitchFamily="34" charset="-128"/>
+              </a:rPr>
+              <a:t>音声 </a:t>
+            </a:r>
+            <a:r>
+              <a:rPr lang="en-US" altLang="ja-JP" sz="900" kern="0" dirty="0">
+                <a:latin typeface="源ノ角ゴシック JP Regular" panose="020B0500000000000000" pitchFamily="34" charset="-128"/>
+                <a:ea typeface="源ノ角ゴシック JP Regular" panose="020B0500000000000000" pitchFamily="34" charset="-128"/>
+              </a:rPr>
+              <a:t>&gt; </a:t>
+            </a:r>
+            <a:r>
+              <a:rPr lang="ja-JP" altLang="en-US" sz="900" kern="0" dirty="0">
+                <a:latin typeface="源ノ角ゴシック JP Regular" panose="020B0500000000000000" pitchFamily="34" charset="-128"/>
+                <a:ea typeface="源ノ角ゴシック JP Regular" panose="020B0500000000000000" pitchFamily="34" charset="-128"/>
+              </a:rPr>
+              <a:t>エンジンなし </a:t>
+            </a:r>
+            <a:endParaRPr lang="en-US" altLang="ja-JP" sz="900" kern="0" dirty="0">
+              <a:latin typeface="源ノ角ゴシック JP Regular" panose="020B0500000000000000" pitchFamily="34" charset="-128"/>
+              <a:ea typeface="源ノ角ゴシック JP Regular" panose="020B0500000000000000" pitchFamily="34" charset="-128"/>
             </a:endParaRPr>
           </a:p>
           <a:p>
-            <a:pPr algn="l"/>
-            <a:br>
+            <a:pPr algn="r"/>
+            <a:r>
+              <a:rPr lang="ja-JP" altLang="en-US" sz="900" kern="0" dirty="0">
+                <a:latin typeface="源ノ角ゴシック JP Regular" panose="020B0500000000000000" pitchFamily="34" charset="-128"/>
+                <a:ea typeface="源ノ角ゴシック JP Regular" panose="020B0500000000000000" pitchFamily="34" charset="-128"/>
+              </a:rPr>
+              <a:t>▼</a:t>
+            </a:r>
+            <a:r>
               <a:rPr lang="en-US" altLang="ja-JP" sz="900" kern="0" dirty="0">
-                <a:latin typeface="源ノ角ゴシック JP Heavy" panose="020B0A00000000000000" pitchFamily="34" charset="-128"/>
-                <a:ea typeface="源ノ角ゴシック JP Heavy" panose="020B0A00000000000000" pitchFamily="34" charset="-128"/>
-              </a:rPr>
-            </a:br>
-            <a:endParaRPr lang="en-US" altLang="ja-JP" sz="900" dirty="0">
-              <a:latin typeface="源ノ角ゴシック JP Heavy" panose="020B0A00000000000000" pitchFamily="34" charset="-128"/>
-              <a:ea typeface="源ノ角ゴシック JP Heavy" panose="020B0A00000000000000" pitchFamily="34" charset="-128"/>
+                <a:latin typeface="源ノ角ゴシック JP Regular" panose="020B0500000000000000" pitchFamily="34" charset="-128"/>
+                <a:ea typeface="源ノ角ゴシック JP Regular" panose="020B0500000000000000" pitchFamily="34" charset="-128"/>
+              </a:rPr>
+              <a:t> </a:t>
+            </a:r>
+            <a:r>
+              <a:rPr lang="ja-JP" altLang="en-US" sz="900" kern="0" dirty="0">
+                <a:latin typeface="源ノ角ゴシック JP Regular" panose="020B0500000000000000" pitchFamily="34" charset="-128"/>
+                <a:ea typeface="源ノ角ゴシック JP Regular" panose="020B0500000000000000" pitchFamily="34" charset="-128"/>
+              </a:rPr>
+              <a:t>ツール </a:t>
+            </a:r>
+            <a:r>
+              <a:rPr lang="en-US" altLang="ja-JP" sz="900" kern="0" dirty="0">
+                <a:latin typeface="源ノ角ゴシック JP Regular" panose="020B0500000000000000" pitchFamily="34" charset="-128"/>
+                <a:ea typeface="源ノ角ゴシック JP Regular" panose="020B0500000000000000" pitchFamily="34" charset="-128"/>
+              </a:rPr>
+              <a:t>&gt; </a:t>
+            </a:r>
+            <a:r>
+              <a:rPr lang="ja-JP" altLang="en-US" sz="900" kern="0" dirty="0">
+                <a:latin typeface="源ノ角ゴシック JP Regular" panose="020B0500000000000000" pitchFamily="34" charset="-128"/>
+                <a:ea typeface="源ノ角ゴシック JP Regular" panose="020B0500000000000000" pitchFamily="34" charset="-128"/>
+              </a:rPr>
+              <a:t>スピーチビューアー</a:t>
+            </a:r>
+            <a:endParaRPr lang="en-US" altLang="ja-JP" sz="900" kern="0" dirty="0">
+              <a:latin typeface="源ノ角ゴシック JP Regular" panose="020B0500000000000000" pitchFamily="34" charset="-128"/>
+              <a:ea typeface="源ノ角ゴシック JP Regular" panose="020B0500000000000000" pitchFamily="34" charset="-128"/>
+            </a:endParaRPr>
+          </a:p>
+          <a:p>
+            <a:pPr algn="r"/>
+            <a:r>
+              <a:rPr lang="ja-JP" altLang="en-US" sz="900" kern="0" dirty="0">
+                <a:latin typeface="源ノ角ゴシック JP Regular" panose="020B0500000000000000" pitchFamily="34" charset="-128"/>
+                <a:ea typeface="源ノ角ゴシック JP Regular" panose="020B0500000000000000" pitchFamily="34" charset="-128"/>
+              </a:rPr>
+              <a:t>▼ 読み上げ </a:t>
+            </a:r>
+            <a:r>
+              <a:rPr lang="en-US" altLang="ja-JP" sz="900" kern="0" dirty="0">
+                <a:latin typeface="源ノ角ゴシック JP Regular" panose="020B0500000000000000" pitchFamily="34" charset="-128"/>
+                <a:ea typeface="源ノ角ゴシック JP Regular" panose="020B0500000000000000" pitchFamily="34" charset="-128"/>
+              </a:rPr>
+              <a:t>Ctrl : </a:t>
+            </a:r>
+            <a:r>
+              <a:rPr lang="ja-JP" altLang="en-US" sz="900" kern="0" dirty="0">
+                <a:latin typeface="源ノ角ゴシック JP Regular" panose="020B0500000000000000" pitchFamily="34" charset="-128"/>
+                <a:ea typeface="源ノ角ゴシック JP Regular" panose="020B0500000000000000" pitchFamily="34" charset="-128"/>
+              </a:rPr>
+              <a:t>停止 </a:t>
+            </a:r>
+            <a:r>
+              <a:rPr lang="en-US" altLang="ja-JP" sz="900" kern="0" dirty="0">
+                <a:latin typeface="源ノ角ゴシック JP Regular" panose="020B0500000000000000" pitchFamily="34" charset="-128"/>
+                <a:ea typeface="源ノ角ゴシック JP Regular" panose="020B0500000000000000" pitchFamily="34" charset="-128"/>
+              </a:rPr>
+              <a:t>/ Shift : </a:t>
+            </a:r>
+            <a:r>
+              <a:rPr lang="ja-JP" altLang="en-US" sz="900" kern="0" dirty="0">
+                <a:latin typeface="源ノ角ゴシック JP Regular" panose="020B0500000000000000" pitchFamily="34" charset="-128"/>
+                <a:ea typeface="源ノ角ゴシック JP Regular" panose="020B0500000000000000" pitchFamily="34" charset="-128"/>
+              </a:rPr>
+              <a:t>一時停止</a:t>
+            </a:r>
+            <a:endParaRPr lang="en-US" altLang="ja-JP" sz="900" kern="0" dirty="0">
+              <a:latin typeface="源ノ角ゴシック JP Regular" panose="020B0500000000000000" pitchFamily="34" charset="-128"/>
+              <a:ea typeface="源ノ角ゴシック JP Regular" panose="020B0500000000000000" pitchFamily="34" charset="-128"/>
             </a:endParaRPr>
           </a:p>
         </p:txBody>
       </p:sp>
       <p:sp>
         <p:nvSpPr>
-          <p:cNvPr id="130" name="コンテンツ プレースホルダー 2"/>
+          <p:cNvPr id="110" name="コンテンツ プレースホルダー 2"/>
           <p:cNvSpPr txBox="1">
             <a:spLocks/>
           </p:cNvSpPr>
@@ -16042,8 +16070,8 @@
         </p:nvSpPr>
         <p:spPr bwMode="auto">
           <a:xfrm>
-            <a:off x="8377959" y="6634309"/>
-            <a:ext cx="2299566" cy="853418"/>
+            <a:off x="7366934" y="6625328"/>
+            <a:ext cx="3482262" cy="996861"/>
           </a:xfrm>
           <a:prstGeom prst="rect">
             <a:avLst/>
@@ -16236,13 +16264,20 @@
             </a:lvl9pPr>
           </a:lstStyle>
           <a:p>
-            <a:pPr algn="r"/>
+            <a:pPr algn="l"/>
+            <a:r>
+              <a:rPr lang="en-US" altLang="ja-JP" sz="900" kern="0" dirty="0">
+                <a:latin typeface="源ノ角ゴシック JP Heavy" panose="020B0A00000000000000" pitchFamily="34" charset="-128"/>
+                <a:ea typeface="源ノ角ゴシック JP Heavy" panose="020B0A00000000000000" pitchFamily="34" charset="-128"/>
+              </a:rPr>
+              <a:t>NVDA+M : </a:t>
+            </a:r>
             <a:r>
               <a:rPr lang="ja-JP" altLang="en-US" sz="900" kern="0" dirty="0">
                 <a:latin typeface="源ノ角ゴシック JP Heavy" panose="020B0A00000000000000" pitchFamily="34" charset="-128"/>
                 <a:ea typeface="源ノ角ゴシック JP Heavy" panose="020B0A00000000000000" pitchFamily="34" charset="-128"/>
               </a:rPr>
-              <a:t>■ 声や音を止める</a:t>
+              <a:t>マウスカーソル</a:t>
             </a:r>
             <a:endParaRPr lang="en-US" altLang="ja-JP" sz="900" kern="0" dirty="0">
               <a:latin typeface="源ノ角ゴシック JP Heavy" panose="020B0A00000000000000" pitchFamily="34" charset="-128"/>
@@ -16250,150 +16285,58 @@
             </a:endParaRPr>
           </a:p>
           <a:p>
-            <a:pPr algn="r"/>
+            <a:pPr algn="l"/>
+            <a:r>
+              <a:rPr lang="en-US" altLang="ja-JP" sz="900" dirty="0">
+                <a:latin typeface="源ノ角ゴシック JP Heavy" panose="020B0A00000000000000" pitchFamily="34" charset="-128"/>
+                <a:ea typeface="源ノ角ゴシック JP Heavy" panose="020B0A00000000000000" pitchFamily="34" charset="-128"/>
+              </a:rPr>
+              <a:t>NVDA+U : </a:t>
+            </a:r>
+            <a:r>
+              <a:rPr lang="ja-JP" altLang="en-US" sz="900" dirty="0">
+                <a:latin typeface="源ノ角ゴシック JP Heavy" panose="020B0A00000000000000" pitchFamily="34" charset="-128"/>
+                <a:ea typeface="源ノ角ゴシック JP Heavy" panose="020B0A00000000000000" pitchFamily="34" charset="-128"/>
+              </a:rPr>
+              <a:t>プログレス</a:t>
+            </a:r>
+            <a:endParaRPr lang="en-US" altLang="ja-JP" sz="900" dirty="0">
+              <a:latin typeface="源ノ角ゴシック JP Heavy" panose="020B0A00000000000000" pitchFamily="34" charset="-128"/>
+              <a:ea typeface="源ノ角ゴシック JP Heavy" panose="020B0A00000000000000" pitchFamily="34" charset="-128"/>
+            </a:endParaRPr>
+          </a:p>
+          <a:p>
+            <a:pPr algn="l"/>
             <a:r>
               <a:rPr lang="en-US" altLang="ja-JP" sz="900" kern="0" dirty="0">
                 <a:latin typeface="源ノ角ゴシック JP Heavy" panose="020B0A00000000000000" pitchFamily="34" charset="-128"/>
                 <a:ea typeface="源ノ角ゴシック JP Heavy" panose="020B0A00000000000000" pitchFamily="34" charset="-128"/>
               </a:rPr>
-              <a:t>NVDA+S : </a:t>
+              <a:t>NVDA+P : </a:t>
             </a:r>
             <a:r>
               <a:rPr lang="ja-JP" altLang="en-US" sz="900" kern="0" dirty="0">
                 <a:latin typeface="源ノ角ゴシック JP Heavy" panose="020B0A00000000000000" pitchFamily="34" charset="-128"/>
                 <a:ea typeface="源ノ角ゴシック JP Heavy" panose="020B0A00000000000000" pitchFamily="34" charset="-128"/>
               </a:rPr>
-              <a:t>読み上げモード</a:t>
-            </a:r>
-            <a:endParaRPr lang="en-US" altLang="ja-JP" sz="900" kern="0" dirty="0">
+              <a:t>記号</a:t>
+            </a:r>
+            <a:endParaRPr lang="en-US" altLang="ja-JP" sz="900" dirty="0">
               <a:latin typeface="源ノ角ゴシック JP Heavy" panose="020B0A00000000000000" pitchFamily="34" charset="-128"/>
               <a:ea typeface="源ノ角ゴシック JP Heavy" panose="020B0A00000000000000" pitchFamily="34" charset="-128"/>
             </a:endParaRPr>
           </a:p>
           <a:p>
-            <a:pPr algn="r"/>
-            <a:r>
-              <a:rPr lang="ja-JP" altLang="en-US" sz="900" kern="0" dirty="0">
-                <a:latin typeface="源ノ角ゴシック JP Regular" panose="020B0500000000000000" pitchFamily="34" charset="-128"/>
-                <a:ea typeface="源ノ角ゴシック JP Regular" panose="020B0500000000000000" pitchFamily="34" charset="-128"/>
-              </a:rPr>
-              <a:t>▼ 設定 </a:t>
-            </a:r>
-            <a:r>
+            <a:pPr algn="l"/>
+            <a:br>
               <a:rPr lang="en-US" altLang="ja-JP" sz="900" kern="0" dirty="0">
-                <a:latin typeface="源ノ角ゴシック JP Regular" panose="020B0500000000000000" pitchFamily="34" charset="-128"/>
-                <a:ea typeface="源ノ角ゴシック JP Regular" panose="020B0500000000000000" pitchFamily="34" charset="-128"/>
-              </a:rPr>
-              <a:t>&gt; </a:t>
-            </a:r>
-            <a:r>
-              <a:rPr lang="ja-JP" altLang="en-US" sz="900" kern="0" dirty="0">
-                <a:latin typeface="源ノ角ゴシック JP Regular" panose="020B0500000000000000" pitchFamily="34" charset="-128"/>
-                <a:ea typeface="源ノ角ゴシック JP Regular" panose="020B0500000000000000" pitchFamily="34" charset="-128"/>
-              </a:rPr>
-              <a:t>音声 </a:t>
-            </a:r>
-            <a:r>
-              <a:rPr lang="en-US" altLang="ja-JP" sz="900" kern="0" dirty="0">
-                <a:latin typeface="源ノ角ゴシック JP Regular" panose="020B0500000000000000" pitchFamily="34" charset="-128"/>
-                <a:ea typeface="源ノ角ゴシック JP Regular" panose="020B0500000000000000" pitchFamily="34" charset="-128"/>
-              </a:rPr>
-              <a:t>&gt; </a:t>
-            </a:r>
-            <a:r>
-              <a:rPr lang="ja-JP" altLang="en-US" sz="900" kern="0" dirty="0">
-                <a:latin typeface="源ノ角ゴシック JP Regular" panose="020B0500000000000000" pitchFamily="34" charset="-128"/>
-                <a:ea typeface="源ノ角ゴシック JP Regular" panose="020B0500000000000000" pitchFamily="34" charset="-128"/>
-              </a:rPr>
-              <a:t>エンジンなし </a:t>
-            </a:r>
-            <a:endParaRPr lang="en-US" altLang="ja-JP" sz="900" kern="0" dirty="0">
-              <a:latin typeface="源ノ角ゴシック JP Regular" panose="020B0500000000000000" pitchFamily="34" charset="-128"/>
-              <a:ea typeface="源ノ角ゴシック JP Regular" panose="020B0500000000000000" pitchFamily="34" charset="-128"/>
-            </a:endParaRPr>
-          </a:p>
-          <a:p>
-            <a:pPr algn="r"/>
-            <a:r>
-              <a:rPr lang="ja-JP" altLang="en-US" sz="900" kern="0" dirty="0">
-                <a:latin typeface="源ノ角ゴシック JP Regular" panose="020B0500000000000000" pitchFamily="34" charset="-128"/>
-                <a:ea typeface="源ノ角ゴシック JP Regular" panose="020B0500000000000000" pitchFamily="34" charset="-128"/>
-              </a:rPr>
-              <a:t>▼</a:t>
-            </a:r>
-            <a:r>
-              <a:rPr lang="en-US" altLang="ja-JP" sz="900" kern="0" dirty="0">
-                <a:latin typeface="源ノ角ゴシック JP Regular" panose="020B0500000000000000" pitchFamily="34" charset="-128"/>
-                <a:ea typeface="源ノ角ゴシック JP Regular" panose="020B0500000000000000" pitchFamily="34" charset="-128"/>
-              </a:rPr>
-              <a:t> </a:t>
-            </a:r>
-            <a:r>
-              <a:rPr lang="ja-JP" altLang="en-US" sz="900" kern="0" dirty="0">
-                <a:latin typeface="源ノ角ゴシック JP Regular" panose="020B0500000000000000" pitchFamily="34" charset="-128"/>
-                <a:ea typeface="源ノ角ゴシック JP Regular" panose="020B0500000000000000" pitchFamily="34" charset="-128"/>
-              </a:rPr>
-              <a:t>ツール </a:t>
-            </a:r>
-            <a:r>
-              <a:rPr lang="en-US" altLang="ja-JP" sz="900" kern="0" dirty="0">
-                <a:latin typeface="源ノ角ゴシック JP Regular" panose="020B0500000000000000" pitchFamily="34" charset="-128"/>
-                <a:ea typeface="源ノ角ゴシック JP Regular" panose="020B0500000000000000" pitchFamily="34" charset="-128"/>
-              </a:rPr>
-              <a:t>&gt; </a:t>
-            </a:r>
-            <a:r>
-              <a:rPr lang="ja-JP" altLang="en-US" sz="900" kern="0" dirty="0">
-                <a:latin typeface="源ノ角ゴシック JP Regular" panose="020B0500000000000000" pitchFamily="34" charset="-128"/>
-                <a:ea typeface="源ノ角ゴシック JP Regular" panose="020B0500000000000000" pitchFamily="34" charset="-128"/>
-              </a:rPr>
-              <a:t>スピーチビューアー</a:t>
-            </a:r>
-            <a:endParaRPr lang="en-US" altLang="ja-JP" sz="900" kern="0" dirty="0">
-              <a:latin typeface="源ノ角ゴシック JP Regular" panose="020B0500000000000000" pitchFamily="34" charset="-128"/>
-              <a:ea typeface="源ノ角ゴシック JP Regular" panose="020B0500000000000000" pitchFamily="34" charset="-128"/>
-            </a:endParaRPr>
-          </a:p>
-          <a:p>
-            <a:pPr algn="r"/>
-            <a:r>
-              <a:rPr lang="ja-JP" altLang="en-US" sz="900" kern="0" dirty="0">
-                <a:latin typeface="源ノ角ゴシック JP Regular" panose="020B0500000000000000" pitchFamily="34" charset="-128"/>
-                <a:ea typeface="源ノ角ゴシック JP Regular" panose="020B0500000000000000" pitchFamily="34" charset="-128"/>
-              </a:rPr>
-              <a:t>▼ 読み上げ </a:t>
-            </a:r>
-            <a:r>
-              <a:rPr lang="en-US" altLang="ja-JP" sz="900" kern="0" dirty="0">
-                <a:latin typeface="源ノ角ゴシック JP Regular" panose="020B0500000000000000" pitchFamily="34" charset="-128"/>
-                <a:ea typeface="源ノ角ゴシック JP Regular" panose="020B0500000000000000" pitchFamily="34" charset="-128"/>
-              </a:rPr>
-              <a:t>Ctrl : </a:t>
-            </a:r>
-            <a:r>
-              <a:rPr lang="ja-JP" altLang="en-US" sz="900" kern="0" dirty="0">
-                <a:latin typeface="源ノ角ゴシック JP Regular" panose="020B0500000000000000" pitchFamily="34" charset="-128"/>
-                <a:ea typeface="源ノ角ゴシック JP Regular" panose="020B0500000000000000" pitchFamily="34" charset="-128"/>
-              </a:rPr>
-              <a:t>停止 </a:t>
-            </a:r>
-            <a:r>
-              <a:rPr lang="en-US" altLang="ja-JP" sz="900" kern="0" dirty="0">
-                <a:latin typeface="源ノ角ゴシック JP Regular" panose="020B0500000000000000" pitchFamily="34" charset="-128"/>
-                <a:ea typeface="源ノ角ゴシック JP Regular" panose="020B0500000000000000" pitchFamily="34" charset="-128"/>
-              </a:rPr>
-              <a:t>/ Shift : </a:t>
-            </a:r>
-            <a:r>
-              <a:rPr lang="ja-JP" altLang="en-US" sz="900" kern="0" dirty="0">
-                <a:latin typeface="源ノ角ゴシック JP Regular" panose="020B0500000000000000" pitchFamily="34" charset="-128"/>
-                <a:ea typeface="源ノ角ゴシック JP Regular" panose="020B0500000000000000" pitchFamily="34" charset="-128"/>
-              </a:rPr>
-              <a:t>一時停止</a:t>
-            </a:r>
-            <a:endParaRPr lang="en-US" altLang="ja-JP" sz="900" kern="0" dirty="0">
-              <a:latin typeface="源ノ角ゴシック JP Regular" panose="020B0500000000000000" pitchFamily="34" charset="-128"/>
-              <a:ea typeface="源ノ角ゴシック JP Regular" panose="020B0500000000000000" pitchFamily="34" charset="-128"/>
+                <a:latin typeface="源ノ角ゴシック JP Heavy" panose="020B0A00000000000000" pitchFamily="34" charset="-128"/>
+                <a:ea typeface="源ノ角ゴシック JP Heavy" panose="020B0A00000000000000" pitchFamily="34" charset="-128"/>
+              </a:rPr>
+            </a:br>
+            <a:endParaRPr lang="en-US" altLang="ja-JP" sz="900" dirty="0">
+              <a:latin typeface="源ノ角ゴシック JP Heavy" panose="020B0A00000000000000" pitchFamily="34" charset="-128"/>
+              <a:ea typeface="源ノ角ゴシック JP Heavy" panose="020B0A00000000000000" pitchFamily="34" charset="-128"/>
             </a:endParaRPr>
           </a:p>
         </p:txBody>

--- a/nvdacheat.pptx
+++ b/nvdacheat.pptx
@@ -12066,7 +12066,7 @@
                 <a:latin typeface="源ノ角ゴシック" panose="020B0500000000000000" pitchFamily="34" charset="-128"/>
                 <a:ea typeface="源ノ角ゴシック" panose="020B0500000000000000" pitchFamily="34" charset="-128"/>
               </a:rPr>
-              <a:t>24MMDD  </a:t>
+              <a:t>241115  </a:t>
             </a:r>
             <a:r>
               <a:rPr lang="en-US" altLang="ja-JP" sz="700" kern="0" dirty="0">
@@ -21358,7 +21358,7 @@
                 <a:latin typeface="源ノ角ゴシック" panose="020B0500000000000000" pitchFamily="34" charset="-128"/>
                 <a:ea typeface="源ノ角ゴシック" panose="020B0500000000000000" pitchFamily="34" charset="-128"/>
               </a:rPr>
-              <a:t>24MMDD  </a:t>
+              <a:t>241115  </a:t>
             </a:r>
             <a:r>
               <a:rPr lang="en-US" altLang="ja-JP" sz="700" kern="0" dirty="0">
